--- a/Vinit-MLIS-104-01-Research Basics.pptx
+++ b/Vinit-MLIS-104-01-Research Basics.pptx
@@ -5,7 +5,7 @@
     <p:sldMasterId id="2147483648" r:id="rId1"/>
   </p:sldMasterIdLst>
   <p:notesMasterIdLst>
-    <p:notesMasterId r:id="rId40"/>
+    <p:notesMasterId r:id="rId44"/>
   </p:notesMasterIdLst>
   <p:sldIdLst>
     <p:sldId id="256" r:id="rId2"/>
@@ -46,6 +46,10 @@
     <p:sldId id="293" r:id="rId37"/>
     <p:sldId id="294" r:id="rId38"/>
     <p:sldId id="295" r:id="rId39"/>
+    <p:sldId id="297" r:id="rId40"/>
+    <p:sldId id="298" r:id="rId41"/>
+    <p:sldId id="299" r:id="rId42"/>
+    <p:sldId id="300" r:id="rId43"/>
   </p:sldIdLst>
   <p:sldSz cx="12192000" cy="6858000"/>
   <p:notesSz cx="6858000" cy="9144000"/>
@@ -144,7 +148,16 @@
       </a:defRPr>
     </a:lvl9pPr>
   </p:defaultTextStyle>
+  <p:extLst>
+    <p:ext uri="{EFAFB233-063F-42B5-8137-9DF3F51BA10A}">
+      <p15:sldGuideLst xmlns:p15="http://schemas.microsoft.com/office/powerpoint/2012/main"/>
+    </p:ext>
+  </p:extLst>
 </p:presentation>
+</file>
+
+<file path=ppt/revisionInfo.xml><?xml version="1.0" encoding="utf-8"?>
+<p1510:revInfo xmlns:a="http://schemas.openxmlformats.org/drawingml/2006/main" xmlns:r="http://schemas.openxmlformats.org/officeDocument/2006/relationships" xmlns:p1510="http://schemas.microsoft.com/office/powerpoint/2015/10/main"/>
 </file>
 
 <file path=ppt/diagrams/colors1.xml><?xml version="1.0" encoding="utf-8"?>
@@ -17582,7 +17595,7 @@
           <a:p>
             <a:fld id="{BC8FBEA1-E8A2-4CE3-9122-957B79178A14}" type="datetimeFigureOut">
               <a:rPr lang="en-IN" smtClean="0"/>
-              <a:t>16-08-2018</a:t>
+              <a:t>17-08-2018</a:t>
             </a:fld>
             <a:endParaRPr lang="en-IN"/>
           </a:p>
@@ -18106,7 +18119,7 @@
           <a:p>
             <a:fld id="{8F8F0A7E-47CA-48E8-AE47-828028C978CA}" type="datetime1">
               <a:rPr lang="en-IN" smtClean="0"/>
-              <a:t>16-08-2018</a:t>
+              <a:t>17-08-2018</a:t>
             </a:fld>
             <a:endParaRPr lang="en-IN"/>
           </a:p>
@@ -18306,7 +18319,7 @@
           <a:p>
             <a:fld id="{E803ED57-8D57-4E62-BDA0-43B61086B003}" type="datetime1">
               <a:rPr lang="en-IN" smtClean="0"/>
-              <a:t>16-08-2018</a:t>
+              <a:t>17-08-2018</a:t>
             </a:fld>
             <a:endParaRPr lang="en-IN"/>
           </a:p>
@@ -18516,7 +18529,7 @@
           <a:p>
             <a:fld id="{0F775ADD-5087-4096-8816-683EA2B3A15D}" type="datetime1">
               <a:rPr lang="en-IN" smtClean="0"/>
-              <a:t>16-08-2018</a:t>
+              <a:t>17-08-2018</a:t>
             </a:fld>
             <a:endParaRPr lang="en-IN"/>
           </a:p>
@@ -18716,7 +18729,7 @@
           <a:p>
             <a:fld id="{DE6F041C-0654-41B0-8ECC-9A3C57DCFBBC}" type="datetime1">
               <a:rPr lang="en-IN" smtClean="0"/>
-              <a:t>16-08-2018</a:t>
+              <a:t>17-08-2018</a:t>
             </a:fld>
             <a:endParaRPr lang="en-IN"/>
           </a:p>
@@ -18992,7 +19005,7 @@
           <a:p>
             <a:fld id="{94EF0B5F-8BC1-4B15-AB0B-9EC31FDBA195}" type="datetime1">
               <a:rPr lang="en-IN" smtClean="0"/>
-              <a:t>16-08-2018</a:t>
+              <a:t>17-08-2018</a:t>
             </a:fld>
             <a:endParaRPr lang="en-IN"/>
           </a:p>
@@ -19260,7 +19273,7 @@
           <a:p>
             <a:fld id="{064A4640-A992-403D-B033-112302C0E931}" type="datetime1">
               <a:rPr lang="en-IN" smtClean="0"/>
-              <a:t>16-08-2018</a:t>
+              <a:t>17-08-2018</a:t>
             </a:fld>
             <a:endParaRPr lang="en-IN"/>
           </a:p>
@@ -19675,7 +19688,7 @@
           <a:p>
             <a:fld id="{71839BBF-C8BD-495A-98C5-0135EC599C04}" type="datetime1">
               <a:rPr lang="en-IN" smtClean="0"/>
-              <a:t>16-08-2018</a:t>
+              <a:t>17-08-2018</a:t>
             </a:fld>
             <a:endParaRPr lang="en-IN"/>
           </a:p>
@@ -19817,7 +19830,7 @@
           <a:p>
             <a:fld id="{E09CBA2A-E20E-4FC9-AA5B-F91DD5FDA606}" type="datetime1">
               <a:rPr lang="en-IN" smtClean="0"/>
-              <a:t>16-08-2018</a:t>
+              <a:t>17-08-2018</a:t>
             </a:fld>
             <a:endParaRPr lang="en-IN"/>
           </a:p>
@@ -19930,7 +19943,7 @@
           <a:p>
             <a:fld id="{6BBA6EE5-A361-454A-A843-E05A09D60D17}" type="datetime1">
               <a:rPr lang="en-IN" smtClean="0"/>
-              <a:t>16-08-2018</a:t>
+              <a:t>17-08-2018</a:t>
             </a:fld>
             <a:endParaRPr lang="en-IN"/>
           </a:p>
@@ -20243,7 +20256,7 @@
           <a:p>
             <a:fld id="{B6CCA044-4C4D-44F2-91D5-4413CC585555}" type="datetime1">
               <a:rPr lang="en-IN" smtClean="0"/>
-              <a:t>16-08-2018</a:t>
+              <a:t>17-08-2018</a:t>
             </a:fld>
             <a:endParaRPr lang="en-IN"/>
           </a:p>
@@ -20532,7 +20545,7 @@
           <a:p>
             <a:fld id="{0AF6FBFB-3651-4C44-8AEE-29F9638C1EFC}" type="datetime1">
               <a:rPr lang="en-IN" smtClean="0"/>
-              <a:t>16-08-2018</a:t>
+              <a:t>17-08-2018</a:t>
             </a:fld>
             <a:endParaRPr lang="en-IN"/>
           </a:p>
@@ -20775,7 +20788,7 @@
           <a:p>
             <a:fld id="{F5698AB2-5600-400A-80DB-C67781772422}" type="datetime1">
               <a:rPr lang="en-IN" smtClean="0"/>
-              <a:t>16-08-2018</a:t>
+              <a:t>17-08-2018</a:t>
             </a:fld>
             <a:endParaRPr lang="en-IN"/>
           </a:p>
@@ -22961,6 +22974,31 @@
               <a:rPr lang="en-US" dirty="0"/>
               <a:t>A literature review is a description of the literature relevant to a particular field or topic. </a:t>
             </a:r>
+          </a:p>
+          <a:p>
+            <a:pPr lvl="1"/>
+            <a:r>
+              <a:rPr lang="en-US" dirty="0"/>
+              <a:t>Involves </a:t>
+            </a:r>
+          </a:p>
+          <a:p>
+            <a:pPr lvl="2"/>
+            <a:r>
+              <a:rPr lang="en-US" dirty="0"/>
+              <a:t>literature search, and</a:t>
+            </a:r>
+          </a:p>
+          <a:p>
+            <a:pPr lvl="2"/>
+            <a:r>
+              <a:rPr lang="en-US" dirty="0"/>
+              <a:t>literature review</a:t>
+            </a:r>
+          </a:p>
+          <a:p>
+            <a:pPr lvl="1"/>
+            <a:endParaRPr lang="en-US" dirty="0"/>
           </a:p>
           <a:p>
             <a:endParaRPr lang="en-IN" dirty="0"/>
@@ -30475,6 +30513,215 @@
 </p:sld>
 </file>
 
+<file path=ppt/slides/slide39.xml><?xml version="1.0" encoding="utf-8"?>
+<p:sld xmlns:a="http://schemas.openxmlformats.org/drawingml/2006/main" xmlns:r="http://schemas.openxmlformats.org/officeDocument/2006/relationships" xmlns:p="http://schemas.openxmlformats.org/presentationml/2006/main">
+  <p:cSld>
+    <p:spTree>
+      <p:nvGrpSpPr>
+        <p:cNvPr id="1" name=""/>
+        <p:cNvGrpSpPr/>
+        <p:nvPr/>
+      </p:nvGrpSpPr>
+      <p:grpSpPr>
+        <a:xfrm>
+          <a:off x="0" y="0"/>
+          <a:ext cx="0" cy="0"/>
+          <a:chOff x="0" y="0"/>
+          <a:chExt cx="0" cy="0"/>
+        </a:xfrm>
+      </p:grpSpPr>
+      <p:sp>
+        <p:nvSpPr>
+          <p:cNvPr id="25601" name="Rectangle 3"/>
+          <p:cNvSpPr>
+            <a:spLocks noChangeArrowheads="1"/>
+          </p:cNvSpPr>
+          <p:nvPr/>
+        </p:nvSpPr>
+        <p:spPr bwMode="auto">
+          <a:xfrm>
+            <a:off x="154517" y="166688"/>
+            <a:ext cx="12037483" cy="5119350"/>
+          </a:xfrm>
+          <a:prstGeom prst="rect">
+            <a:avLst/>
+          </a:prstGeom>
+          <a:noFill/>
+          <a:ln>
+            <a:noFill/>
+          </a:ln>
+          <a:extLst>
+            <a:ext uri="{909E8E84-426E-40dd-AFC4-6F175D3DCCD1}">
+              <a14:hiddenFill xmlns="" xmlns:a14="http://schemas.microsoft.com/office/drawing/2010/main">
+                <a:solidFill>
+                  <a:srgbClr val="FFFFFF"/>
+                </a:solidFill>
+              </a14:hiddenFill>
+            </a:ext>
+            <a:ext uri="{91240B29-F687-4f45-9708-019B960494DF}">
+              <a14:hiddenLine xmlns="" xmlns:a14="http://schemas.microsoft.com/office/drawing/2010/main" w="9525">
+                <a:solidFill>
+                  <a:srgbClr val="000000"/>
+                </a:solidFill>
+                <a:miter lim="800000"/>
+                <a:headEnd/>
+                <a:tailEnd/>
+              </a14:hiddenLine>
+            </a:ext>
+          </a:extLst>
+        </p:spPr>
+        <p:txBody>
+          <a:bodyPr>
+            <a:spAutoFit/>
+          </a:bodyPr>
+          <a:lstStyle/>
+          <a:p>
+            <a:pPr algn="just"/>
+            <a:r>
+              <a:rPr lang="en-US" sz="3500" baseline="30000"/>
+              <a:t>Most of the professional and scholarly literature on downtown development has neglected small cities. </a:t>
+            </a:r>
+            <a:r>
+              <a:rPr lang="en-US" sz="3500" b="1" baseline="30000"/>
+              <a:t>Frieden and Sagalyn's (1999) </a:t>
+            </a:r>
+            <a:r>
+              <a:rPr lang="en-US" sz="3500" baseline="30000"/>
+              <a:t>widely cited book Downtown, Inc. concentrates on large- scale projects in Seattle, Boston, St. Paul, and San Diego, while </a:t>
+            </a:r>
+            <a:r>
+              <a:rPr lang="en-US" sz="3500" b="1" baseline="30000"/>
+              <a:t>Loukaitou-Sideris and Banerjee (1998</a:t>
+            </a:r>
+            <a:r>
+              <a:rPr lang="en-US" sz="3500" baseline="30000"/>
+              <a:t>) profile Los Angeles, San Francisco, and San Diego in their book on downtown design. Almost all the examples provided in </a:t>
+            </a:r>
+            <a:r>
+              <a:rPr lang="en-US" sz="3500" b="1" baseline="30000"/>
+              <a:t>Whyte (1988), Abbott (1993), and Robertson (1995) </a:t>
+            </a:r>
+            <a:r>
+              <a:rPr lang="en-US" sz="3500" baseline="30000"/>
+              <a:t>are from large cities, and </a:t>
+            </a:r>
+            <a:r>
+              <a:rPr lang="en-US" sz="3500" b="1" baseline="30000"/>
+              <a:t>Brooks and Young (1993) </a:t>
+            </a:r>
+            <a:r>
+              <a:rPr lang="en-US" sz="3500" baseline="30000"/>
+              <a:t>use New Orleans as their case study. The </a:t>
+            </a:r>
+            <a:r>
+              <a:rPr lang="en-US" sz="3500" b="1" baseline="30000"/>
+              <a:t>Downtown Development Handbook (McBee, 1992)</a:t>
+            </a:r>
+            <a:r>
+              <a:rPr lang="en-US" sz="3500" baseline="30000"/>
+              <a:t>, considered by many to be the bible of downtown development, is heavily dependent on projects in large cities to illustrate key points. Articles addressing a particular downtown development strategy such as retailing </a:t>
+            </a:r>
+            <a:r>
+              <a:rPr lang="en-US" sz="3500" b="1" baseline="30000"/>
+              <a:t>(Robertson, 1997; Sawicki, 1989)</a:t>
+            </a:r>
+            <a:r>
+              <a:rPr lang="en-US" sz="3500" baseline="30000"/>
+              <a:t>, stadiums </a:t>
+            </a:r>
+            <a:r>
+              <a:rPr lang="en-US" sz="3500" b="1" baseline="30000"/>
+              <a:t>(Noll &amp; Zimbalist, 1997; Rosentraub, Swindell, Pryzbylski, &amp; Mullins, 1994)</a:t>
+            </a:r>
+            <a:r>
+              <a:rPr lang="en-US" sz="3500" baseline="30000"/>
+              <a:t>, pedestrianization (</a:t>
+            </a:r>
+            <a:r>
+              <a:rPr lang="en-US" sz="3500" b="1" baseline="30000"/>
+              <a:t>Byers, 1998; Robertson, 1993)</a:t>
+            </a:r>
+            <a:r>
+              <a:rPr lang="en-US" sz="3500" baseline="30000"/>
+              <a:t>, and open space </a:t>
+            </a:r>
+            <a:r>
+              <a:rPr lang="en-US" sz="3500" b="1" baseline="30000"/>
+              <a:t>(Loukaitou-Sideris, 1993; Mozingo, 1989) </a:t>
+            </a:r>
+            <a:r>
+              <a:rPr lang="en-US" sz="3500" baseline="30000"/>
+              <a:t>all emphasize large cities as well. The professional magazine Urban Land has published numerous articles on downtown development in recent years, most of which feature a single large city </a:t>
+            </a:r>
+            <a:r>
+              <a:rPr lang="en-US" sz="3500" b="1" baseline="30000"/>
+              <a:t>(e.g., Holt, 1998; Howland, 1998; Lockwood, 1996)</a:t>
+            </a:r>
+            <a:endParaRPr lang="en-US" sz="3500" b="1"/>
+          </a:p>
+        </p:txBody>
+      </p:sp>
+      <p:sp>
+        <p:nvSpPr>
+          <p:cNvPr id="7" name="Footer Placeholder 6"/>
+          <p:cNvSpPr>
+            <a:spLocks noGrp="1"/>
+          </p:cNvSpPr>
+          <p:nvPr>
+            <p:ph type="ftr" sz="quarter" idx="11"/>
+          </p:nvPr>
+        </p:nvSpPr>
+        <p:spPr/>
+        <p:txBody>
+          <a:bodyPr/>
+          <a:lstStyle/>
+          <a:p>
+            <a:pPr>
+              <a:defRPr/>
+            </a:pPr>
+            <a:r>
+              <a:rPr lang="en-US"/>
+              <a:t>ICSSR-RM-Course-BU, Jhansi</a:t>
+            </a:r>
+          </a:p>
+        </p:txBody>
+      </p:sp>
+      <p:sp>
+        <p:nvSpPr>
+          <p:cNvPr id="2" name="Date Placeholder 1"/>
+          <p:cNvSpPr>
+            <a:spLocks noGrp="1"/>
+          </p:cNvSpPr>
+          <p:nvPr>
+            <p:ph type="dt" sz="half" idx="10"/>
+          </p:nvPr>
+        </p:nvSpPr>
+        <p:spPr/>
+        <p:txBody>
+          <a:bodyPr/>
+          <a:lstStyle/>
+          <a:p>
+            <a:fld id="{64CB99CE-7D63-A64A-94AD-A3FDA31FD4C6}" type="datetime1">
+              <a:rPr lang="en-IN" smtClean="0"/>
+              <a:t>17-08-2018</a:t>
+            </a:fld>
+            <a:endParaRPr lang="en-US"/>
+          </a:p>
+        </p:txBody>
+      </p:sp>
+    </p:spTree>
+    <p:extLst>
+      <p:ext uri="{BB962C8B-B14F-4D97-AF65-F5344CB8AC3E}">
+        <p14:creationId xmlns:p14="http://schemas.microsoft.com/office/powerpoint/2010/main" val="2472258956"/>
+      </p:ext>
+    </p:extLst>
+  </p:cSld>
+  <p:clrMapOvr>
+    <a:masterClrMapping/>
+  </p:clrMapOvr>
+</p:sld>
+</file>
+
 <file path=ppt/slides/slide4.xml><?xml version="1.0" encoding="utf-8"?>
 <p:sld xmlns:a="http://schemas.openxmlformats.org/drawingml/2006/main" xmlns:r="http://schemas.openxmlformats.org/officeDocument/2006/relationships" xmlns:p="http://schemas.openxmlformats.org/presentationml/2006/main">
   <p:cSld>
@@ -30663,6 +30910,480 @@
     <p:extLst>
       <p:ext uri="{BB962C8B-B14F-4D97-AF65-F5344CB8AC3E}">
         <p14:creationId xmlns:p14="http://schemas.microsoft.com/office/powerpoint/2010/main" val="1165732914"/>
+      </p:ext>
+    </p:extLst>
+  </p:cSld>
+  <p:clrMapOvr>
+    <a:masterClrMapping/>
+  </p:clrMapOvr>
+</p:sld>
+</file>
+
+<file path=ppt/slides/slide40.xml><?xml version="1.0" encoding="utf-8"?>
+<p:sld xmlns:a="http://schemas.openxmlformats.org/drawingml/2006/main" xmlns:r="http://schemas.openxmlformats.org/officeDocument/2006/relationships" xmlns:p="http://schemas.openxmlformats.org/presentationml/2006/main">
+  <p:cSld>
+    <p:spTree>
+      <p:nvGrpSpPr>
+        <p:cNvPr id="1" name=""/>
+        <p:cNvGrpSpPr/>
+        <p:nvPr/>
+      </p:nvGrpSpPr>
+      <p:grpSpPr>
+        <a:xfrm>
+          <a:off x="0" y="0"/>
+          <a:ext cx="0" cy="0"/>
+          <a:chOff x="0" y="0"/>
+          <a:chExt cx="0" cy="0"/>
+        </a:xfrm>
+      </p:grpSpPr>
+      <p:sp>
+        <p:nvSpPr>
+          <p:cNvPr id="26625" name="Content Placeholder 2"/>
+          <p:cNvSpPr>
+            <a:spLocks noGrp="1"/>
+          </p:cNvSpPr>
+          <p:nvPr>
+            <p:ph idx="1"/>
+          </p:nvPr>
+        </p:nvSpPr>
+        <p:spPr>
+          <a:xfrm>
+            <a:off x="0" y="9528"/>
+            <a:ext cx="12192000" cy="6848475"/>
+          </a:xfrm>
+        </p:spPr>
+        <p:txBody>
+          <a:bodyPr/>
+          <a:lstStyle/>
+          <a:p>
+            <a:pPr marL="0" indent="0">
+              <a:buFont typeface="Arial" charset="0"/>
+              <a:buNone/>
+            </a:pPr>
+            <a:r>
+              <a:rPr lang="en-US" baseline="30000">
+                <a:latin typeface="Calibri" charset="0"/>
+              </a:rPr>
+              <a:t>The positioning approach to strategy has provided the dominant framework for strategy from the 1950s, with contributions made by </a:t>
+            </a:r>
+            <a:r>
+              <a:rPr lang="en-US" b="1" baseline="30000">
+                <a:latin typeface="Calibri" charset="0"/>
+              </a:rPr>
+              <a:t>Andrews (1987</a:t>
+            </a:r>
+            <a:r>
+              <a:rPr lang="en-US" baseline="30000">
+                <a:latin typeface="Calibri" charset="0"/>
+              </a:rPr>
+              <a:t>), </a:t>
+            </a:r>
+            <a:r>
+              <a:rPr lang="en-US" b="1" baseline="30000">
+                <a:latin typeface="Calibri" charset="0"/>
+              </a:rPr>
+              <a:t>Ansoff (1987) and Learned </a:t>
+            </a:r>
+            <a:r>
+              <a:rPr lang="en-US" b="1" i="1" baseline="30000">
+                <a:latin typeface="Calibri" charset="0"/>
+              </a:rPr>
+              <a:t>et al. </a:t>
+            </a:r>
+            <a:r>
+              <a:rPr lang="en-US" b="1" baseline="30000">
+                <a:latin typeface="Calibri" charset="0"/>
+              </a:rPr>
+              <a:t>(1965)</a:t>
+            </a:r>
+            <a:r>
+              <a:rPr lang="en-US" baseline="30000">
+                <a:latin typeface="Calibri" charset="0"/>
+              </a:rPr>
+              <a:t>. Although the basic framework for this positioning approach appears to have been formulated in the early 1950s, it has been elaborated on and developed by a number of writers. Arguably, amongst these the most important contributor has been </a:t>
+            </a:r>
+            <a:r>
+              <a:rPr lang="en-US" b="1" baseline="30000">
+                <a:latin typeface="Calibri" charset="0"/>
+              </a:rPr>
+              <a:t>Porter (1980, 1985, 1987, 1993)</a:t>
+            </a:r>
+            <a:r>
+              <a:rPr lang="en-US" baseline="30000">
+                <a:latin typeface="Calibri" charset="0"/>
+              </a:rPr>
+              <a:t>, with his development of the concept of the five forces model used for industry analysis, the value chain as an instrument for assessing internal organizational strengths and weaknesses, and the generic strategies as a tool to assist in strategy evaluation. Theorists such as </a:t>
+            </a:r>
+            <a:r>
+              <a:rPr lang="en-US" b="1" baseline="30000">
+                <a:latin typeface="Calibri" charset="0"/>
+              </a:rPr>
+              <a:t>Ansoff (1968), Porter (1980) and Selznick (1957)</a:t>
+            </a:r>
+            <a:r>
+              <a:rPr lang="en-US" baseline="30000">
+                <a:latin typeface="Calibri" charset="0"/>
+              </a:rPr>
+              <a:t> have discussed the importance of internal analysis and developed the </a:t>
+            </a:r>
+            <a:r>
+              <a:rPr lang="en-US" i="1" baseline="30000">
+                <a:latin typeface="Calibri" charset="0"/>
+              </a:rPr>
+              <a:t>competence grid </a:t>
+            </a:r>
+            <a:r>
+              <a:rPr lang="en-US" baseline="30000">
+                <a:latin typeface="Calibri" charset="0"/>
+              </a:rPr>
+              <a:t>and the </a:t>
+            </a:r>
+            <a:r>
+              <a:rPr lang="en-US" i="1" baseline="30000">
+                <a:latin typeface="Calibri" charset="0"/>
+              </a:rPr>
+              <a:t>value chain </a:t>
+            </a:r>
+            <a:r>
+              <a:rPr lang="en-US" baseline="30000">
+                <a:latin typeface="Calibri" charset="0"/>
+              </a:rPr>
+              <a:t>as aids to this analysis. But the major focus has tended to be on the external environment, with the common assumption underlying the approach that the environment largely determines the organization’s freedom to manoeuvre. Therefore the structure of the environment is seen to be of overwhelming importance, and a strategy for delivering competitive advantage will be one that positions the organization within that environment. The problem for the strategist then becomes one of finding a position that is defensible against the threats from existing and potential competitors and also from the bargaining power of suppliers and buyers . . .</a:t>
+            </a:r>
+            <a:endParaRPr lang="en-US">
+              <a:latin typeface="Calibri" charset="0"/>
+            </a:endParaRPr>
+          </a:p>
+        </p:txBody>
+      </p:sp>
+      <p:sp>
+        <p:nvSpPr>
+          <p:cNvPr id="7" name="Footer Placeholder 6"/>
+          <p:cNvSpPr>
+            <a:spLocks noGrp="1"/>
+          </p:cNvSpPr>
+          <p:nvPr>
+            <p:ph type="ftr" sz="quarter" idx="11"/>
+          </p:nvPr>
+        </p:nvSpPr>
+        <p:spPr/>
+        <p:txBody>
+          <a:bodyPr/>
+          <a:lstStyle/>
+          <a:p>
+            <a:pPr>
+              <a:defRPr/>
+            </a:pPr>
+            <a:r>
+              <a:rPr lang="en-US">
+                <a:solidFill>
+                  <a:prstClr val="black">
+                    <a:tint val="75000"/>
+                  </a:prstClr>
+                </a:solidFill>
+                <a:latin typeface="Calibri"/>
+              </a:rPr>
+              <a:t>ICSSR-RM-Course-BU, Jhansi</a:t>
+            </a:r>
+          </a:p>
+        </p:txBody>
+      </p:sp>
+      <p:sp>
+        <p:nvSpPr>
+          <p:cNvPr id="2" name="Date Placeholder 1"/>
+          <p:cNvSpPr>
+            <a:spLocks noGrp="1"/>
+          </p:cNvSpPr>
+          <p:nvPr>
+            <p:ph type="dt" sz="half" idx="10"/>
+          </p:nvPr>
+        </p:nvSpPr>
+        <p:spPr/>
+        <p:txBody>
+          <a:bodyPr/>
+          <a:lstStyle/>
+          <a:p>
+            <a:pPr>
+              <a:defRPr/>
+            </a:pPr>
+            <a:fld id="{24E5057B-8046-3041-83ED-041CF07C9B3E}" type="datetime1">
+              <a:rPr lang="en-IN" smtClean="0">
+                <a:solidFill>
+                  <a:prstClr val="black">
+                    <a:tint val="75000"/>
+                  </a:prstClr>
+                </a:solidFill>
+                <a:latin typeface="Calibri"/>
+              </a:rPr>
+              <a:t>17-08-2018</a:t>
+            </a:fld>
+            <a:endParaRPr lang="en-US">
+              <a:solidFill>
+                <a:prstClr val="black">
+                  <a:tint val="75000"/>
+                </a:prstClr>
+              </a:solidFill>
+              <a:latin typeface="Calibri"/>
+            </a:endParaRPr>
+          </a:p>
+        </p:txBody>
+      </p:sp>
+    </p:spTree>
+    <p:extLst>
+      <p:ext uri="{BB962C8B-B14F-4D97-AF65-F5344CB8AC3E}">
+        <p14:creationId xmlns:p14="http://schemas.microsoft.com/office/powerpoint/2010/main" val="3607342158"/>
+      </p:ext>
+    </p:extLst>
+  </p:cSld>
+  <p:clrMapOvr>
+    <a:masterClrMapping/>
+  </p:clrMapOvr>
+</p:sld>
+</file>
+
+<file path=ppt/slides/slide41.xml><?xml version="1.0" encoding="utf-8"?>
+<p:sld xmlns:a="http://schemas.openxmlformats.org/drawingml/2006/main" xmlns:r="http://schemas.openxmlformats.org/officeDocument/2006/relationships" xmlns:p="http://schemas.openxmlformats.org/presentationml/2006/main">
+  <p:cSld>
+    <p:spTree>
+      <p:nvGrpSpPr>
+        <p:cNvPr id="1" name=""/>
+        <p:cNvGrpSpPr/>
+        <p:nvPr/>
+      </p:nvGrpSpPr>
+      <p:grpSpPr>
+        <a:xfrm>
+          <a:off x="0" y="0"/>
+          <a:ext cx="0" cy="0"/>
+          <a:chOff x="0" y="0"/>
+          <a:chExt cx="0" cy="0"/>
+        </a:xfrm>
+      </p:grpSpPr>
+      <p:sp>
+        <p:nvSpPr>
+          <p:cNvPr id="2" name="Title 1">
+            <a:extLst>
+              <a:ext uri="{FF2B5EF4-FFF2-40B4-BE49-F238E27FC236}">
+                <a16:creationId xmlns:a16="http://schemas.microsoft.com/office/drawing/2014/main" id="{EF46103A-8EB4-4727-BD79-9567BCDF35D8}"/>
+              </a:ext>
+            </a:extLst>
+          </p:cNvPr>
+          <p:cNvSpPr>
+            <a:spLocks noGrp="1"/>
+          </p:cNvSpPr>
+          <p:nvPr>
+            <p:ph type="title"/>
+          </p:nvPr>
+        </p:nvSpPr>
+        <p:spPr/>
+        <p:txBody>
+          <a:bodyPr/>
+          <a:lstStyle/>
+          <a:p>
+            <a:endParaRPr lang="en-IN"/>
+          </a:p>
+        </p:txBody>
+      </p:sp>
+      <p:sp>
+        <p:nvSpPr>
+          <p:cNvPr id="3" name="Content Placeholder 2">
+            <a:extLst>
+              <a:ext uri="{FF2B5EF4-FFF2-40B4-BE49-F238E27FC236}">
+                <a16:creationId xmlns:a16="http://schemas.microsoft.com/office/drawing/2014/main" id="{9F5CDDF3-0117-4C35-A9DD-5BD8BD1A98B0}"/>
+              </a:ext>
+            </a:extLst>
+          </p:cNvPr>
+          <p:cNvSpPr>
+            <a:spLocks noGrp="1"/>
+          </p:cNvSpPr>
+          <p:nvPr>
+            <p:ph idx="1"/>
+          </p:nvPr>
+        </p:nvSpPr>
+        <p:spPr/>
+        <p:txBody>
+          <a:bodyPr>
+            <a:normAutofit lnSpcReduction="10000"/>
+          </a:bodyPr>
+          <a:lstStyle/>
+          <a:p>
+            <a:r>
+              <a:rPr lang="en-US" dirty="0"/>
+              <a:t>Major steps in conducting research are:</a:t>
+            </a:r>
+          </a:p>
+          <a:p>
+            <a:pPr lvl="1"/>
+            <a:r>
+              <a:rPr lang="en-US" dirty="0"/>
+              <a:t>Identification of research problem</a:t>
+            </a:r>
+          </a:p>
+          <a:p>
+            <a:pPr lvl="1"/>
+            <a:r>
+              <a:rPr lang="en-US" dirty="0"/>
+              <a:t>Literature review</a:t>
+            </a:r>
+          </a:p>
+          <a:p>
+            <a:pPr lvl="1"/>
+            <a:r>
+              <a:rPr lang="en-US" dirty="0"/>
+              <a:t>Specifying purpose of research</a:t>
+            </a:r>
+          </a:p>
+          <a:p>
+            <a:pPr lvl="1"/>
+            <a:r>
+              <a:rPr lang="en-US" dirty="0"/>
+              <a:t>Determining specific research questions</a:t>
+            </a:r>
+          </a:p>
+          <a:p>
+            <a:pPr lvl="1"/>
+            <a:r>
+              <a:rPr lang="en-US" dirty="0"/>
+              <a:t>Specification of conceptual framework, usually set of hypotheses</a:t>
+            </a:r>
+          </a:p>
+          <a:p>
+            <a:pPr lvl="1"/>
+            <a:r>
+              <a:rPr lang="en-US" dirty="0"/>
+              <a:t>Choice of methodology (for data collection)</a:t>
+            </a:r>
+          </a:p>
+          <a:p>
+            <a:pPr lvl="1"/>
+            <a:r>
+              <a:rPr lang="en-US" dirty="0"/>
+              <a:t>Data collection</a:t>
+            </a:r>
+          </a:p>
+          <a:p>
+            <a:pPr lvl="1"/>
+            <a:r>
+              <a:rPr lang="en-US" dirty="0"/>
+              <a:t>Verifying data</a:t>
+            </a:r>
+          </a:p>
+          <a:p>
+            <a:pPr lvl="1"/>
+            <a:r>
+              <a:rPr lang="en-US" dirty="0"/>
+              <a:t>Analyzing &amp; interpreting data</a:t>
+            </a:r>
+          </a:p>
+          <a:p>
+            <a:pPr lvl="1"/>
+            <a:r>
+              <a:rPr lang="en-US" dirty="0"/>
+              <a:t>Reporting &amp; evaluating research</a:t>
+            </a:r>
+          </a:p>
+          <a:p>
+            <a:pPr lvl="1"/>
+            <a:r>
+              <a:rPr lang="en-US" dirty="0"/>
+              <a:t>Communicating research findings &amp; recommendations</a:t>
+            </a:r>
+          </a:p>
+          <a:p>
+            <a:endParaRPr lang="en-IN" dirty="0"/>
+          </a:p>
+        </p:txBody>
+      </p:sp>
+    </p:spTree>
+    <p:extLst>
+      <p:ext uri="{BB962C8B-B14F-4D97-AF65-F5344CB8AC3E}">
+        <p14:creationId xmlns:p14="http://schemas.microsoft.com/office/powerpoint/2010/main" val="2583805966"/>
+      </p:ext>
+    </p:extLst>
+  </p:cSld>
+  <p:clrMapOvr>
+    <a:masterClrMapping/>
+  </p:clrMapOvr>
+</p:sld>
+</file>
+
+<file path=ppt/slides/slide42.xml><?xml version="1.0" encoding="utf-8"?>
+<p:sld xmlns:a="http://schemas.openxmlformats.org/drawingml/2006/main" xmlns:r="http://schemas.openxmlformats.org/officeDocument/2006/relationships" xmlns:p="http://schemas.openxmlformats.org/presentationml/2006/main">
+  <p:cSld>
+    <p:spTree>
+      <p:nvGrpSpPr>
+        <p:cNvPr id="1" name=""/>
+        <p:cNvGrpSpPr/>
+        <p:nvPr/>
+      </p:nvGrpSpPr>
+      <p:grpSpPr>
+        <a:xfrm>
+          <a:off x="0" y="0"/>
+          <a:ext cx="0" cy="0"/>
+          <a:chOff x="0" y="0"/>
+          <a:chExt cx="0" cy="0"/>
+        </a:xfrm>
+      </p:grpSpPr>
+      <p:sp>
+        <p:nvSpPr>
+          <p:cNvPr id="2" name="Title 1">
+            <a:extLst>
+              <a:ext uri="{FF2B5EF4-FFF2-40B4-BE49-F238E27FC236}">
+                <a16:creationId xmlns:a16="http://schemas.microsoft.com/office/drawing/2014/main" id="{B0EDFFFD-725E-4912-AAC2-88F75AC6A78F}"/>
+              </a:ext>
+            </a:extLst>
+          </p:cNvPr>
+          <p:cNvSpPr>
+            <a:spLocks noGrp="1"/>
+          </p:cNvSpPr>
+          <p:nvPr>
+            <p:ph type="title"/>
+          </p:nvPr>
+        </p:nvSpPr>
+        <p:spPr/>
+        <p:txBody>
+          <a:bodyPr/>
+          <a:lstStyle/>
+          <a:p>
+            <a:r>
+              <a:rPr lang="en-US"/>
+              <a:t>Specifying purpose of research</a:t>
+            </a:r>
+            <a:br>
+              <a:rPr lang="en-US"/>
+            </a:br>
+            <a:endParaRPr lang="en-IN"/>
+          </a:p>
+        </p:txBody>
+      </p:sp>
+      <p:sp>
+        <p:nvSpPr>
+          <p:cNvPr id="3" name="Content Placeholder 2">
+            <a:extLst>
+              <a:ext uri="{FF2B5EF4-FFF2-40B4-BE49-F238E27FC236}">
+                <a16:creationId xmlns:a16="http://schemas.microsoft.com/office/drawing/2014/main" id="{87A2CFB1-5EA6-439B-817D-9950A16F313B}"/>
+              </a:ext>
+            </a:extLst>
+          </p:cNvPr>
+          <p:cNvSpPr>
+            <a:spLocks noGrp="1"/>
+          </p:cNvSpPr>
+          <p:nvPr>
+            <p:ph idx="1"/>
+          </p:nvPr>
+        </p:nvSpPr>
+        <p:spPr/>
+        <p:txBody>
+          <a:bodyPr/>
+          <a:lstStyle/>
+          <a:p>
+            <a:endParaRPr lang="en-IN"/>
+          </a:p>
+        </p:txBody>
+      </p:sp>
+    </p:spTree>
+    <p:extLst>
+      <p:ext uri="{BB962C8B-B14F-4D97-AF65-F5344CB8AC3E}">
+        <p14:creationId xmlns:p14="http://schemas.microsoft.com/office/powerpoint/2010/main" val="2983482011"/>
       </p:ext>
     </p:extLst>
   </p:cSld>

--- a/Vinit-MLIS-104-01-Research Basics.pptx
+++ b/Vinit-MLIS-104-01-Research Basics.pptx
@@ -5,7 +5,7 @@
     <p:sldMasterId id="2147483648" r:id="rId1"/>
   </p:sldMasterIdLst>
   <p:notesMasterIdLst>
-    <p:notesMasterId r:id="rId44"/>
+    <p:notesMasterId r:id="rId45"/>
   </p:notesMasterIdLst>
   <p:sldIdLst>
     <p:sldId id="256" r:id="rId2"/>
@@ -48,8 +48,9 @@
     <p:sldId id="295" r:id="rId39"/>
     <p:sldId id="297" r:id="rId40"/>
     <p:sldId id="298" r:id="rId41"/>
-    <p:sldId id="299" r:id="rId42"/>
-    <p:sldId id="300" r:id="rId43"/>
+    <p:sldId id="300" r:id="rId42"/>
+    <p:sldId id="301" r:id="rId43"/>
+    <p:sldId id="302" r:id="rId44"/>
   </p:sldIdLst>
   <p:sldSz cx="12192000" cy="6858000"/>
   <p:notesSz cx="6858000" cy="9144000"/>
@@ -18117,7 +18118,7 @@
           <a:bodyPr/>
           <a:lstStyle/>
           <a:p>
-            <a:fld id="{8F8F0A7E-47CA-48E8-AE47-828028C978CA}" type="datetime1">
+            <a:fld id="{6F56A93D-98CF-42F8-ACA1-3331BE5CAE32}" type="datetime1">
               <a:rPr lang="en-IN" smtClean="0"/>
               <a:t>17-08-2018</a:t>
             </a:fld>
@@ -18317,7 +18318,7 @@
           <a:bodyPr/>
           <a:lstStyle/>
           <a:p>
-            <a:fld id="{E803ED57-8D57-4E62-BDA0-43B61086B003}" type="datetime1">
+            <a:fld id="{B3B6630B-FB6D-491F-8622-8C83F3275445}" type="datetime1">
               <a:rPr lang="en-IN" smtClean="0"/>
               <a:t>17-08-2018</a:t>
             </a:fld>
@@ -18527,7 +18528,7 @@
           <a:bodyPr/>
           <a:lstStyle/>
           <a:p>
-            <a:fld id="{0F775ADD-5087-4096-8816-683EA2B3A15D}" type="datetime1">
+            <a:fld id="{A78F1241-4DA6-4CFB-8E38-1E4F42C27A85}" type="datetime1">
               <a:rPr lang="en-IN" smtClean="0"/>
               <a:t>17-08-2018</a:t>
             </a:fld>
@@ -18727,7 +18728,7 @@
           <a:bodyPr/>
           <a:lstStyle/>
           <a:p>
-            <a:fld id="{DE6F041C-0654-41B0-8ECC-9A3C57DCFBBC}" type="datetime1">
+            <a:fld id="{D40499DE-712E-4B21-826F-5E369C582D63}" type="datetime1">
               <a:rPr lang="en-IN" smtClean="0"/>
               <a:t>17-08-2018</a:t>
             </a:fld>
@@ -19003,7 +19004,7 @@
           <a:bodyPr/>
           <a:lstStyle/>
           <a:p>
-            <a:fld id="{94EF0B5F-8BC1-4B15-AB0B-9EC31FDBA195}" type="datetime1">
+            <a:fld id="{B87046C1-1DBC-4C45-B8B3-85EBC71E1BC2}" type="datetime1">
               <a:rPr lang="en-IN" smtClean="0"/>
               <a:t>17-08-2018</a:t>
             </a:fld>
@@ -19271,7 +19272,7 @@
           <a:bodyPr/>
           <a:lstStyle/>
           <a:p>
-            <a:fld id="{064A4640-A992-403D-B033-112302C0E931}" type="datetime1">
+            <a:fld id="{D09FEF16-F2A4-4A83-8879-86A068D3AD0A}" type="datetime1">
               <a:rPr lang="en-IN" smtClean="0"/>
               <a:t>17-08-2018</a:t>
             </a:fld>
@@ -19686,7 +19687,7 @@
           <a:bodyPr/>
           <a:lstStyle/>
           <a:p>
-            <a:fld id="{71839BBF-C8BD-495A-98C5-0135EC599C04}" type="datetime1">
+            <a:fld id="{AC27502C-7D2D-42A0-A618-872FB0C15A04}" type="datetime1">
               <a:rPr lang="en-IN" smtClean="0"/>
               <a:t>17-08-2018</a:t>
             </a:fld>
@@ -19828,7 +19829,7 @@
           <a:bodyPr/>
           <a:lstStyle/>
           <a:p>
-            <a:fld id="{E09CBA2A-E20E-4FC9-AA5B-F91DD5FDA606}" type="datetime1">
+            <a:fld id="{36AA8895-9C56-4020-869B-42D8430B374A}" type="datetime1">
               <a:rPr lang="en-IN" smtClean="0"/>
               <a:t>17-08-2018</a:t>
             </a:fld>
@@ -19941,7 +19942,7 @@
           <a:bodyPr/>
           <a:lstStyle/>
           <a:p>
-            <a:fld id="{6BBA6EE5-A361-454A-A843-E05A09D60D17}" type="datetime1">
+            <a:fld id="{514217C0-A885-4545-8BFC-5E1B8F8DC823}" type="datetime1">
               <a:rPr lang="en-IN" smtClean="0"/>
               <a:t>17-08-2018</a:t>
             </a:fld>
@@ -20254,7 +20255,7 @@
           <a:bodyPr/>
           <a:lstStyle/>
           <a:p>
-            <a:fld id="{B6CCA044-4C4D-44F2-91D5-4413CC585555}" type="datetime1">
+            <a:fld id="{8D0BAEF4-B245-426F-AD8B-0CC897ACBD81}" type="datetime1">
               <a:rPr lang="en-IN" smtClean="0"/>
               <a:t>17-08-2018</a:t>
             </a:fld>
@@ -20543,7 +20544,7 @@
           <a:bodyPr/>
           <a:lstStyle/>
           <a:p>
-            <a:fld id="{0AF6FBFB-3651-4C44-8AEE-29F9638C1EFC}" type="datetime1">
+            <a:fld id="{B07C1369-7D3D-43D3-9701-A168F7E90BEC}" type="datetime1">
               <a:rPr lang="en-IN" smtClean="0"/>
               <a:t>17-08-2018</a:t>
             </a:fld>
@@ -20786,7 +20787,7 @@
             </a:lvl1pPr>
           </a:lstStyle>
           <a:p>
-            <a:fld id="{F5698AB2-5600-400A-80DB-C67781772422}" type="datetime1">
+            <a:fld id="{D465BEA8-A66A-40E0-ABAC-9E18F57056C3}" type="datetime1">
               <a:rPr lang="en-IN" smtClean="0"/>
               <a:t>17-08-2018</a:t>
             </a:fld>
@@ -22983,22 +22984,44 @@
             </a:r>
           </a:p>
           <a:p>
-            <a:pPr lvl="2"/>
+            <a:pPr marL="914400" lvl="2" indent="0">
+              <a:buNone/>
+            </a:pPr>
+            <a:r>
+              <a:rPr lang="en-US" dirty="0" err="1"/>
+              <a:t>i</a:t>
+            </a:r>
             <a:r>
               <a:rPr lang="en-US" dirty="0"/>
-              <a:t>literature search, and</a:t>
-            </a:r>
-          </a:p>
-          <a:p>
-            <a:pPr lvl="2"/>
+              <a:t>) search for existing literature in your area of study; </a:t>
+            </a:r>
+          </a:p>
+          <a:p>
+            <a:pPr marL="914400" lvl="2" indent="0">
+              <a:buNone/>
+            </a:pPr>
             <a:r>
               <a:rPr lang="en-US" dirty="0"/>
-              <a:t>literature review</a:t>
-            </a:r>
-          </a:p>
-          <a:p>
-            <a:pPr lvl="1"/>
-            <a:endParaRPr lang="en-US" dirty="0"/>
+              <a:t>ii) review the literature selected; </a:t>
+            </a:r>
+          </a:p>
+          <a:p>
+            <a:pPr marL="914400" lvl="2" indent="0">
+              <a:buNone/>
+            </a:pPr>
+            <a:r>
+              <a:rPr lang="en-US" dirty="0"/>
+              <a:t>iii) develop a theoretical framework; </a:t>
+            </a:r>
+          </a:p>
+          <a:p>
+            <a:pPr marL="914400" lvl="2" indent="0">
+              <a:buNone/>
+            </a:pPr>
+            <a:r>
+              <a:rPr lang="en-US" dirty="0"/>
+              <a:t>iv) develop a conceptual framework.</a:t>
+            </a:r>
           </a:p>
           <a:p>
             <a:endParaRPr lang="en-IN" dirty="0"/>
@@ -30661,54 +30684,6 @@
           </a:p>
         </p:txBody>
       </p:sp>
-      <p:sp>
-        <p:nvSpPr>
-          <p:cNvPr id="7" name="Footer Placeholder 6"/>
-          <p:cNvSpPr>
-            <a:spLocks noGrp="1"/>
-          </p:cNvSpPr>
-          <p:nvPr>
-            <p:ph type="ftr" sz="quarter" idx="11"/>
-          </p:nvPr>
-        </p:nvSpPr>
-        <p:spPr/>
-        <p:txBody>
-          <a:bodyPr/>
-          <a:lstStyle/>
-          <a:p>
-            <a:pPr>
-              <a:defRPr/>
-            </a:pPr>
-            <a:r>
-              <a:rPr lang="en-US"/>
-              <a:t>ICSSR-RM-Course-BU, Jhansi</a:t>
-            </a:r>
-          </a:p>
-        </p:txBody>
-      </p:sp>
-      <p:sp>
-        <p:nvSpPr>
-          <p:cNvPr id="2" name="Date Placeholder 1"/>
-          <p:cNvSpPr>
-            <a:spLocks noGrp="1"/>
-          </p:cNvSpPr>
-          <p:nvPr>
-            <p:ph type="dt" sz="half" idx="10"/>
-          </p:nvPr>
-        </p:nvSpPr>
-        <p:spPr/>
-        <p:txBody>
-          <a:bodyPr/>
-          <a:lstStyle/>
-          <a:p>
-            <a:fld id="{64CB99CE-7D63-A64A-94AD-A3FDA31FD4C6}" type="datetime1">
-              <a:rPr lang="en-IN" smtClean="0"/>
-              <a:t>17-08-2018</a:t>
-            </a:fld>
-            <a:endParaRPr lang="en-US"/>
-          </a:p>
-        </p:txBody>
-      </p:sp>
     </p:spTree>
     <p:extLst>
       <p:ext uri="{BB962C8B-B14F-4D97-AF65-F5344CB8AC3E}">
@@ -31056,78 +31031,6 @@
           </a:p>
         </p:txBody>
       </p:sp>
-      <p:sp>
-        <p:nvSpPr>
-          <p:cNvPr id="7" name="Footer Placeholder 6"/>
-          <p:cNvSpPr>
-            <a:spLocks noGrp="1"/>
-          </p:cNvSpPr>
-          <p:nvPr>
-            <p:ph type="ftr" sz="quarter" idx="11"/>
-          </p:nvPr>
-        </p:nvSpPr>
-        <p:spPr/>
-        <p:txBody>
-          <a:bodyPr/>
-          <a:lstStyle/>
-          <a:p>
-            <a:pPr>
-              <a:defRPr/>
-            </a:pPr>
-            <a:r>
-              <a:rPr lang="en-US">
-                <a:solidFill>
-                  <a:prstClr val="black">
-                    <a:tint val="75000"/>
-                  </a:prstClr>
-                </a:solidFill>
-                <a:latin typeface="Calibri"/>
-              </a:rPr>
-              <a:t>ICSSR-RM-Course-BU, Jhansi</a:t>
-            </a:r>
-          </a:p>
-        </p:txBody>
-      </p:sp>
-      <p:sp>
-        <p:nvSpPr>
-          <p:cNvPr id="2" name="Date Placeholder 1"/>
-          <p:cNvSpPr>
-            <a:spLocks noGrp="1"/>
-          </p:cNvSpPr>
-          <p:nvPr>
-            <p:ph type="dt" sz="half" idx="10"/>
-          </p:nvPr>
-        </p:nvSpPr>
-        <p:spPr/>
-        <p:txBody>
-          <a:bodyPr/>
-          <a:lstStyle/>
-          <a:p>
-            <a:pPr>
-              <a:defRPr/>
-            </a:pPr>
-            <a:fld id="{24E5057B-8046-3041-83ED-041CF07C9B3E}" type="datetime1">
-              <a:rPr lang="en-IN" smtClean="0">
-                <a:solidFill>
-                  <a:prstClr val="black">
-                    <a:tint val="75000"/>
-                  </a:prstClr>
-                </a:solidFill>
-                <a:latin typeface="Calibri"/>
-              </a:rPr>
-              <a:t>17-08-2018</a:t>
-            </a:fld>
-            <a:endParaRPr lang="en-US">
-              <a:solidFill>
-                <a:prstClr val="black">
-                  <a:tint val="75000"/>
-                </a:prstClr>
-              </a:solidFill>
-              <a:latin typeface="Calibri"/>
-            </a:endParaRPr>
-          </a:p>
-        </p:txBody>
-      </p:sp>
     </p:spTree>
     <p:extLst>
       <p:ext uri="{BB962C8B-B14F-4D97-AF65-F5344CB8AC3E}">
@@ -31142,171 +31045,6 @@
 </file>
 
 <file path=ppt/slides/slide41.xml><?xml version="1.0" encoding="utf-8"?>
-<p:sld xmlns:a="http://schemas.openxmlformats.org/drawingml/2006/main" xmlns:r="http://schemas.openxmlformats.org/officeDocument/2006/relationships" xmlns:p="http://schemas.openxmlformats.org/presentationml/2006/main">
-  <p:cSld>
-    <p:spTree>
-      <p:nvGrpSpPr>
-        <p:cNvPr id="1" name=""/>
-        <p:cNvGrpSpPr/>
-        <p:nvPr/>
-      </p:nvGrpSpPr>
-      <p:grpSpPr>
-        <a:xfrm>
-          <a:off x="0" y="0"/>
-          <a:ext cx="0" cy="0"/>
-          <a:chOff x="0" y="0"/>
-          <a:chExt cx="0" cy="0"/>
-        </a:xfrm>
-      </p:grpSpPr>
-      <p:sp>
-        <p:nvSpPr>
-          <p:cNvPr id="2" name="Title 1">
-            <a:extLst>
-              <a:ext uri="{FF2B5EF4-FFF2-40B4-BE49-F238E27FC236}">
-                <a16:creationId xmlns:a16="http://schemas.microsoft.com/office/drawing/2014/main" id="{EF46103A-8EB4-4727-BD79-9567BCDF35D8}"/>
-              </a:ext>
-            </a:extLst>
-          </p:cNvPr>
-          <p:cNvSpPr>
-            <a:spLocks noGrp="1"/>
-          </p:cNvSpPr>
-          <p:nvPr>
-            <p:ph type="title"/>
-          </p:nvPr>
-        </p:nvSpPr>
-        <p:spPr/>
-        <p:txBody>
-          <a:bodyPr/>
-          <a:lstStyle/>
-          <a:p>
-            <a:endParaRPr lang="en-IN"/>
-          </a:p>
-        </p:txBody>
-      </p:sp>
-      <p:sp>
-        <p:nvSpPr>
-          <p:cNvPr id="3" name="Content Placeholder 2">
-            <a:extLst>
-              <a:ext uri="{FF2B5EF4-FFF2-40B4-BE49-F238E27FC236}">
-                <a16:creationId xmlns:a16="http://schemas.microsoft.com/office/drawing/2014/main" id="{9F5CDDF3-0117-4C35-A9DD-5BD8BD1A98B0}"/>
-              </a:ext>
-            </a:extLst>
-          </p:cNvPr>
-          <p:cNvSpPr>
-            <a:spLocks noGrp="1"/>
-          </p:cNvSpPr>
-          <p:nvPr>
-            <p:ph idx="1"/>
-          </p:nvPr>
-        </p:nvSpPr>
-        <p:spPr/>
-        <p:txBody>
-          <a:bodyPr>
-            <a:normAutofit lnSpcReduction="10000"/>
-          </a:bodyPr>
-          <a:lstStyle/>
-          <a:p>
-            <a:r>
-              <a:rPr lang="en-US" dirty="0"/>
-              <a:t>Major steps in conducting research are:</a:t>
-            </a:r>
-          </a:p>
-          <a:p>
-            <a:pPr lvl="1"/>
-            <a:r>
-              <a:rPr lang="en-US" dirty="0"/>
-              <a:t>Identification of research problem</a:t>
-            </a:r>
-          </a:p>
-          <a:p>
-            <a:pPr lvl="1"/>
-            <a:r>
-              <a:rPr lang="en-US" dirty="0"/>
-              <a:t>Literature review</a:t>
-            </a:r>
-          </a:p>
-          <a:p>
-            <a:pPr lvl="1"/>
-            <a:r>
-              <a:rPr lang="en-US" dirty="0"/>
-              <a:t>Specifying purpose of research</a:t>
-            </a:r>
-          </a:p>
-          <a:p>
-            <a:pPr lvl="1"/>
-            <a:r>
-              <a:rPr lang="en-US" dirty="0"/>
-              <a:t>Determining specific research questions</a:t>
-            </a:r>
-          </a:p>
-          <a:p>
-            <a:pPr lvl="1"/>
-            <a:r>
-              <a:rPr lang="en-US" dirty="0"/>
-              <a:t>Specification of conceptual framework, usually set of hypotheses</a:t>
-            </a:r>
-          </a:p>
-          <a:p>
-            <a:pPr lvl="1"/>
-            <a:r>
-              <a:rPr lang="en-US" dirty="0"/>
-              <a:t>Choice of methodology (for data collection)</a:t>
-            </a:r>
-          </a:p>
-          <a:p>
-            <a:pPr lvl="1"/>
-            <a:r>
-              <a:rPr lang="en-US" dirty="0"/>
-              <a:t>Data collection</a:t>
-            </a:r>
-          </a:p>
-          <a:p>
-            <a:pPr lvl="1"/>
-            <a:r>
-              <a:rPr lang="en-US" dirty="0"/>
-              <a:t>Verifying data</a:t>
-            </a:r>
-          </a:p>
-          <a:p>
-            <a:pPr lvl="1"/>
-            <a:r>
-              <a:rPr lang="en-US" dirty="0"/>
-              <a:t>Analyzing &amp; interpreting data</a:t>
-            </a:r>
-          </a:p>
-          <a:p>
-            <a:pPr lvl="1"/>
-            <a:r>
-              <a:rPr lang="en-US" dirty="0"/>
-              <a:t>Reporting &amp; evaluating research</a:t>
-            </a:r>
-          </a:p>
-          <a:p>
-            <a:pPr lvl="1"/>
-            <a:r>
-              <a:rPr lang="en-US" dirty="0"/>
-              <a:t>Communicating research findings &amp; recommendations</a:t>
-            </a:r>
-          </a:p>
-          <a:p>
-            <a:endParaRPr lang="en-IN" dirty="0"/>
-          </a:p>
-        </p:txBody>
-      </p:sp>
-    </p:spTree>
-    <p:extLst>
-      <p:ext uri="{BB962C8B-B14F-4D97-AF65-F5344CB8AC3E}">
-        <p14:creationId xmlns:p14="http://schemas.microsoft.com/office/powerpoint/2010/main" val="2583805966"/>
-      </p:ext>
-    </p:extLst>
-  </p:cSld>
-  <p:clrMapOvr>
-    <a:masterClrMapping/>
-  </p:clrMapOvr>
-</p:sld>
-</file>
-
-<file path=ppt/slides/slide42.xml><?xml version="1.0" encoding="utf-8"?>
 <p:sld xmlns:a="http://schemas.openxmlformats.org/drawingml/2006/main" xmlns:r="http://schemas.openxmlformats.org/officeDocument/2006/relationships" xmlns:p="http://schemas.openxmlformats.org/presentationml/2006/main">
   <p:cSld>
     <p:spTree>
@@ -31345,13 +31083,10 @@
           <a:lstStyle/>
           <a:p>
             <a:r>
-              <a:rPr lang="en-US"/>
-              <a:t>Specifying purpose of research</a:t>
-            </a:r>
-            <a:br>
-              <a:rPr lang="en-US"/>
-            </a:br>
-            <a:endParaRPr lang="en-IN"/>
+              <a:rPr lang="en-US" dirty="0"/>
+              <a:t>Step3: Specifying purpose of research</a:t>
+            </a:r>
+            <a:endParaRPr lang="en-IN" dirty="0"/>
           </a:p>
         </p:txBody>
       </p:sp>
@@ -31371,12 +31106,100 @@
             <p:ph idx="1"/>
           </p:nvPr>
         </p:nvSpPr>
-        <p:spPr/>
+        <p:spPr>
+          <a:xfrm>
+            <a:off x="838200" y="1825624"/>
+            <a:ext cx="10515600" cy="4809638"/>
+          </a:xfrm>
+        </p:spPr>
         <p:txBody>
-          <a:bodyPr/>
+          <a:bodyPr>
+            <a:normAutofit fontScale="70000" lnSpcReduction="20000"/>
+          </a:bodyPr>
           <a:lstStyle/>
           <a:p>
-            <a:endParaRPr lang="en-IN"/>
+            <a:r>
+              <a:rPr lang="en-US" dirty="0"/>
+              <a:t>or Formulating the objectives</a:t>
+            </a:r>
+          </a:p>
+          <a:p>
+            <a:r>
+              <a:rPr lang="en-US" dirty="0"/>
+              <a:t>Objectives are the goals you set out to attain in your study. </a:t>
+            </a:r>
+          </a:p>
+          <a:p>
+            <a:r>
+              <a:rPr lang="en-US" dirty="0"/>
+              <a:t>They inform a reader what you want to attain through the study. </a:t>
+            </a:r>
+          </a:p>
+          <a:p>
+            <a:r>
+              <a:rPr lang="en-US" dirty="0"/>
+              <a:t>It is extremely important to word them clearly and specifically.</a:t>
+            </a:r>
+          </a:p>
+          <a:p>
+            <a:r>
+              <a:rPr lang="en-US" dirty="0"/>
+              <a:t>The main objective is an overall statement of the thrust of your study. </a:t>
+            </a:r>
+          </a:p>
+          <a:p>
+            <a:r>
+              <a:rPr lang="en-US" dirty="0"/>
+              <a:t>It is also a statement of the main associations and relationships that you seek to discover or establish.</a:t>
+            </a:r>
+          </a:p>
+          <a:p>
+            <a:r>
+              <a:rPr lang="en-US" dirty="0"/>
+              <a:t>The sub-objectives are the specific aspects of the topic that you want to investigate within the main framework of your study. </a:t>
+            </a:r>
+          </a:p>
+          <a:p>
+            <a:pPr lvl="1"/>
+            <a:r>
+              <a:rPr lang="en-US" dirty="0"/>
+              <a:t>They should be numerically listed. </a:t>
+            </a:r>
+          </a:p>
+          <a:p>
+            <a:pPr lvl="1"/>
+            <a:r>
+              <a:rPr lang="en-US" dirty="0"/>
+              <a:t>Wording should clearly, completely and specifically Communicate to your readers your intention. </a:t>
+            </a:r>
+          </a:p>
+          <a:p>
+            <a:pPr lvl="1"/>
+            <a:r>
+              <a:rPr lang="en-US" dirty="0"/>
+              <a:t>Each objective should contain only one aspect of the Study. </a:t>
+            </a:r>
+          </a:p>
+          <a:p>
+            <a:pPr lvl="1"/>
+            <a:r>
+              <a:rPr lang="en-US" dirty="0"/>
+              <a:t>Use action oriented words or verbs when writing objectives.</a:t>
+            </a:r>
+          </a:p>
+          <a:p>
+            <a:pPr lvl="1"/>
+            <a:r>
+              <a:rPr lang="en-US" i="1" dirty="0"/>
+              <a:t>The objectives should start with words such as ‘to determine’, ‘to find out’, ‘to ascertain’, ‘to measure’, ‘to explore’ etc.</a:t>
+            </a:r>
+            <a:endParaRPr lang="en-US" dirty="0"/>
+          </a:p>
+          <a:p>
+            <a:r>
+              <a:rPr lang="en-US" b="1" dirty="0"/>
+              <a:t>Clear +Complete +Specific + Identify main variables to be correlated + Identify the direction of relationship</a:t>
+            </a:r>
           </a:p>
         </p:txBody>
       </p:sp>
@@ -31390,6 +31213,722 @@
   <p:clrMapOvr>
     <a:masterClrMapping/>
   </p:clrMapOvr>
+</p:sld>
+</file>
+
+<file path=ppt/slides/slide42.xml><?xml version="1.0" encoding="utf-8"?>
+<p:sld xmlns:a="http://schemas.openxmlformats.org/drawingml/2006/main" xmlns:r="http://schemas.openxmlformats.org/officeDocument/2006/relationships" xmlns:p="http://schemas.openxmlformats.org/presentationml/2006/main">
+  <p:cSld>
+    <p:spTree>
+      <p:nvGrpSpPr>
+        <p:cNvPr id="1" name=""/>
+        <p:cNvGrpSpPr/>
+        <p:nvPr/>
+      </p:nvGrpSpPr>
+      <p:grpSpPr>
+        <a:xfrm>
+          <a:off x="0" y="0"/>
+          <a:ext cx="0" cy="0"/>
+          <a:chOff x="0" y="0"/>
+          <a:chExt cx="0" cy="0"/>
+        </a:xfrm>
+      </p:grpSpPr>
+      <p:sp>
+        <p:nvSpPr>
+          <p:cNvPr id="2" name="Title 1">
+            <a:extLst>
+              <a:ext uri="{FF2B5EF4-FFF2-40B4-BE49-F238E27FC236}">
+                <a16:creationId xmlns:a16="http://schemas.microsoft.com/office/drawing/2014/main" id="{02210EC1-BF4D-4E80-A5E5-EA175BD9C346}"/>
+              </a:ext>
+            </a:extLst>
+          </p:cNvPr>
+          <p:cNvSpPr>
+            <a:spLocks noGrp="1"/>
+          </p:cNvSpPr>
+          <p:nvPr>
+            <p:ph type="title"/>
+          </p:nvPr>
+        </p:nvSpPr>
+        <p:spPr/>
+        <p:txBody>
+          <a:bodyPr/>
+          <a:lstStyle/>
+          <a:p>
+            <a:r>
+              <a:rPr lang="en-IN" dirty="0"/>
+              <a:t>Step4: Development of working hypotheses</a:t>
+            </a:r>
+          </a:p>
+        </p:txBody>
+      </p:sp>
+      <p:sp>
+        <p:nvSpPr>
+          <p:cNvPr id="3" name="Content Placeholder 2">
+            <a:extLst>
+              <a:ext uri="{FF2B5EF4-FFF2-40B4-BE49-F238E27FC236}">
+                <a16:creationId xmlns:a16="http://schemas.microsoft.com/office/drawing/2014/main" id="{BEB7916A-9589-4216-AD37-569683ABC9DC}"/>
+              </a:ext>
+            </a:extLst>
+          </p:cNvPr>
+          <p:cNvSpPr>
+            <a:spLocks noGrp="1"/>
+          </p:cNvSpPr>
+          <p:nvPr>
+            <p:ph idx="1"/>
+          </p:nvPr>
+        </p:nvSpPr>
+        <p:spPr/>
+        <p:txBody>
+          <a:bodyPr>
+            <a:normAutofit lnSpcReduction="10000"/>
+          </a:bodyPr>
+          <a:lstStyle/>
+          <a:p>
+            <a:r>
+              <a:rPr lang="en-US" dirty="0"/>
+              <a:t>Working hypothesis is tentative assumption made in order to draw out and test its logical or empirical consequences. </a:t>
+            </a:r>
+          </a:p>
+          <a:p>
+            <a:r>
+              <a:rPr lang="en-US" dirty="0"/>
+              <a:t>Hypothesis should be very specific and limited to the piece of research in hand because it has to be tested.</a:t>
+            </a:r>
+          </a:p>
+          <a:p>
+            <a:pPr lvl="1"/>
+            <a:r>
+              <a:rPr lang="en-US" dirty="0"/>
+              <a:t>The formulation of hypothesis provides a study with focus. It tells you what specific aspects of a research problem to investigate.</a:t>
+            </a:r>
+          </a:p>
+          <a:p>
+            <a:pPr lvl="1"/>
+            <a:r>
+              <a:rPr lang="en-US" dirty="0"/>
+              <a:t>A hypothesis tells you what data to collect and what not to collect, thereby providing focus to the study.</a:t>
+            </a:r>
+          </a:p>
+          <a:p>
+            <a:pPr lvl="1"/>
+            <a:r>
+              <a:rPr lang="en-US" dirty="0"/>
+              <a:t>As it provides a focus, the construction of a hypothesis enhances objectivity in a study.</a:t>
+            </a:r>
+          </a:p>
+          <a:p>
+            <a:pPr lvl="1"/>
+            <a:r>
+              <a:rPr lang="en-US" dirty="0"/>
+              <a:t>A hypothesis may enable you to add to the formulation of a theory. It enables you to specifically conclude what is true or what is false.</a:t>
+            </a:r>
+          </a:p>
+        </p:txBody>
+      </p:sp>
+    </p:spTree>
+    <p:extLst>
+      <p:ext uri="{BB962C8B-B14F-4D97-AF65-F5344CB8AC3E}">
+        <p14:creationId xmlns:p14="http://schemas.microsoft.com/office/powerpoint/2010/main" val="1729605997"/>
+      </p:ext>
+    </p:extLst>
+  </p:cSld>
+  <p:clrMapOvr>
+    <a:masterClrMapping/>
+  </p:clrMapOvr>
+  <p:timing>
+    <p:tnLst>
+      <p:par>
+        <p:cTn id="1" dur="indefinite" restart="never" nodeType="tmRoot">
+          <p:childTnLst>
+            <p:seq concurrent="1" nextAc="seek">
+              <p:cTn id="2" dur="indefinite" nodeType="mainSeq">
+                <p:childTnLst>
+                  <p:par>
+                    <p:cTn id="3" fill="hold">
+                      <p:stCondLst>
+                        <p:cond delay="indefinite"/>
+                      </p:stCondLst>
+                      <p:childTnLst>
+                        <p:par>
+                          <p:cTn id="4" fill="hold">
+                            <p:stCondLst>
+                              <p:cond delay="0"/>
+                            </p:stCondLst>
+                            <p:childTnLst>
+                              <p:par>
+                                <p:cTn id="5" presetID="1" presetClass="entr" presetSubtype="0" fill="hold" grpId="0" nodeType="clickEffect">
+                                  <p:stCondLst>
+                                    <p:cond delay="0"/>
+                                  </p:stCondLst>
+                                  <p:childTnLst>
+                                    <p:set>
+                                      <p:cBhvr>
+                                        <p:cTn id="6" dur="1" fill="hold">
+                                          <p:stCondLst>
+                                            <p:cond delay="0"/>
+                                          </p:stCondLst>
+                                        </p:cTn>
+                                        <p:tgtEl>
+                                          <p:spTgt spid="3">
+                                            <p:txEl>
+                                              <p:pRg st="0" end="0"/>
+                                            </p:txEl>
+                                          </p:spTgt>
+                                        </p:tgtEl>
+                                        <p:attrNameLst>
+                                          <p:attrName>style.visibility</p:attrName>
+                                        </p:attrNameLst>
+                                      </p:cBhvr>
+                                      <p:to>
+                                        <p:strVal val="visible"/>
+                                      </p:to>
+                                    </p:set>
+                                  </p:childTnLst>
+                                </p:cTn>
+                              </p:par>
+                            </p:childTnLst>
+                          </p:cTn>
+                        </p:par>
+                      </p:childTnLst>
+                    </p:cTn>
+                  </p:par>
+                  <p:par>
+                    <p:cTn id="7" fill="hold">
+                      <p:stCondLst>
+                        <p:cond delay="indefinite"/>
+                      </p:stCondLst>
+                      <p:childTnLst>
+                        <p:par>
+                          <p:cTn id="8" fill="hold">
+                            <p:stCondLst>
+                              <p:cond delay="0"/>
+                            </p:stCondLst>
+                            <p:childTnLst>
+                              <p:par>
+                                <p:cTn id="9" presetID="1" presetClass="entr" presetSubtype="0" fill="hold" grpId="0" nodeType="clickEffect">
+                                  <p:stCondLst>
+                                    <p:cond delay="0"/>
+                                  </p:stCondLst>
+                                  <p:childTnLst>
+                                    <p:set>
+                                      <p:cBhvr>
+                                        <p:cTn id="10" dur="1" fill="hold">
+                                          <p:stCondLst>
+                                            <p:cond delay="0"/>
+                                          </p:stCondLst>
+                                        </p:cTn>
+                                        <p:tgtEl>
+                                          <p:spTgt spid="3">
+                                            <p:txEl>
+                                              <p:pRg st="1" end="1"/>
+                                            </p:txEl>
+                                          </p:spTgt>
+                                        </p:tgtEl>
+                                        <p:attrNameLst>
+                                          <p:attrName>style.visibility</p:attrName>
+                                        </p:attrNameLst>
+                                      </p:cBhvr>
+                                      <p:to>
+                                        <p:strVal val="visible"/>
+                                      </p:to>
+                                    </p:set>
+                                  </p:childTnLst>
+                                </p:cTn>
+                              </p:par>
+                              <p:par>
+                                <p:cTn id="11" presetID="1" presetClass="entr" presetSubtype="0" fill="hold" grpId="0" nodeType="withEffect">
+                                  <p:stCondLst>
+                                    <p:cond delay="0"/>
+                                  </p:stCondLst>
+                                  <p:childTnLst>
+                                    <p:set>
+                                      <p:cBhvr>
+                                        <p:cTn id="12" dur="1" fill="hold">
+                                          <p:stCondLst>
+                                            <p:cond delay="0"/>
+                                          </p:stCondLst>
+                                        </p:cTn>
+                                        <p:tgtEl>
+                                          <p:spTgt spid="3">
+                                            <p:txEl>
+                                              <p:pRg st="2" end="2"/>
+                                            </p:txEl>
+                                          </p:spTgt>
+                                        </p:tgtEl>
+                                        <p:attrNameLst>
+                                          <p:attrName>style.visibility</p:attrName>
+                                        </p:attrNameLst>
+                                      </p:cBhvr>
+                                      <p:to>
+                                        <p:strVal val="visible"/>
+                                      </p:to>
+                                    </p:set>
+                                  </p:childTnLst>
+                                </p:cTn>
+                              </p:par>
+                              <p:par>
+                                <p:cTn id="13" presetID="1" presetClass="entr" presetSubtype="0" fill="hold" grpId="0" nodeType="withEffect">
+                                  <p:stCondLst>
+                                    <p:cond delay="0"/>
+                                  </p:stCondLst>
+                                  <p:childTnLst>
+                                    <p:set>
+                                      <p:cBhvr>
+                                        <p:cTn id="14" dur="1" fill="hold">
+                                          <p:stCondLst>
+                                            <p:cond delay="0"/>
+                                          </p:stCondLst>
+                                        </p:cTn>
+                                        <p:tgtEl>
+                                          <p:spTgt spid="3">
+                                            <p:txEl>
+                                              <p:pRg st="3" end="3"/>
+                                            </p:txEl>
+                                          </p:spTgt>
+                                        </p:tgtEl>
+                                        <p:attrNameLst>
+                                          <p:attrName>style.visibility</p:attrName>
+                                        </p:attrNameLst>
+                                      </p:cBhvr>
+                                      <p:to>
+                                        <p:strVal val="visible"/>
+                                      </p:to>
+                                    </p:set>
+                                  </p:childTnLst>
+                                </p:cTn>
+                              </p:par>
+                              <p:par>
+                                <p:cTn id="15" presetID="1" presetClass="entr" presetSubtype="0" fill="hold" grpId="0" nodeType="withEffect">
+                                  <p:stCondLst>
+                                    <p:cond delay="0"/>
+                                  </p:stCondLst>
+                                  <p:childTnLst>
+                                    <p:set>
+                                      <p:cBhvr>
+                                        <p:cTn id="16" dur="1" fill="hold">
+                                          <p:stCondLst>
+                                            <p:cond delay="0"/>
+                                          </p:stCondLst>
+                                        </p:cTn>
+                                        <p:tgtEl>
+                                          <p:spTgt spid="3">
+                                            <p:txEl>
+                                              <p:pRg st="4" end="4"/>
+                                            </p:txEl>
+                                          </p:spTgt>
+                                        </p:tgtEl>
+                                        <p:attrNameLst>
+                                          <p:attrName>style.visibility</p:attrName>
+                                        </p:attrNameLst>
+                                      </p:cBhvr>
+                                      <p:to>
+                                        <p:strVal val="visible"/>
+                                      </p:to>
+                                    </p:set>
+                                  </p:childTnLst>
+                                </p:cTn>
+                              </p:par>
+                              <p:par>
+                                <p:cTn id="17" presetID="1" presetClass="entr" presetSubtype="0" fill="hold" grpId="0" nodeType="withEffect">
+                                  <p:stCondLst>
+                                    <p:cond delay="0"/>
+                                  </p:stCondLst>
+                                  <p:childTnLst>
+                                    <p:set>
+                                      <p:cBhvr>
+                                        <p:cTn id="18" dur="1" fill="hold">
+                                          <p:stCondLst>
+                                            <p:cond delay="0"/>
+                                          </p:stCondLst>
+                                        </p:cTn>
+                                        <p:tgtEl>
+                                          <p:spTgt spid="3">
+                                            <p:txEl>
+                                              <p:pRg st="5" end="5"/>
+                                            </p:txEl>
+                                          </p:spTgt>
+                                        </p:tgtEl>
+                                        <p:attrNameLst>
+                                          <p:attrName>style.visibility</p:attrName>
+                                        </p:attrNameLst>
+                                      </p:cBhvr>
+                                      <p:to>
+                                        <p:strVal val="visible"/>
+                                      </p:to>
+                                    </p:set>
+                                  </p:childTnLst>
+                                </p:cTn>
+                              </p:par>
+                            </p:childTnLst>
+                          </p:cTn>
+                        </p:par>
+                      </p:childTnLst>
+                    </p:cTn>
+                  </p:par>
+                </p:childTnLst>
+              </p:cTn>
+              <p:prevCondLst>
+                <p:cond evt="onPrev" delay="0">
+                  <p:tgtEl>
+                    <p:sldTgt/>
+                  </p:tgtEl>
+                </p:cond>
+              </p:prevCondLst>
+              <p:nextCondLst>
+                <p:cond evt="onNext" delay="0">
+                  <p:tgtEl>
+                    <p:sldTgt/>
+                  </p:tgtEl>
+                </p:cond>
+              </p:nextCondLst>
+            </p:seq>
+          </p:childTnLst>
+        </p:cTn>
+      </p:par>
+    </p:tnLst>
+    <p:bldLst>
+      <p:bldP spid="3" grpId="0" build="p"/>
+    </p:bldLst>
+  </p:timing>
+</p:sld>
+</file>
+
+<file path=ppt/slides/slide43.xml><?xml version="1.0" encoding="utf-8"?>
+<p:sld xmlns:a="http://schemas.openxmlformats.org/drawingml/2006/main" xmlns:r="http://schemas.openxmlformats.org/officeDocument/2006/relationships" xmlns:p="http://schemas.openxmlformats.org/presentationml/2006/main">
+  <p:cSld>
+    <p:spTree>
+      <p:nvGrpSpPr>
+        <p:cNvPr id="1" name=""/>
+        <p:cNvGrpSpPr/>
+        <p:nvPr/>
+      </p:nvGrpSpPr>
+      <p:grpSpPr>
+        <a:xfrm>
+          <a:off x="0" y="0"/>
+          <a:ext cx="0" cy="0"/>
+          <a:chOff x="0" y="0"/>
+          <a:chExt cx="0" cy="0"/>
+        </a:xfrm>
+      </p:grpSpPr>
+      <p:sp>
+        <p:nvSpPr>
+          <p:cNvPr id="2" name="Title 1">
+            <a:extLst>
+              <a:ext uri="{FF2B5EF4-FFF2-40B4-BE49-F238E27FC236}">
+                <a16:creationId xmlns:a16="http://schemas.microsoft.com/office/drawing/2014/main" id="{1577A9BE-970C-4ABE-BAE1-74BBD2C51B22}"/>
+              </a:ext>
+            </a:extLst>
+          </p:cNvPr>
+          <p:cNvSpPr>
+            <a:spLocks noGrp="1"/>
+          </p:cNvSpPr>
+          <p:nvPr>
+            <p:ph type="title"/>
+          </p:nvPr>
+        </p:nvSpPr>
+        <p:spPr/>
+        <p:txBody>
+          <a:bodyPr/>
+          <a:lstStyle/>
+          <a:p>
+            <a:r>
+              <a:rPr lang="en-IN" dirty="0"/>
+              <a:t>How to develop working hypotheses</a:t>
+            </a:r>
+          </a:p>
+        </p:txBody>
+      </p:sp>
+      <p:sp>
+        <p:nvSpPr>
+          <p:cNvPr id="3" name="Content Placeholder 2">
+            <a:extLst>
+              <a:ext uri="{FF2B5EF4-FFF2-40B4-BE49-F238E27FC236}">
+                <a16:creationId xmlns:a16="http://schemas.microsoft.com/office/drawing/2014/main" id="{B9375338-BE25-4673-9910-750A47F34F59}"/>
+              </a:ext>
+            </a:extLst>
+          </p:cNvPr>
+          <p:cNvSpPr>
+            <a:spLocks noGrp="1"/>
+          </p:cNvSpPr>
+          <p:nvPr>
+            <p:ph idx="1"/>
+          </p:nvPr>
+        </p:nvSpPr>
+        <p:spPr/>
+        <p:txBody>
+          <a:bodyPr>
+            <a:normAutofit/>
+          </a:bodyPr>
+          <a:lstStyle/>
+          <a:p>
+            <a:r>
+              <a:rPr lang="en-US" dirty="0"/>
+              <a:t>Discussions with colleagues and experts about the problem, its origin and the objectives in seeking a solution; </a:t>
+            </a:r>
+          </a:p>
+          <a:p>
+            <a:r>
+              <a:rPr lang="en-US" dirty="0"/>
+              <a:t>Examination of data and records, if available, concerning the problem for possible trends, peculiarities and other clues; </a:t>
+            </a:r>
+          </a:p>
+          <a:p>
+            <a:r>
+              <a:rPr lang="en-US" dirty="0"/>
+              <a:t>Review of similar studies in the area or of the studies on similar problems; and </a:t>
+            </a:r>
+          </a:p>
+          <a:p>
+            <a:r>
+              <a:rPr lang="en-US" dirty="0"/>
+              <a:t>Exploratory personal investigation which involves original field interviews on a limited scale with interested parties and individuals with a view to secure greater insight into the practical aspects of the problem.</a:t>
+            </a:r>
+            <a:endParaRPr lang="en-IN" dirty="0"/>
+          </a:p>
+          <a:p>
+            <a:endParaRPr lang="en-IN" dirty="0"/>
+          </a:p>
+        </p:txBody>
+      </p:sp>
+    </p:spTree>
+    <p:extLst>
+      <p:ext uri="{BB962C8B-B14F-4D97-AF65-F5344CB8AC3E}">
+        <p14:creationId xmlns:p14="http://schemas.microsoft.com/office/powerpoint/2010/main" val="2349437822"/>
+      </p:ext>
+    </p:extLst>
+  </p:cSld>
+  <p:clrMapOvr>
+    <a:masterClrMapping/>
+  </p:clrMapOvr>
+  <p:timing>
+    <p:tnLst>
+      <p:par>
+        <p:cTn id="1" dur="indefinite" restart="never" nodeType="tmRoot">
+          <p:childTnLst>
+            <p:seq concurrent="1" nextAc="seek">
+              <p:cTn id="2" dur="indefinite" nodeType="mainSeq">
+                <p:childTnLst>
+                  <p:par>
+                    <p:cTn id="3" fill="hold">
+                      <p:stCondLst>
+                        <p:cond delay="indefinite"/>
+                      </p:stCondLst>
+                      <p:childTnLst>
+                        <p:par>
+                          <p:cTn id="4" fill="hold">
+                            <p:stCondLst>
+                              <p:cond delay="0"/>
+                            </p:stCondLst>
+                            <p:childTnLst>
+                              <p:par>
+                                <p:cTn id="5" presetID="1" presetClass="entr" presetSubtype="0" fill="hold" grpId="0" nodeType="clickEffect">
+                                  <p:stCondLst>
+                                    <p:cond delay="0"/>
+                                  </p:stCondLst>
+                                  <p:childTnLst>
+                                    <p:set>
+                                      <p:cBhvr>
+                                        <p:cTn id="6" dur="1" fill="hold">
+                                          <p:stCondLst>
+                                            <p:cond delay="0"/>
+                                          </p:stCondLst>
+                                        </p:cTn>
+                                        <p:tgtEl>
+                                          <p:spTgt spid="3">
+                                            <p:txEl>
+                                              <p:pRg st="0" end="0"/>
+                                            </p:txEl>
+                                          </p:spTgt>
+                                        </p:tgtEl>
+                                        <p:attrNameLst>
+                                          <p:attrName>style.visibility</p:attrName>
+                                        </p:attrNameLst>
+                                      </p:cBhvr>
+                                      <p:to>
+                                        <p:strVal val="visible"/>
+                                      </p:to>
+                                    </p:set>
+                                  </p:childTnLst>
+                                </p:cTn>
+                              </p:par>
+                            </p:childTnLst>
+                          </p:cTn>
+                        </p:par>
+                      </p:childTnLst>
+                    </p:cTn>
+                  </p:par>
+                  <p:par>
+                    <p:cTn id="7" fill="hold">
+                      <p:stCondLst>
+                        <p:cond delay="indefinite"/>
+                      </p:stCondLst>
+                      <p:childTnLst>
+                        <p:par>
+                          <p:cTn id="8" fill="hold">
+                            <p:stCondLst>
+                              <p:cond delay="0"/>
+                            </p:stCondLst>
+                            <p:childTnLst>
+                              <p:par>
+                                <p:cTn id="9" presetID="1" presetClass="entr" presetSubtype="0" fill="hold" grpId="0" nodeType="clickEffect">
+                                  <p:stCondLst>
+                                    <p:cond delay="0"/>
+                                  </p:stCondLst>
+                                  <p:childTnLst>
+                                    <p:set>
+                                      <p:cBhvr>
+                                        <p:cTn id="10" dur="1" fill="hold">
+                                          <p:stCondLst>
+                                            <p:cond delay="0"/>
+                                          </p:stCondLst>
+                                        </p:cTn>
+                                        <p:tgtEl>
+                                          <p:spTgt spid="3">
+                                            <p:txEl>
+                                              <p:pRg st="1" end="1"/>
+                                            </p:txEl>
+                                          </p:spTgt>
+                                        </p:tgtEl>
+                                        <p:attrNameLst>
+                                          <p:attrName>style.visibility</p:attrName>
+                                        </p:attrNameLst>
+                                      </p:cBhvr>
+                                      <p:to>
+                                        <p:strVal val="visible"/>
+                                      </p:to>
+                                    </p:set>
+                                  </p:childTnLst>
+                                </p:cTn>
+                              </p:par>
+                            </p:childTnLst>
+                          </p:cTn>
+                        </p:par>
+                      </p:childTnLst>
+                    </p:cTn>
+                  </p:par>
+                  <p:par>
+                    <p:cTn id="11" fill="hold">
+                      <p:stCondLst>
+                        <p:cond delay="indefinite"/>
+                      </p:stCondLst>
+                      <p:childTnLst>
+                        <p:par>
+                          <p:cTn id="12" fill="hold">
+                            <p:stCondLst>
+                              <p:cond delay="0"/>
+                            </p:stCondLst>
+                            <p:childTnLst>
+                              <p:par>
+                                <p:cTn id="13" presetID="1" presetClass="entr" presetSubtype="0" fill="hold" grpId="0" nodeType="clickEffect">
+                                  <p:stCondLst>
+                                    <p:cond delay="0"/>
+                                  </p:stCondLst>
+                                  <p:childTnLst>
+                                    <p:set>
+                                      <p:cBhvr>
+                                        <p:cTn id="14" dur="1" fill="hold">
+                                          <p:stCondLst>
+                                            <p:cond delay="0"/>
+                                          </p:stCondLst>
+                                        </p:cTn>
+                                        <p:tgtEl>
+                                          <p:spTgt spid="3">
+                                            <p:txEl>
+                                              <p:pRg st="2" end="2"/>
+                                            </p:txEl>
+                                          </p:spTgt>
+                                        </p:tgtEl>
+                                        <p:attrNameLst>
+                                          <p:attrName>style.visibility</p:attrName>
+                                        </p:attrNameLst>
+                                      </p:cBhvr>
+                                      <p:to>
+                                        <p:strVal val="visible"/>
+                                      </p:to>
+                                    </p:set>
+                                  </p:childTnLst>
+                                </p:cTn>
+                              </p:par>
+                            </p:childTnLst>
+                          </p:cTn>
+                        </p:par>
+                      </p:childTnLst>
+                    </p:cTn>
+                  </p:par>
+                  <p:par>
+                    <p:cTn id="15" fill="hold">
+                      <p:stCondLst>
+                        <p:cond delay="indefinite"/>
+                      </p:stCondLst>
+                      <p:childTnLst>
+                        <p:par>
+                          <p:cTn id="16" fill="hold">
+                            <p:stCondLst>
+                              <p:cond delay="0"/>
+                            </p:stCondLst>
+                            <p:childTnLst>
+                              <p:par>
+                                <p:cTn id="17" presetID="1" presetClass="entr" presetSubtype="0" fill="hold" grpId="0" nodeType="clickEffect">
+                                  <p:stCondLst>
+                                    <p:cond delay="0"/>
+                                  </p:stCondLst>
+                                  <p:childTnLst>
+                                    <p:set>
+                                      <p:cBhvr>
+                                        <p:cTn id="18" dur="1" fill="hold">
+                                          <p:stCondLst>
+                                            <p:cond delay="0"/>
+                                          </p:stCondLst>
+                                        </p:cTn>
+                                        <p:tgtEl>
+                                          <p:spTgt spid="3">
+                                            <p:txEl>
+                                              <p:pRg st="3" end="3"/>
+                                            </p:txEl>
+                                          </p:spTgt>
+                                        </p:tgtEl>
+                                        <p:attrNameLst>
+                                          <p:attrName>style.visibility</p:attrName>
+                                        </p:attrNameLst>
+                                      </p:cBhvr>
+                                      <p:to>
+                                        <p:strVal val="visible"/>
+                                      </p:to>
+                                    </p:set>
+                                  </p:childTnLst>
+                                </p:cTn>
+                              </p:par>
+                            </p:childTnLst>
+                          </p:cTn>
+                        </p:par>
+                      </p:childTnLst>
+                    </p:cTn>
+                  </p:par>
+                </p:childTnLst>
+              </p:cTn>
+              <p:prevCondLst>
+                <p:cond evt="onPrev" delay="0">
+                  <p:tgtEl>
+                    <p:sldTgt/>
+                  </p:tgtEl>
+                </p:cond>
+              </p:prevCondLst>
+              <p:nextCondLst>
+                <p:cond evt="onNext" delay="0">
+                  <p:tgtEl>
+                    <p:sldTgt/>
+                  </p:tgtEl>
+                </p:cond>
+              </p:nextCondLst>
+            </p:seq>
+          </p:childTnLst>
+        </p:cTn>
+      </p:par>
+    </p:tnLst>
+    <p:bldLst>
+      <p:bldP spid="3" grpId="0" build="p"/>
+    </p:bldLst>
+  </p:timing>
 </p:sld>
 </file>
 

--- a/Vinit-MLIS-104-01-Research Basics.pptx
+++ b/Vinit-MLIS-104-01-Research Basics.pptx
@@ -5,7 +5,7 @@
     <p:sldMasterId id="2147483648" r:id="rId1"/>
   </p:sldMasterIdLst>
   <p:notesMasterIdLst>
-    <p:notesMasterId r:id="rId45"/>
+    <p:notesMasterId r:id="rId41"/>
   </p:notesMasterIdLst>
   <p:sldIdLst>
     <p:sldId id="256" r:id="rId2"/>
@@ -47,10 +47,6 @@
     <p:sldId id="294" r:id="rId38"/>
     <p:sldId id="295" r:id="rId39"/>
     <p:sldId id="297" r:id="rId40"/>
-    <p:sldId id="298" r:id="rId41"/>
-    <p:sldId id="300" r:id="rId42"/>
-    <p:sldId id="301" r:id="rId43"/>
-    <p:sldId id="302" r:id="rId44"/>
   </p:sldIdLst>
   <p:sldSz cx="12192000" cy="6858000"/>
   <p:notesSz cx="6858000" cy="9144000"/>
@@ -17596,7 +17592,7 @@
           <a:p>
             <a:fld id="{BC8FBEA1-E8A2-4CE3-9122-957B79178A14}" type="datetimeFigureOut">
               <a:rPr lang="en-IN" smtClean="0"/>
-              <a:t>17-08-2018</a:t>
+              <a:t>23-08-2018</a:t>
             </a:fld>
             <a:endParaRPr lang="en-IN"/>
           </a:p>
@@ -18120,7 +18116,7 @@
           <a:p>
             <a:fld id="{6F56A93D-98CF-42F8-ACA1-3331BE5CAE32}" type="datetime1">
               <a:rPr lang="en-IN" smtClean="0"/>
-              <a:t>17-08-2018</a:t>
+              <a:t>23-08-2018</a:t>
             </a:fld>
             <a:endParaRPr lang="en-IN"/>
           </a:p>
@@ -18320,7 +18316,7 @@
           <a:p>
             <a:fld id="{B3B6630B-FB6D-491F-8622-8C83F3275445}" type="datetime1">
               <a:rPr lang="en-IN" smtClean="0"/>
-              <a:t>17-08-2018</a:t>
+              <a:t>23-08-2018</a:t>
             </a:fld>
             <a:endParaRPr lang="en-IN"/>
           </a:p>
@@ -18530,7 +18526,7 @@
           <a:p>
             <a:fld id="{A78F1241-4DA6-4CFB-8E38-1E4F42C27A85}" type="datetime1">
               <a:rPr lang="en-IN" smtClean="0"/>
-              <a:t>17-08-2018</a:t>
+              <a:t>23-08-2018</a:t>
             </a:fld>
             <a:endParaRPr lang="en-IN"/>
           </a:p>
@@ -18730,7 +18726,7 @@
           <a:p>
             <a:fld id="{D40499DE-712E-4B21-826F-5E369C582D63}" type="datetime1">
               <a:rPr lang="en-IN" smtClean="0"/>
-              <a:t>17-08-2018</a:t>
+              <a:t>23-08-2018</a:t>
             </a:fld>
             <a:endParaRPr lang="en-IN"/>
           </a:p>
@@ -19006,7 +19002,7 @@
           <a:p>
             <a:fld id="{B87046C1-1DBC-4C45-B8B3-85EBC71E1BC2}" type="datetime1">
               <a:rPr lang="en-IN" smtClean="0"/>
-              <a:t>17-08-2018</a:t>
+              <a:t>23-08-2018</a:t>
             </a:fld>
             <a:endParaRPr lang="en-IN"/>
           </a:p>
@@ -19274,7 +19270,7 @@
           <a:p>
             <a:fld id="{D09FEF16-F2A4-4A83-8879-86A068D3AD0A}" type="datetime1">
               <a:rPr lang="en-IN" smtClean="0"/>
-              <a:t>17-08-2018</a:t>
+              <a:t>23-08-2018</a:t>
             </a:fld>
             <a:endParaRPr lang="en-IN"/>
           </a:p>
@@ -19689,7 +19685,7 @@
           <a:p>
             <a:fld id="{AC27502C-7D2D-42A0-A618-872FB0C15A04}" type="datetime1">
               <a:rPr lang="en-IN" smtClean="0"/>
-              <a:t>17-08-2018</a:t>
+              <a:t>23-08-2018</a:t>
             </a:fld>
             <a:endParaRPr lang="en-IN"/>
           </a:p>
@@ -19831,7 +19827,7 @@
           <a:p>
             <a:fld id="{36AA8895-9C56-4020-869B-42D8430B374A}" type="datetime1">
               <a:rPr lang="en-IN" smtClean="0"/>
-              <a:t>17-08-2018</a:t>
+              <a:t>23-08-2018</a:t>
             </a:fld>
             <a:endParaRPr lang="en-IN"/>
           </a:p>
@@ -19944,7 +19940,7 @@
           <a:p>
             <a:fld id="{514217C0-A885-4545-8BFC-5E1B8F8DC823}" type="datetime1">
               <a:rPr lang="en-IN" smtClean="0"/>
-              <a:t>17-08-2018</a:t>
+              <a:t>23-08-2018</a:t>
             </a:fld>
             <a:endParaRPr lang="en-IN"/>
           </a:p>
@@ -20257,7 +20253,7 @@
           <a:p>
             <a:fld id="{8D0BAEF4-B245-426F-AD8B-0CC897ACBD81}" type="datetime1">
               <a:rPr lang="en-IN" smtClean="0"/>
-              <a:t>17-08-2018</a:t>
+              <a:t>23-08-2018</a:t>
             </a:fld>
             <a:endParaRPr lang="en-IN"/>
           </a:p>
@@ -20546,7 +20542,7 @@
           <a:p>
             <a:fld id="{B07C1369-7D3D-43D3-9701-A168F7E90BEC}" type="datetime1">
               <a:rPr lang="en-IN" smtClean="0"/>
-              <a:t>17-08-2018</a:t>
+              <a:t>23-08-2018</a:t>
             </a:fld>
             <a:endParaRPr lang="en-IN"/>
           </a:p>
@@ -20789,7 +20785,7 @@
           <a:p>
             <a:fld id="{D465BEA8-A66A-40E0-ABAC-9E18F57056C3}" type="datetime1">
               <a:rPr lang="en-IN" smtClean="0"/>
-              <a:t>17-08-2018</a:t>
+              <a:t>23-08-2018</a:t>
             </a:fld>
             <a:endParaRPr lang="en-IN"/>
           </a:p>
@@ -28504,14 +28500,14 @@
             </a:ln>
             <a:extLst>
               <a:ext uri="{909E8E84-426E-40dd-AFC4-6F175D3DCCD1}">
-                <a14:hiddenFill xmlns:a14="http://schemas.microsoft.com/office/drawing/2010/main" xmlns="">
+                <a14:hiddenFill xmlns="" xmlns:a14="http://schemas.microsoft.com/office/drawing/2010/main">
                   <a:solidFill>
                     <a:srgbClr val="FFFFFF"/>
                   </a:solidFill>
                 </a14:hiddenFill>
               </a:ext>
               <a:ext uri="{91240B29-F687-4f45-9708-019B960494DF}">
-                <a14:hiddenLine xmlns:a14="http://schemas.microsoft.com/office/drawing/2010/main" xmlns="" w="9525">
+                <a14:hiddenLine xmlns="" xmlns:a14="http://schemas.microsoft.com/office/drawing/2010/main" w="9525">
                   <a:solidFill>
                     <a:srgbClr val="000000"/>
                   </a:solidFill>
@@ -28664,14 +28660,14 @@
             </a:ln>
             <a:extLst>
               <a:ext uri="{909E8E84-426E-40dd-AFC4-6F175D3DCCD1}">
-                <a14:hiddenFill xmlns:a14="http://schemas.microsoft.com/office/drawing/2010/main" xmlns="">
+                <a14:hiddenFill xmlns="" xmlns:a14="http://schemas.microsoft.com/office/drawing/2010/main">
                   <a:solidFill>
                     <a:srgbClr val="FFFFFF"/>
                   </a:solidFill>
                 </a14:hiddenFill>
               </a:ext>
               <a:ext uri="{91240B29-F687-4f45-9708-019B960494DF}">
-                <a14:hiddenLine xmlns:a14="http://schemas.microsoft.com/office/drawing/2010/main" xmlns="" w="9525">
+                <a14:hiddenLine xmlns="" xmlns:a14="http://schemas.microsoft.com/office/drawing/2010/main" w="9525">
                   <a:solidFill>
                     <a:srgbClr val="000000"/>
                   </a:solidFill>
@@ -30575,14 +30571,14 @@
           </a:ln>
           <a:extLst>
             <a:ext uri="{909E8E84-426E-40dd-AFC4-6F175D3DCCD1}">
-              <a14:hiddenFill xmlns="" xmlns:a14="http://schemas.microsoft.com/office/drawing/2010/main">
+              <a14:hiddenFill xmlns:a14="http://schemas.microsoft.com/office/drawing/2010/main" xmlns="">
                 <a:solidFill>
                   <a:srgbClr val="FFFFFF"/>
                 </a:solidFill>
               </a14:hiddenFill>
             </a:ext>
             <a:ext uri="{91240B29-F687-4f45-9708-019B960494DF}">
-              <a14:hiddenLine xmlns="" xmlns:a14="http://schemas.microsoft.com/office/drawing/2010/main" w="9525">
+              <a14:hiddenLine xmlns:a14="http://schemas.microsoft.com/office/drawing/2010/main" xmlns="" w="9525">
                 <a:solidFill>
                   <a:srgbClr val="000000"/>
                 </a:solidFill>
@@ -30891,1044 +30887,6 @@
   <p:clrMapOvr>
     <a:masterClrMapping/>
   </p:clrMapOvr>
-</p:sld>
-</file>
-
-<file path=ppt/slides/slide40.xml><?xml version="1.0" encoding="utf-8"?>
-<p:sld xmlns:a="http://schemas.openxmlformats.org/drawingml/2006/main" xmlns:r="http://schemas.openxmlformats.org/officeDocument/2006/relationships" xmlns:p="http://schemas.openxmlformats.org/presentationml/2006/main">
-  <p:cSld>
-    <p:spTree>
-      <p:nvGrpSpPr>
-        <p:cNvPr id="1" name=""/>
-        <p:cNvGrpSpPr/>
-        <p:nvPr/>
-      </p:nvGrpSpPr>
-      <p:grpSpPr>
-        <a:xfrm>
-          <a:off x="0" y="0"/>
-          <a:ext cx="0" cy="0"/>
-          <a:chOff x="0" y="0"/>
-          <a:chExt cx="0" cy="0"/>
-        </a:xfrm>
-      </p:grpSpPr>
-      <p:sp>
-        <p:nvSpPr>
-          <p:cNvPr id="26625" name="Content Placeholder 2"/>
-          <p:cNvSpPr>
-            <a:spLocks noGrp="1"/>
-          </p:cNvSpPr>
-          <p:nvPr>
-            <p:ph idx="1"/>
-          </p:nvPr>
-        </p:nvSpPr>
-        <p:spPr>
-          <a:xfrm>
-            <a:off x="0" y="9528"/>
-            <a:ext cx="12192000" cy="6848475"/>
-          </a:xfrm>
-        </p:spPr>
-        <p:txBody>
-          <a:bodyPr/>
-          <a:lstStyle/>
-          <a:p>
-            <a:pPr marL="0" indent="0">
-              <a:buFont typeface="Arial" charset="0"/>
-              <a:buNone/>
-            </a:pPr>
-            <a:r>
-              <a:rPr lang="en-US" baseline="30000">
-                <a:latin typeface="Calibri" charset="0"/>
-              </a:rPr>
-              <a:t>The positioning approach to strategy has provided the dominant framework for strategy from the 1950s, with contributions made by </a:t>
-            </a:r>
-            <a:r>
-              <a:rPr lang="en-US" b="1" baseline="30000">
-                <a:latin typeface="Calibri" charset="0"/>
-              </a:rPr>
-              <a:t>Andrews (1987</a:t>
-            </a:r>
-            <a:r>
-              <a:rPr lang="en-US" baseline="30000">
-                <a:latin typeface="Calibri" charset="0"/>
-              </a:rPr>
-              <a:t>), </a:t>
-            </a:r>
-            <a:r>
-              <a:rPr lang="en-US" b="1" baseline="30000">
-                <a:latin typeface="Calibri" charset="0"/>
-              </a:rPr>
-              <a:t>Ansoff (1987) and Learned </a:t>
-            </a:r>
-            <a:r>
-              <a:rPr lang="en-US" b="1" i="1" baseline="30000">
-                <a:latin typeface="Calibri" charset="0"/>
-              </a:rPr>
-              <a:t>et al. </a:t>
-            </a:r>
-            <a:r>
-              <a:rPr lang="en-US" b="1" baseline="30000">
-                <a:latin typeface="Calibri" charset="0"/>
-              </a:rPr>
-              <a:t>(1965)</a:t>
-            </a:r>
-            <a:r>
-              <a:rPr lang="en-US" baseline="30000">
-                <a:latin typeface="Calibri" charset="0"/>
-              </a:rPr>
-              <a:t>. Although the basic framework for this positioning approach appears to have been formulated in the early 1950s, it has been elaborated on and developed by a number of writers. Arguably, amongst these the most important contributor has been </a:t>
-            </a:r>
-            <a:r>
-              <a:rPr lang="en-US" b="1" baseline="30000">
-                <a:latin typeface="Calibri" charset="0"/>
-              </a:rPr>
-              <a:t>Porter (1980, 1985, 1987, 1993)</a:t>
-            </a:r>
-            <a:r>
-              <a:rPr lang="en-US" baseline="30000">
-                <a:latin typeface="Calibri" charset="0"/>
-              </a:rPr>
-              <a:t>, with his development of the concept of the five forces model used for industry analysis, the value chain as an instrument for assessing internal organizational strengths and weaknesses, and the generic strategies as a tool to assist in strategy evaluation. Theorists such as </a:t>
-            </a:r>
-            <a:r>
-              <a:rPr lang="en-US" b="1" baseline="30000">
-                <a:latin typeface="Calibri" charset="0"/>
-              </a:rPr>
-              <a:t>Ansoff (1968), Porter (1980) and Selznick (1957)</a:t>
-            </a:r>
-            <a:r>
-              <a:rPr lang="en-US" baseline="30000">
-                <a:latin typeface="Calibri" charset="0"/>
-              </a:rPr>
-              <a:t> have discussed the importance of internal analysis and developed the </a:t>
-            </a:r>
-            <a:r>
-              <a:rPr lang="en-US" i="1" baseline="30000">
-                <a:latin typeface="Calibri" charset="0"/>
-              </a:rPr>
-              <a:t>competence grid </a:t>
-            </a:r>
-            <a:r>
-              <a:rPr lang="en-US" baseline="30000">
-                <a:latin typeface="Calibri" charset="0"/>
-              </a:rPr>
-              <a:t>and the </a:t>
-            </a:r>
-            <a:r>
-              <a:rPr lang="en-US" i="1" baseline="30000">
-                <a:latin typeface="Calibri" charset="0"/>
-              </a:rPr>
-              <a:t>value chain </a:t>
-            </a:r>
-            <a:r>
-              <a:rPr lang="en-US" baseline="30000">
-                <a:latin typeface="Calibri" charset="0"/>
-              </a:rPr>
-              <a:t>as aids to this analysis. But the major focus has tended to be on the external environment, with the common assumption underlying the approach that the environment largely determines the organization’s freedom to manoeuvre. Therefore the structure of the environment is seen to be of overwhelming importance, and a strategy for delivering competitive advantage will be one that positions the organization within that environment. The problem for the strategist then becomes one of finding a position that is defensible against the threats from existing and potential competitors and also from the bargaining power of suppliers and buyers . . .</a:t>
-            </a:r>
-            <a:endParaRPr lang="en-US">
-              <a:latin typeface="Calibri" charset="0"/>
-            </a:endParaRPr>
-          </a:p>
-        </p:txBody>
-      </p:sp>
-    </p:spTree>
-    <p:extLst>
-      <p:ext uri="{BB962C8B-B14F-4D97-AF65-F5344CB8AC3E}">
-        <p14:creationId xmlns:p14="http://schemas.microsoft.com/office/powerpoint/2010/main" val="3607342158"/>
-      </p:ext>
-    </p:extLst>
-  </p:cSld>
-  <p:clrMapOvr>
-    <a:masterClrMapping/>
-  </p:clrMapOvr>
-</p:sld>
-</file>
-
-<file path=ppt/slides/slide41.xml><?xml version="1.0" encoding="utf-8"?>
-<p:sld xmlns:a="http://schemas.openxmlformats.org/drawingml/2006/main" xmlns:r="http://schemas.openxmlformats.org/officeDocument/2006/relationships" xmlns:p="http://schemas.openxmlformats.org/presentationml/2006/main">
-  <p:cSld>
-    <p:spTree>
-      <p:nvGrpSpPr>
-        <p:cNvPr id="1" name=""/>
-        <p:cNvGrpSpPr/>
-        <p:nvPr/>
-      </p:nvGrpSpPr>
-      <p:grpSpPr>
-        <a:xfrm>
-          <a:off x="0" y="0"/>
-          <a:ext cx="0" cy="0"/>
-          <a:chOff x="0" y="0"/>
-          <a:chExt cx="0" cy="0"/>
-        </a:xfrm>
-      </p:grpSpPr>
-      <p:sp>
-        <p:nvSpPr>
-          <p:cNvPr id="2" name="Title 1">
-            <a:extLst>
-              <a:ext uri="{FF2B5EF4-FFF2-40B4-BE49-F238E27FC236}">
-                <a16:creationId xmlns:a16="http://schemas.microsoft.com/office/drawing/2014/main" id="{B0EDFFFD-725E-4912-AAC2-88F75AC6A78F}"/>
-              </a:ext>
-            </a:extLst>
-          </p:cNvPr>
-          <p:cNvSpPr>
-            <a:spLocks noGrp="1"/>
-          </p:cNvSpPr>
-          <p:nvPr>
-            <p:ph type="title"/>
-          </p:nvPr>
-        </p:nvSpPr>
-        <p:spPr/>
-        <p:txBody>
-          <a:bodyPr/>
-          <a:lstStyle/>
-          <a:p>
-            <a:r>
-              <a:rPr lang="en-US" dirty="0"/>
-              <a:t>Step3: Specifying purpose of research</a:t>
-            </a:r>
-            <a:endParaRPr lang="en-IN" dirty="0"/>
-          </a:p>
-        </p:txBody>
-      </p:sp>
-      <p:sp>
-        <p:nvSpPr>
-          <p:cNvPr id="3" name="Content Placeholder 2">
-            <a:extLst>
-              <a:ext uri="{FF2B5EF4-FFF2-40B4-BE49-F238E27FC236}">
-                <a16:creationId xmlns:a16="http://schemas.microsoft.com/office/drawing/2014/main" id="{87A2CFB1-5EA6-439B-817D-9950A16F313B}"/>
-              </a:ext>
-            </a:extLst>
-          </p:cNvPr>
-          <p:cNvSpPr>
-            <a:spLocks noGrp="1"/>
-          </p:cNvSpPr>
-          <p:nvPr>
-            <p:ph idx="1"/>
-          </p:nvPr>
-        </p:nvSpPr>
-        <p:spPr>
-          <a:xfrm>
-            <a:off x="838200" y="1825624"/>
-            <a:ext cx="10515600" cy="4809638"/>
-          </a:xfrm>
-        </p:spPr>
-        <p:txBody>
-          <a:bodyPr>
-            <a:normAutofit fontScale="70000" lnSpcReduction="20000"/>
-          </a:bodyPr>
-          <a:lstStyle/>
-          <a:p>
-            <a:r>
-              <a:rPr lang="en-US" dirty="0"/>
-              <a:t>or Formulating the objectives</a:t>
-            </a:r>
-          </a:p>
-          <a:p>
-            <a:r>
-              <a:rPr lang="en-US" dirty="0"/>
-              <a:t>Objectives are the goals you set out to attain in your study. </a:t>
-            </a:r>
-          </a:p>
-          <a:p>
-            <a:r>
-              <a:rPr lang="en-US" dirty="0"/>
-              <a:t>They inform a reader what you want to attain through the study. </a:t>
-            </a:r>
-          </a:p>
-          <a:p>
-            <a:r>
-              <a:rPr lang="en-US" dirty="0"/>
-              <a:t>It is extremely important to word them clearly and specifically.</a:t>
-            </a:r>
-          </a:p>
-          <a:p>
-            <a:r>
-              <a:rPr lang="en-US" dirty="0"/>
-              <a:t>The main objective is an overall statement of the thrust of your study. </a:t>
-            </a:r>
-          </a:p>
-          <a:p>
-            <a:r>
-              <a:rPr lang="en-US" dirty="0"/>
-              <a:t>It is also a statement of the main associations and relationships that you seek to discover or establish.</a:t>
-            </a:r>
-          </a:p>
-          <a:p>
-            <a:r>
-              <a:rPr lang="en-US" dirty="0"/>
-              <a:t>The sub-objectives are the specific aspects of the topic that you want to investigate within the main framework of your study. </a:t>
-            </a:r>
-          </a:p>
-          <a:p>
-            <a:pPr lvl="1"/>
-            <a:r>
-              <a:rPr lang="en-US" dirty="0"/>
-              <a:t>They should be numerically listed. </a:t>
-            </a:r>
-          </a:p>
-          <a:p>
-            <a:pPr lvl="1"/>
-            <a:r>
-              <a:rPr lang="en-US" dirty="0"/>
-              <a:t>Wording should clearly, completely and specifically Communicate to your readers your intention. </a:t>
-            </a:r>
-          </a:p>
-          <a:p>
-            <a:pPr lvl="1"/>
-            <a:r>
-              <a:rPr lang="en-US" dirty="0"/>
-              <a:t>Each objective should contain only one aspect of the Study. </a:t>
-            </a:r>
-          </a:p>
-          <a:p>
-            <a:pPr lvl="1"/>
-            <a:r>
-              <a:rPr lang="en-US" dirty="0"/>
-              <a:t>Use action oriented words or verbs when writing objectives.</a:t>
-            </a:r>
-          </a:p>
-          <a:p>
-            <a:pPr lvl="1"/>
-            <a:r>
-              <a:rPr lang="en-US" i="1" dirty="0"/>
-              <a:t>The objectives should start with words such as ‘to determine’, ‘to find out’, ‘to ascertain’, ‘to measure’, ‘to explore’ etc.</a:t>
-            </a:r>
-            <a:endParaRPr lang="en-US" dirty="0"/>
-          </a:p>
-          <a:p>
-            <a:r>
-              <a:rPr lang="en-US" b="1" dirty="0"/>
-              <a:t>Clear +Complete +Specific + Identify main variables to be correlated + Identify the direction of relationship</a:t>
-            </a:r>
-          </a:p>
-        </p:txBody>
-      </p:sp>
-    </p:spTree>
-    <p:extLst>
-      <p:ext uri="{BB962C8B-B14F-4D97-AF65-F5344CB8AC3E}">
-        <p14:creationId xmlns:p14="http://schemas.microsoft.com/office/powerpoint/2010/main" val="2983482011"/>
-      </p:ext>
-    </p:extLst>
-  </p:cSld>
-  <p:clrMapOvr>
-    <a:masterClrMapping/>
-  </p:clrMapOvr>
-</p:sld>
-</file>
-
-<file path=ppt/slides/slide42.xml><?xml version="1.0" encoding="utf-8"?>
-<p:sld xmlns:a="http://schemas.openxmlformats.org/drawingml/2006/main" xmlns:r="http://schemas.openxmlformats.org/officeDocument/2006/relationships" xmlns:p="http://schemas.openxmlformats.org/presentationml/2006/main">
-  <p:cSld>
-    <p:spTree>
-      <p:nvGrpSpPr>
-        <p:cNvPr id="1" name=""/>
-        <p:cNvGrpSpPr/>
-        <p:nvPr/>
-      </p:nvGrpSpPr>
-      <p:grpSpPr>
-        <a:xfrm>
-          <a:off x="0" y="0"/>
-          <a:ext cx="0" cy="0"/>
-          <a:chOff x="0" y="0"/>
-          <a:chExt cx="0" cy="0"/>
-        </a:xfrm>
-      </p:grpSpPr>
-      <p:sp>
-        <p:nvSpPr>
-          <p:cNvPr id="2" name="Title 1">
-            <a:extLst>
-              <a:ext uri="{FF2B5EF4-FFF2-40B4-BE49-F238E27FC236}">
-                <a16:creationId xmlns:a16="http://schemas.microsoft.com/office/drawing/2014/main" id="{02210EC1-BF4D-4E80-A5E5-EA175BD9C346}"/>
-              </a:ext>
-            </a:extLst>
-          </p:cNvPr>
-          <p:cNvSpPr>
-            <a:spLocks noGrp="1"/>
-          </p:cNvSpPr>
-          <p:nvPr>
-            <p:ph type="title"/>
-          </p:nvPr>
-        </p:nvSpPr>
-        <p:spPr/>
-        <p:txBody>
-          <a:bodyPr/>
-          <a:lstStyle/>
-          <a:p>
-            <a:r>
-              <a:rPr lang="en-IN" dirty="0"/>
-              <a:t>Step4: Development of working hypotheses</a:t>
-            </a:r>
-          </a:p>
-        </p:txBody>
-      </p:sp>
-      <p:sp>
-        <p:nvSpPr>
-          <p:cNvPr id="3" name="Content Placeholder 2">
-            <a:extLst>
-              <a:ext uri="{FF2B5EF4-FFF2-40B4-BE49-F238E27FC236}">
-                <a16:creationId xmlns:a16="http://schemas.microsoft.com/office/drawing/2014/main" id="{BEB7916A-9589-4216-AD37-569683ABC9DC}"/>
-              </a:ext>
-            </a:extLst>
-          </p:cNvPr>
-          <p:cNvSpPr>
-            <a:spLocks noGrp="1"/>
-          </p:cNvSpPr>
-          <p:nvPr>
-            <p:ph idx="1"/>
-          </p:nvPr>
-        </p:nvSpPr>
-        <p:spPr/>
-        <p:txBody>
-          <a:bodyPr>
-            <a:normAutofit lnSpcReduction="10000"/>
-          </a:bodyPr>
-          <a:lstStyle/>
-          <a:p>
-            <a:r>
-              <a:rPr lang="en-US" dirty="0"/>
-              <a:t>Working hypothesis is tentative assumption made in order to draw out and test its logical or empirical consequences. </a:t>
-            </a:r>
-          </a:p>
-          <a:p>
-            <a:r>
-              <a:rPr lang="en-US" dirty="0"/>
-              <a:t>Hypothesis should be very specific and limited to the piece of research in hand because it has to be tested.</a:t>
-            </a:r>
-          </a:p>
-          <a:p>
-            <a:pPr lvl="1"/>
-            <a:r>
-              <a:rPr lang="en-US" dirty="0"/>
-              <a:t>The formulation of hypothesis provides a study with focus. It tells you what specific aspects of a research problem to investigate.</a:t>
-            </a:r>
-          </a:p>
-          <a:p>
-            <a:pPr lvl="1"/>
-            <a:r>
-              <a:rPr lang="en-US" dirty="0"/>
-              <a:t>A hypothesis tells you what data to collect and what not to collect, thereby providing focus to the study.</a:t>
-            </a:r>
-          </a:p>
-          <a:p>
-            <a:pPr lvl="1"/>
-            <a:r>
-              <a:rPr lang="en-US" dirty="0"/>
-              <a:t>As it provides a focus, the construction of a hypothesis enhances objectivity in a study.</a:t>
-            </a:r>
-          </a:p>
-          <a:p>
-            <a:pPr lvl="1"/>
-            <a:r>
-              <a:rPr lang="en-US" dirty="0"/>
-              <a:t>A hypothesis may enable you to add to the formulation of a theory. It enables you to specifically conclude what is true or what is false.</a:t>
-            </a:r>
-          </a:p>
-        </p:txBody>
-      </p:sp>
-    </p:spTree>
-    <p:extLst>
-      <p:ext uri="{BB962C8B-B14F-4D97-AF65-F5344CB8AC3E}">
-        <p14:creationId xmlns:p14="http://schemas.microsoft.com/office/powerpoint/2010/main" val="1729605997"/>
-      </p:ext>
-    </p:extLst>
-  </p:cSld>
-  <p:clrMapOvr>
-    <a:masterClrMapping/>
-  </p:clrMapOvr>
-  <p:timing>
-    <p:tnLst>
-      <p:par>
-        <p:cTn id="1" dur="indefinite" restart="never" nodeType="tmRoot">
-          <p:childTnLst>
-            <p:seq concurrent="1" nextAc="seek">
-              <p:cTn id="2" dur="indefinite" nodeType="mainSeq">
-                <p:childTnLst>
-                  <p:par>
-                    <p:cTn id="3" fill="hold">
-                      <p:stCondLst>
-                        <p:cond delay="indefinite"/>
-                      </p:stCondLst>
-                      <p:childTnLst>
-                        <p:par>
-                          <p:cTn id="4" fill="hold">
-                            <p:stCondLst>
-                              <p:cond delay="0"/>
-                            </p:stCondLst>
-                            <p:childTnLst>
-                              <p:par>
-                                <p:cTn id="5" presetID="1" presetClass="entr" presetSubtype="0" fill="hold" grpId="0" nodeType="clickEffect">
-                                  <p:stCondLst>
-                                    <p:cond delay="0"/>
-                                  </p:stCondLst>
-                                  <p:childTnLst>
-                                    <p:set>
-                                      <p:cBhvr>
-                                        <p:cTn id="6" dur="1" fill="hold">
-                                          <p:stCondLst>
-                                            <p:cond delay="0"/>
-                                          </p:stCondLst>
-                                        </p:cTn>
-                                        <p:tgtEl>
-                                          <p:spTgt spid="3">
-                                            <p:txEl>
-                                              <p:pRg st="0" end="0"/>
-                                            </p:txEl>
-                                          </p:spTgt>
-                                        </p:tgtEl>
-                                        <p:attrNameLst>
-                                          <p:attrName>style.visibility</p:attrName>
-                                        </p:attrNameLst>
-                                      </p:cBhvr>
-                                      <p:to>
-                                        <p:strVal val="visible"/>
-                                      </p:to>
-                                    </p:set>
-                                  </p:childTnLst>
-                                </p:cTn>
-                              </p:par>
-                            </p:childTnLst>
-                          </p:cTn>
-                        </p:par>
-                      </p:childTnLst>
-                    </p:cTn>
-                  </p:par>
-                  <p:par>
-                    <p:cTn id="7" fill="hold">
-                      <p:stCondLst>
-                        <p:cond delay="indefinite"/>
-                      </p:stCondLst>
-                      <p:childTnLst>
-                        <p:par>
-                          <p:cTn id="8" fill="hold">
-                            <p:stCondLst>
-                              <p:cond delay="0"/>
-                            </p:stCondLst>
-                            <p:childTnLst>
-                              <p:par>
-                                <p:cTn id="9" presetID="1" presetClass="entr" presetSubtype="0" fill="hold" grpId="0" nodeType="clickEffect">
-                                  <p:stCondLst>
-                                    <p:cond delay="0"/>
-                                  </p:stCondLst>
-                                  <p:childTnLst>
-                                    <p:set>
-                                      <p:cBhvr>
-                                        <p:cTn id="10" dur="1" fill="hold">
-                                          <p:stCondLst>
-                                            <p:cond delay="0"/>
-                                          </p:stCondLst>
-                                        </p:cTn>
-                                        <p:tgtEl>
-                                          <p:spTgt spid="3">
-                                            <p:txEl>
-                                              <p:pRg st="1" end="1"/>
-                                            </p:txEl>
-                                          </p:spTgt>
-                                        </p:tgtEl>
-                                        <p:attrNameLst>
-                                          <p:attrName>style.visibility</p:attrName>
-                                        </p:attrNameLst>
-                                      </p:cBhvr>
-                                      <p:to>
-                                        <p:strVal val="visible"/>
-                                      </p:to>
-                                    </p:set>
-                                  </p:childTnLst>
-                                </p:cTn>
-                              </p:par>
-                              <p:par>
-                                <p:cTn id="11" presetID="1" presetClass="entr" presetSubtype="0" fill="hold" grpId="0" nodeType="withEffect">
-                                  <p:stCondLst>
-                                    <p:cond delay="0"/>
-                                  </p:stCondLst>
-                                  <p:childTnLst>
-                                    <p:set>
-                                      <p:cBhvr>
-                                        <p:cTn id="12" dur="1" fill="hold">
-                                          <p:stCondLst>
-                                            <p:cond delay="0"/>
-                                          </p:stCondLst>
-                                        </p:cTn>
-                                        <p:tgtEl>
-                                          <p:spTgt spid="3">
-                                            <p:txEl>
-                                              <p:pRg st="2" end="2"/>
-                                            </p:txEl>
-                                          </p:spTgt>
-                                        </p:tgtEl>
-                                        <p:attrNameLst>
-                                          <p:attrName>style.visibility</p:attrName>
-                                        </p:attrNameLst>
-                                      </p:cBhvr>
-                                      <p:to>
-                                        <p:strVal val="visible"/>
-                                      </p:to>
-                                    </p:set>
-                                  </p:childTnLst>
-                                </p:cTn>
-                              </p:par>
-                              <p:par>
-                                <p:cTn id="13" presetID="1" presetClass="entr" presetSubtype="0" fill="hold" grpId="0" nodeType="withEffect">
-                                  <p:stCondLst>
-                                    <p:cond delay="0"/>
-                                  </p:stCondLst>
-                                  <p:childTnLst>
-                                    <p:set>
-                                      <p:cBhvr>
-                                        <p:cTn id="14" dur="1" fill="hold">
-                                          <p:stCondLst>
-                                            <p:cond delay="0"/>
-                                          </p:stCondLst>
-                                        </p:cTn>
-                                        <p:tgtEl>
-                                          <p:spTgt spid="3">
-                                            <p:txEl>
-                                              <p:pRg st="3" end="3"/>
-                                            </p:txEl>
-                                          </p:spTgt>
-                                        </p:tgtEl>
-                                        <p:attrNameLst>
-                                          <p:attrName>style.visibility</p:attrName>
-                                        </p:attrNameLst>
-                                      </p:cBhvr>
-                                      <p:to>
-                                        <p:strVal val="visible"/>
-                                      </p:to>
-                                    </p:set>
-                                  </p:childTnLst>
-                                </p:cTn>
-                              </p:par>
-                              <p:par>
-                                <p:cTn id="15" presetID="1" presetClass="entr" presetSubtype="0" fill="hold" grpId="0" nodeType="withEffect">
-                                  <p:stCondLst>
-                                    <p:cond delay="0"/>
-                                  </p:stCondLst>
-                                  <p:childTnLst>
-                                    <p:set>
-                                      <p:cBhvr>
-                                        <p:cTn id="16" dur="1" fill="hold">
-                                          <p:stCondLst>
-                                            <p:cond delay="0"/>
-                                          </p:stCondLst>
-                                        </p:cTn>
-                                        <p:tgtEl>
-                                          <p:spTgt spid="3">
-                                            <p:txEl>
-                                              <p:pRg st="4" end="4"/>
-                                            </p:txEl>
-                                          </p:spTgt>
-                                        </p:tgtEl>
-                                        <p:attrNameLst>
-                                          <p:attrName>style.visibility</p:attrName>
-                                        </p:attrNameLst>
-                                      </p:cBhvr>
-                                      <p:to>
-                                        <p:strVal val="visible"/>
-                                      </p:to>
-                                    </p:set>
-                                  </p:childTnLst>
-                                </p:cTn>
-                              </p:par>
-                              <p:par>
-                                <p:cTn id="17" presetID="1" presetClass="entr" presetSubtype="0" fill="hold" grpId="0" nodeType="withEffect">
-                                  <p:stCondLst>
-                                    <p:cond delay="0"/>
-                                  </p:stCondLst>
-                                  <p:childTnLst>
-                                    <p:set>
-                                      <p:cBhvr>
-                                        <p:cTn id="18" dur="1" fill="hold">
-                                          <p:stCondLst>
-                                            <p:cond delay="0"/>
-                                          </p:stCondLst>
-                                        </p:cTn>
-                                        <p:tgtEl>
-                                          <p:spTgt spid="3">
-                                            <p:txEl>
-                                              <p:pRg st="5" end="5"/>
-                                            </p:txEl>
-                                          </p:spTgt>
-                                        </p:tgtEl>
-                                        <p:attrNameLst>
-                                          <p:attrName>style.visibility</p:attrName>
-                                        </p:attrNameLst>
-                                      </p:cBhvr>
-                                      <p:to>
-                                        <p:strVal val="visible"/>
-                                      </p:to>
-                                    </p:set>
-                                  </p:childTnLst>
-                                </p:cTn>
-                              </p:par>
-                            </p:childTnLst>
-                          </p:cTn>
-                        </p:par>
-                      </p:childTnLst>
-                    </p:cTn>
-                  </p:par>
-                </p:childTnLst>
-              </p:cTn>
-              <p:prevCondLst>
-                <p:cond evt="onPrev" delay="0">
-                  <p:tgtEl>
-                    <p:sldTgt/>
-                  </p:tgtEl>
-                </p:cond>
-              </p:prevCondLst>
-              <p:nextCondLst>
-                <p:cond evt="onNext" delay="0">
-                  <p:tgtEl>
-                    <p:sldTgt/>
-                  </p:tgtEl>
-                </p:cond>
-              </p:nextCondLst>
-            </p:seq>
-          </p:childTnLst>
-        </p:cTn>
-      </p:par>
-    </p:tnLst>
-    <p:bldLst>
-      <p:bldP spid="3" grpId="0" build="p"/>
-    </p:bldLst>
-  </p:timing>
-</p:sld>
-</file>
-
-<file path=ppt/slides/slide43.xml><?xml version="1.0" encoding="utf-8"?>
-<p:sld xmlns:a="http://schemas.openxmlformats.org/drawingml/2006/main" xmlns:r="http://schemas.openxmlformats.org/officeDocument/2006/relationships" xmlns:p="http://schemas.openxmlformats.org/presentationml/2006/main">
-  <p:cSld>
-    <p:spTree>
-      <p:nvGrpSpPr>
-        <p:cNvPr id="1" name=""/>
-        <p:cNvGrpSpPr/>
-        <p:nvPr/>
-      </p:nvGrpSpPr>
-      <p:grpSpPr>
-        <a:xfrm>
-          <a:off x="0" y="0"/>
-          <a:ext cx="0" cy="0"/>
-          <a:chOff x="0" y="0"/>
-          <a:chExt cx="0" cy="0"/>
-        </a:xfrm>
-      </p:grpSpPr>
-      <p:sp>
-        <p:nvSpPr>
-          <p:cNvPr id="2" name="Title 1">
-            <a:extLst>
-              <a:ext uri="{FF2B5EF4-FFF2-40B4-BE49-F238E27FC236}">
-                <a16:creationId xmlns:a16="http://schemas.microsoft.com/office/drawing/2014/main" id="{1577A9BE-970C-4ABE-BAE1-74BBD2C51B22}"/>
-              </a:ext>
-            </a:extLst>
-          </p:cNvPr>
-          <p:cNvSpPr>
-            <a:spLocks noGrp="1"/>
-          </p:cNvSpPr>
-          <p:nvPr>
-            <p:ph type="title"/>
-          </p:nvPr>
-        </p:nvSpPr>
-        <p:spPr/>
-        <p:txBody>
-          <a:bodyPr/>
-          <a:lstStyle/>
-          <a:p>
-            <a:r>
-              <a:rPr lang="en-IN" dirty="0"/>
-              <a:t>How to develop working hypotheses</a:t>
-            </a:r>
-          </a:p>
-        </p:txBody>
-      </p:sp>
-      <p:sp>
-        <p:nvSpPr>
-          <p:cNvPr id="3" name="Content Placeholder 2">
-            <a:extLst>
-              <a:ext uri="{FF2B5EF4-FFF2-40B4-BE49-F238E27FC236}">
-                <a16:creationId xmlns:a16="http://schemas.microsoft.com/office/drawing/2014/main" id="{B9375338-BE25-4673-9910-750A47F34F59}"/>
-              </a:ext>
-            </a:extLst>
-          </p:cNvPr>
-          <p:cNvSpPr>
-            <a:spLocks noGrp="1"/>
-          </p:cNvSpPr>
-          <p:nvPr>
-            <p:ph idx="1"/>
-          </p:nvPr>
-        </p:nvSpPr>
-        <p:spPr/>
-        <p:txBody>
-          <a:bodyPr>
-            <a:normAutofit/>
-          </a:bodyPr>
-          <a:lstStyle/>
-          <a:p>
-            <a:r>
-              <a:rPr lang="en-US" dirty="0"/>
-              <a:t>Discussions with colleagues and experts about the problem, its origin and the objectives in seeking a solution; </a:t>
-            </a:r>
-          </a:p>
-          <a:p>
-            <a:r>
-              <a:rPr lang="en-US" dirty="0"/>
-              <a:t>Examination of data and records, if available, concerning the problem for possible trends, peculiarities and other clues; </a:t>
-            </a:r>
-          </a:p>
-          <a:p>
-            <a:r>
-              <a:rPr lang="en-US" dirty="0"/>
-              <a:t>Review of similar studies in the area or of the studies on similar problems; and </a:t>
-            </a:r>
-          </a:p>
-          <a:p>
-            <a:r>
-              <a:rPr lang="en-US" dirty="0"/>
-              <a:t>Exploratory personal investigation which involves original field interviews on a limited scale with interested parties and individuals with a view to secure greater insight into the practical aspects of the problem.</a:t>
-            </a:r>
-            <a:endParaRPr lang="en-IN" dirty="0"/>
-          </a:p>
-          <a:p>
-            <a:endParaRPr lang="en-IN" dirty="0"/>
-          </a:p>
-        </p:txBody>
-      </p:sp>
-    </p:spTree>
-    <p:extLst>
-      <p:ext uri="{BB962C8B-B14F-4D97-AF65-F5344CB8AC3E}">
-        <p14:creationId xmlns:p14="http://schemas.microsoft.com/office/powerpoint/2010/main" val="2349437822"/>
-      </p:ext>
-    </p:extLst>
-  </p:cSld>
-  <p:clrMapOvr>
-    <a:masterClrMapping/>
-  </p:clrMapOvr>
-  <p:timing>
-    <p:tnLst>
-      <p:par>
-        <p:cTn id="1" dur="indefinite" restart="never" nodeType="tmRoot">
-          <p:childTnLst>
-            <p:seq concurrent="1" nextAc="seek">
-              <p:cTn id="2" dur="indefinite" nodeType="mainSeq">
-                <p:childTnLst>
-                  <p:par>
-                    <p:cTn id="3" fill="hold">
-                      <p:stCondLst>
-                        <p:cond delay="indefinite"/>
-                      </p:stCondLst>
-                      <p:childTnLst>
-                        <p:par>
-                          <p:cTn id="4" fill="hold">
-                            <p:stCondLst>
-                              <p:cond delay="0"/>
-                            </p:stCondLst>
-                            <p:childTnLst>
-                              <p:par>
-                                <p:cTn id="5" presetID="1" presetClass="entr" presetSubtype="0" fill="hold" grpId="0" nodeType="clickEffect">
-                                  <p:stCondLst>
-                                    <p:cond delay="0"/>
-                                  </p:stCondLst>
-                                  <p:childTnLst>
-                                    <p:set>
-                                      <p:cBhvr>
-                                        <p:cTn id="6" dur="1" fill="hold">
-                                          <p:stCondLst>
-                                            <p:cond delay="0"/>
-                                          </p:stCondLst>
-                                        </p:cTn>
-                                        <p:tgtEl>
-                                          <p:spTgt spid="3">
-                                            <p:txEl>
-                                              <p:pRg st="0" end="0"/>
-                                            </p:txEl>
-                                          </p:spTgt>
-                                        </p:tgtEl>
-                                        <p:attrNameLst>
-                                          <p:attrName>style.visibility</p:attrName>
-                                        </p:attrNameLst>
-                                      </p:cBhvr>
-                                      <p:to>
-                                        <p:strVal val="visible"/>
-                                      </p:to>
-                                    </p:set>
-                                  </p:childTnLst>
-                                </p:cTn>
-                              </p:par>
-                            </p:childTnLst>
-                          </p:cTn>
-                        </p:par>
-                      </p:childTnLst>
-                    </p:cTn>
-                  </p:par>
-                  <p:par>
-                    <p:cTn id="7" fill="hold">
-                      <p:stCondLst>
-                        <p:cond delay="indefinite"/>
-                      </p:stCondLst>
-                      <p:childTnLst>
-                        <p:par>
-                          <p:cTn id="8" fill="hold">
-                            <p:stCondLst>
-                              <p:cond delay="0"/>
-                            </p:stCondLst>
-                            <p:childTnLst>
-                              <p:par>
-                                <p:cTn id="9" presetID="1" presetClass="entr" presetSubtype="0" fill="hold" grpId="0" nodeType="clickEffect">
-                                  <p:stCondLst>
-                                    <p:cond delay="0"/>
-                                  </p:stCondLst>
-                                  <p:childTnLst>
-                                    <p:set>
-                                      <p:cBhvr>
-                                        <p:cTn id="10" dur="1" fill="hold">
-                                          <p:stCondLst>
-                                            <p:cond delay="0"/>
-                                          </p:stCondLst>
-                                        </p:cTn>
-                                        <p:tgtEl>
-                                          <p:spTgt spid="3">
-                                            <p:txEl>
-                                              <p:pRg st="1" end="1"/>
-                                            </p:txEl>
-                                          </p:spTgt>
-                                        </p:tgtEl>
-                                        <p:attrNameLst>
-                                          <p:attrName>style.visibility</p:attrName>
-                                        </p:attrNameLst>
-                                      </p:cBhvr>
-                                      <p:to>
-                                        <p:strVal val="visible"/>
-                                      </p:to>
-                                    </p:set>
-                                  </p:childTnLst>
-                                </p:cTn>
-                              </p:par>
-                            </p:childTnLst>
-                          </p:cTn>
-                        </p:par>
-                      </p:childTnLst>
-                    </p:cTn>
-                  </p:par>
-                  <p:par>
-                    <p:cTn id="11" fill="hold">
-                      <p:stCondLst>
-                        <p:cond delay="indefinite"/>
-                      </p:stCondLst>
-                      <p:childTnLst>
-                        <p:par>
-                          <p:cTn id="12" fill="hold">
-                            <p:stCondLst>
-                              <p:cond delay="0"/>
-                            </p:stCondLst>
-                            <p:childTnLst>
-                              <p:par>
-                                <p:cTn id="13" presetID="1" presetClass="entr" presetSubtype="0" fill="hold" grpId="0" nodeType="clickEffect">
-                                  <p:stCondLst>
-                                    <p:cond delay="0"/>
-                                  </p:stCondLst>
-                                  <p:childTnLst>
-                                    <p:set>
-                                      <p:cBhvr>
-                                        <p:cTn id="14" dur="1" fill="hold">
-                                          <p:stCondLst>
-                                            <p:cond delay="0"/>
-                                          </p:stCondLst>
-                                        </p:cTn>
-                                        <p:tgtEl>
-                                          <p:spTgt spid="3">
-                                            <p:txEl>
-                                              <p:pRg st="2" end="2"/>
-                                            </p:txEl>
-                                          </p:spTgt>
-                                        </p:tgtEl>
-                                        <p:attrNameLst>
-                                          <p:attrName>style.visibility</p:attrName>
-                                        </p:attrNameLst>
-                                      </p:cBhvr>
-                                      <p:to>
-                                        <p:strVal val="visible"/>
-                                      </p:to>
-                                    </p:set>
-                                  </p:childTnLst>
-                                </p:cTn>
-                              </p:par>
-                            </p:childTnLst>
-                          </p:cTn>
-                        </p:par>
-                      </p:childTnLst>
-                    </p:cTn>
-                  </p:par>
-                  <p:par>
-                    <p:cTn id="15" fill="hold">
-                      <p:stCondLst>
-                        <p:cond delay="indefinite"/>
-                      </p:stCondLst>
-                      <p:childTnLst>
-                        <p:par>
-                          <p:cTn id="16" fill="hold">
-                            <p:stCondLst>
-                              <p:cond delay="0"/>
-                            </p:stCondLst>
-                            <p:childTnLst>
-                              <p:par>
-                                <p:cTn id="17" presetID="1" presetClass="entr" presetSubtype="0" fill="hold" grpId="0" nodeType="clickEffect">
-                                  <p:stCondLst>
-                                    <p:cond delay="0"/>
-                                  </p:stCondLst>
-                                  <p:childTnLst>
-                                    <p:set>
-                                      <p:cBhvr>
-                                        <p:cTn id="18" dur="1" fill="hold">
-                                          <p:stCondLst>
-                                            <p:cond delay="0"/>
-                                          </p:stCondLst>
-                                        </p:cTn>
-                                        <p:tgtEl>
-                                          <p:spTgt spid="3">
-                                            <p:txEl>
-                                              <p:pRg st="3" end="3"/>
-                                            </p:txEl>
-                                          </p:spTgt>
-                                        </p:tgtEl>
-                                        <p:attrNameLst>
-                                          <p:attrName>style.visibility</p:attrName>
-                                        </p:attrNameLst>
-                                      </p:cBhvr>
-                                      <p:to>
-                                        <p:strVal val="visible"/>
-                                      </p:to>
-                                    </p:set>
-                                  </p:childTnLst>
-                                </p:cTn>
-                              </p:par>
-                            </p:childTnLst>
-                          </p:cTn>
-                        </p:par>
-                      </p:childTnLst>
-                    </p:cTn>
-                  </p:par>
-                </p:childTnLst>
-              </p:cTn>
-              <p:prevCondLst>
-                <p:cond evt="onPrev" delay="0">
-                  <p:tgtEl>
-                    <p:sldTgt/>
-                  </p:tgtEl>
-                </p:cond>
-              </p:prevCondLst>
-              <p:nextCondLst>
-                <p:cond evt="onNext" delay="0">
-                  <p:tgtEl>
-                    <p:sldTgt/>
-                  </p:tgtEl>
-                </p:cond>
-              </p:nextCondLst>
-            </p:seq>
-          </p:childTnLst>
-        </p:cTn>
-      </p:par>
-    </p:tnLst>
-    <p:bldLst>
-      <p:bldP spid="3" grpId="0" build="p"/>
-    </p:bldLst>
-  </p:timing>
 </p:sld>
 </file>
 
@@ -32671,7 +31629,7 @@
                 <a16:creationId xmlns:a16="http://schemas.microsoft.com/office/drawing/2014/main" id="{32BC26D8-82FB-445E-AA49-62A77D7C1EE0}"/>
               </a:ext>
               <a:ext uri="{C183D7F6-B498-43B3-948B-1728B52AA6E4}">
-                <adec:decorative xmlns="" xmlns:adec="http://schemas.microsoft.com/office/drawing/2017/decorative" val="1"/>
+                <adec:decorative xmlns:adec="http://schemas.microsoft.com/office/drawing/2017/decorative" xmlns="" val="1"/>
               </a:ext>
             </a:extLst>
           </p:cNvPr>
@@ -32734,7 +31692,7 @@
                 <a16:creationId xmlns:a16="http://schemas.microsoft.com/office/drawing/2014/main" id="{CB44330D-EA18-4254-AA95-EB49948539B8}"/>
               </a:ext>
               <a:ext uri="{C183D7F6-B498-43B3-948B-1728B52AA6E4}">
-                <adec:decorative xmlns="" xmlns:adec="http://schemas.microsoft.com/office/drawing/2017/decorative" val="1"/>
+                <adec:decorative xmlns:adec="http://schemas.microsoft.com/office/drawing/2017/decorative" xmlns="" val="1"/>
               </a:ext>
             </a:extLst>
           </p:cNvPr>
@@ -33197,7 +32155,7 @@
                 <a16:creationId xmlns:a16="http://schemas.microsoft.com/office/drawing/2014/main" id="{C413D172-8B6A-47F5-9813-DE455773F3FB}"/>
               </a:ext>
               <a:ext uri="{C183D7F6-B498-43B3-948B-1728B52AA6E4}">
-                <adec:decorative xmlns="" xmlns:adec="http://schemas.microsoft.com/office/drawing/2017/decorative" val="1"/>
+                <adec:decorative xmlns:adec="http://schemas.microsoft.com/office/drawing/2017/decorative" xmlns="" val="1"/>
               </a:ext>
             </a:extLst>
           </p:cNvPr>

--- a/Vinit-MLIS-104-01-Research Basics.pptx
+++ b/Vinit-MLIS-104-01-Research Basics.pptx
@@ -5,48 +5,49 @@
     <p:sldMasterId id="2147483648" r:id="rId1"/>
   </p:sldMasterIdLst>
   <p:notesMasterIdLst>
-    <p:notesMasterId r:id="rId41"/>
+    <p:notesMasterId r:id="rId42"/>
   </p:notesMasterIdLst>
   <p:sldIdLst>
     <p:sldId id="256" r:id="rId2"/>
     <p:sldId id="263" r:id="rId3"/>
     <p:sldId id="262" r:id="rId4"/>
     <p:sldId id="261" r:id="rId5"/>
-    <p:sldId id="264" r:id="rId6"/>
-    <p:sldId id="267" r:id="rId7"/>
-    <p:sldId id="258" r:id="rId8"/>
-    <p:sldId id="260" r:id="rId9"/>
-    <p:sldId id="265" r:id="rId10"/>
-    <p:sldId id="266" r:id="rId11"/>
-    <p:sldId id="268" r:id="rId12"/>
-    <p:sldId id="269" r:id="rId13"/>
-    <p:sldId id="270" r:id="rId14"/>
-    <p:sldId id="271" r:id="rId15"/>
-    <p:sldId id="272" r:id="rId16"/>
-    <p:sldId id="273" r:id="rId17"/>
-    <p:sldId id="274" r:id="rId18"/>
-    <p:sldId id="275" r:id="rId19"/>
-    <p:sldId id="276" r:id="rId20"/>
-    <p:sldId id="277" r:id="rId21"/>
-    <p:sldId id="278" r:id="rId22"/>
-    <p:sldId id="279" r:id="rId23"/>
-    <p:sldId id="280" r:id="rId24"/>
-    <p:sldId id="281" r:id="rId25"/>
-    <p:sldId id="282" r:id="rId26"/>
-    <p:sldId id="283" r:id="rId27"/>
-    <p:sldId id="284" r:id="rId28"/>
-    <p:sldId id="285" r:id="rId29"/>
-    <p:sldId id="286" r:id="rId30"/>
-    <p:sldId id="287" r:id="rId31"/>
-    <p:sldId id="288" r:id="rId32"/>
-    <p:sldId id="289" r:id="rId33"/>
-    <p:sldId id="290" r:id="rId34"/>
-    <p:sldId id="291" r:id="rId35"/>
-    <p:sldId id="292" r:id="rId36"/>
-    <p:sldId id="293" r:id="rId37"/>
-    <p:sldId id="294" r:id="rId38"/>
-    <p:sldId id="295" r:id="rId39"/>
-    <p:sldId id="297" r:id="rId40"/>
+    <p:sldId id="298" r:id="rId6"/>
+    <p:sldId id="264" r:id="rId7"/>
+    <p:sldId id="267" r:id="rId8"/>
+    <p:sldId id="258" r:id="rId9"/>
+    <p:sldId id="260" r:id="rId10"/>
+    <p:sldId id="265" r:id="rId11"/>
+    <p:sldId id="266" r:id="rId12"/>
+    <p:sldId id="268" r:id="rId13"/>
+    <p:sldId id="269" r:id="rId14"/>
+    <p:sldId id="270" r:id="rId15"/>
+    <p:sldId id="271" r:id="rId16"/>
+    <p:sldId id="272" r:id="rId17"/>
+    <p:sldId id="273" r:id="rId18"/>
+    <p:sldId id="274" r:id="rId19"/>
+    <p:sldId id="275" r:id="rId20"/>
+    <p:sldId id="276" r:id="rId21"/>
+    <p:sldId id="277" r:id="rId22"/>
+    <p:sldId id="278" r:id="rId23"/>
+    <p:sldId id="279" r:id="rId24"/>
+    <p:sldId id="280" r:id="rId25"/>
+    <p:sldId id="281" r:id="rId26"/>
+    <p:sldId id="282" r:id="rId27"/>
+    <p:sldId id="283" r:id="rId28"/>
+    <p:sldId id="284" r:id="rId29"/>
+    <p:sldId id="285" r:id="rId30"/>
+    <p:sldId id="286" r:id="rId31"/>
+    <p:sldId id="287" r:id="rId32"/>
+    <p:sldId id="288" r:id="rId33"/>
+    <p:sldId id="289" r:id="rId34"/>
+    <p:sldId id="290" r:id="rId35"/>
+    <p:sldId id="291" r:id="rId36"/>
+    <p:sldId id="292" r:id="rId37"/>
+    <p:sldId id="293" r:id="rId38"/>
+    <p:sldId id="294" r:id="rId39"/>
+    <p:sldId id="295" r:id="rId40"/>
+    <p:sldId id="297" r:id="rId41"/>
   </p:sldIdLst>
   <p:sldSz cx="12192000" cy="6858000"/>
   <p:notesSz cx="6858000" cy="9144000"/>
@@ -17592,7 +17593,7 @@
           <a:p>
             <a:fld id="{BC8FBEA1-E8A2-4CE3-9122-957B79178A14}" type="datetimeFigureOut">
               <a:rPr lang="en-IN" smtClean="0"/>
-              <a:t>23-08-2018</a:t>
+              <a:t>29-08-2018</a:t>
             </a:fld>
             <a:endParaRPr lang="en-IN"/>
           </a:p>
@@ -17948,7 +17949,7 @@
           <a:p>
             <a:fld id="{74AD9A08-AEB3-4461-A37D-9554EF044781}" type="slidenum">
               <a:rPr lang="en-IN" smtClean="0"/>
-              <a:t>13</a:t>
+              <a:t>14</a:t>
             </a:fld>
             <a:endParaRPr lang="en-IN"/>
           </a:p>
@@ -18116,7 +18117,7 @@
           <a:p>
             <a:fld id="{6F56A93D-98CF-42F8-ACA1-3331BE5CAE32}" type="datetime1">
               <a:rPr lang="en-IN" smtClean="0"/>
-              <a:t>23-08-2018</a:t>
+              <a:t>29-08-2018</a:t>
             </a:fld>
             <a:endParaRPr lang="en-IN"/>
           </a:p>
@@ -18316,7 +18317,7 @@
           <a:p>
             <a:fld id="{B3B6630B-FB6D-491F-8622-8C83F3275445}" type="datetime1">
               <a:rPr lang="en-IN" smtClean="0"/>
-              <a:t>23-08-2018</a:t>
+              <a:t>29-08-2018</a:t>
             </a:fld>
             <a:endParaRPr lang="en-IN"/>
           </a:p>
@@ -18526,7 +18527,7 @@
           <a:p>
             <a:fld id="{A78F1241-4DA6-4CFB-8E38-1E4F42C27A85}" type="datetime1">
               <a:rPr lang="en-IN" smtClean="0"/>
-              <a:t>23-08-2018</a:t>
+              <a:t>29-08-2018</a:t>
             </a:fld>
             <a:endParaRPr lang="en-IN"/>
           </a:p>
@@ -18726,7 +18727,7 @@
           <a:p>
             <a:fld id="{D40499DE-712E-4B21-826F-5E369C582D63}" type="datetime1">
               <a:rPr lang="en-IN" smtClean="0"/>
-              <a:t>23-08-2018</a:t>
+              <a:t>29-08-2018</a:t>
             </a:fld>
             <a:endParaRPr lang="en-IN"/>
           </a:p>
@@ -19002,7 +19003,7 @@
           <a:p>
             <a:fld id="{B87046C1-1DBC-4C45-B8B3-85EBC71E1BC2}" type="datetime1">
               <a:rPr lang="en-IN" smtClean="0"/>
-              <a:t>23-08-2018</a:t>
+              <a:t>29-08-2018</a:t>
             </a:fld>
             <a:endParaRPr lang="en-IN"/>
           </a:p>
@@ -19270,7 +19271,7 @@
           <a:p>
             <a:fld id="{D09FEF16-F2A4-4A83-8879-86A068D3AD0A}" type="datetime1">
               <a:rPr lang="en-IN" smtClean="0"/>
-              <a:t>23-08-2018</a:t>
+              <a:t>29-08-2018</a:t>
             </a:fld>
             <a:endParaRPr lang="en-IN"/>
           </a:p>
@@ -19685,7 +19686,7 @@
           <a:p>
             <a:fld id="{AC27502C-7D2D-42A0-A618-872FB0C15A04}" type="datetime1">
               <a:rPr lang="en-IN" smtClean="0"/>
-              <a:t>23-08-2018</a:t>
+              <a:t>29-08-2018</a:t>
             </a:fld>
             <a:endParaRPr lang="en-IN"/>
           </a:p>
@@ -19827,7 +19828,7 @@
           <a:p>
             <a:fld id="{36AA8895-9C56-4020-869B-42D8430B374A}" type="datetime1">
               <a:rPr lang="en-IN" smtClean="0"/>
-              <a:t>23-08-2018</a:t>
+              <a:t>29-08-2018</a:t>
             </a:fld>
             <a:endParaRPr lang="en-IN"/>
           </a:p>
@@ -19940,7 +19941,7 @@
           <a:p>
             <a:fld id="{514217C0-A885-4545-8BFC-5E1B8F8DC823}" type="datetime1">
               <a:rPr lang="en-IN" smtClean="0"/>
-              <a:t>23-08-2018</a:t>
+              <a:t>29-08-2018</a:t>
             </a:fld>
             <a:endParaRPr lang="en-IN"/>
           </a:p>
@@ -20253,7 +20254,7 @@
           <a:p>
             <a:fld id="{8D0BAEF4-B245-426F-AD8B-0CC897ACBD81}" type="datetime1">
               <a:rPr lang="en-IN" smtClean="0"/>
-              <a:t>23-08-2018</a:t>
+              <a:t>29-08-2018</a:t>
             </a:fld>
             <a:endParaRPr lang="en-IN"/>
           </a:p>
@@ -20542,7 +20543,7 @@
           <a:p>
             <a:fld id="{B07C1369-7D3D-43D3-9701-A168F7E90BEC}" type="datetime1">
               <a:rPr lang="en-IN" smtClean="0"/>
-              <a:t>23-08-2018</a:t>
+              <a:t>29-08-2018</a:t>
             </a:fld>
             <a:endParaRPr lang="en-IN"/>
           </a:p>
@@ -20785,7 +20786,7 @@
           <a:p>
             <a:fld id="{D465BEA8-A66A-40E0-ABAC-9E18F57056C3}" type="datetime1">
               <a:rPr lang="en-IN" smtClean="0"/>
-              <a:t>23-08-2018</a:t>
+              <a:t>29-08-2018</a:t>
             </a:fld>
             <a:endParaRPr lang="en-IN"/>
           </a:p>
@@ -21279,6 +21280,192 @@
 <file path=ppt/slides/slide10.xml><?xml version="1.0" encoding="utf-8"?>
 <p:sld xmlns:a="http://schemas.openxmlformats.org/drawingml/2006/main" xmlns:r="http://schemas.openxmlformats.org/officeDocument/2006/relationships" xmlns:p="http://schemas.openxmlformats.org/presentationml/2006/main">
   <p:cSld>
+    <p:bg>
+      <p:bgPr>
+        <a:solidFill>
+          <a:schemeClr val="bg1"/>
+        </a:solidFill>
+        <a:effectLst/>
+      </p:bgPr>
+    </p:bg>
+    <p:spTree>
+      <p:nvGrpSpPr>
+        <p:cNvPr id="1" name=""/>
+        <p:cNvGrpSpPr/>
+        <p:nvPr/>
+      </p:nvGrpSpPr>
+      <p:grpSpPr>
+        <a:xfrm>
+          <a:off x="0" y="0"/>
+          <a:ext cx="0" cy="0"/>
+          <a:chOff x="0" y="0"/>
+          <a:chExt cx="0" cy="0"/>
+        </a:xfrm>
+      </p:grpSpPr>
+      <p:sp>
+        <p:nvSpPr>
+          <p:cNvPr id="2" name="Title 1">
+            <a:extLst>
+              <a:ext uri="{FF2B5EF4-FFF2-40B4-BE49-F238E27FC236}">
+                <a16:creationId xmlns:a16="http://schemas.microsoft.com/office/drawing/2014/main" id="{B36A81AE-F0AD-4388-9FF7-A1A5905946C1}"/>
+              </a:ext>
+            </a:extLst>
+          </p:cNvPr>
+          <p:cNvSpPr>
+            <a:spLocks noGrp="1"/>
+          </p:cNvSpPr>
+          <p:nvPr>
+            <p:ph type="title"/>
+          </p:nvPr>
+        </p:nvSpPr>
+        <p:spPr>
+          <a:xfrm>
+            <a:off x="838200" y="365125"/>
+            <a:ext cx="6505575" cy="1325563"/>
+          </a:xfrm>
+        </p:spPr>
+        <p:txBody>
+          <a:bodyPr>
+            <a:normAutofit/>
+          </a:bodyPr>
+          <a:lstStyle/>
+          <a:p>
+            <a:endParaRPr lang="en-IN"/>
+          </a:p>
+        </p:txBody>
+      </p:sp>
+      <p:sp>
+        <p:nvSpPr>
+          <p:cNvPr id="3" name="Content Placeholder 2">
+            <a:extLst>
+              <a:ext uri="{FF2B5EF4-FFF2-40B4-BE49-F238E27FC236}">
+                <a16:creationId xmlns:a16="http://schemas.microsoft.com/office/drawing/2014/main" id="{2820E59D-AB23-4DDE-8BAA-3F60E209ADD5}"/>
+              </a:ext>
+            </a:extLst>
+          </p:cNvPr>
+          <p:cNvSpPr>
+            <a:spLocks noGrp="1"/>
+          </p:cNvSpPr>
+          <p:nvPr>
+            <p:ph idx="1"/>
+          </p:nvPr>
+        </p:nvSpPr>
+        <p:spPr>
+          <a:xfrm>
+            <a:off x="838200" y="1825625"/>
+            <a:ext cx="6505575" cy="4351338"/>
+          </a:xfrm>
+        </p:spPr>
+        <p:txBody>
+          <a:bodyPr>
+            <a:normAutofit/>
+          </a:bodyPr>
+          <a:lstStyle/>
+          <a:p>
+            <a:endParaRPr lang="en-IN" dirty="0"/>
+          </a:p>
+        </p:txBody>
+      </p:sp>
+      <p:pic>
+        <p:nvPicPr>
+          <p:cNvPr id="5" name="Picture 4">
+            <a:extLst>
+              <a:ext uri="{FF2B5EF4-FFF2-40B4-BE49-F238E27FC236}">
+                <a16:creationId xmlns:a16="http://schemas.microsoft.com/office/drawing/2014/main" id="{96697D48-4836-4692-B67E-E8D828B21C91}"/>
+              </a:ext>
+            </a:extLst>
+          </p:cNvPr>
+          <p:cNvPicPr>
+            <a:picLocks noChangeAspect="1"/>
+          </p:cNvPicPr>
+          <p:nvPr/>
+        </p:nvPicPr>
+        <p:blipFill rotWithShape="1">
+          <a:blip r:embed="rId2"/>
+          <a:srcRect t="3550"/>
+          <a:stretch/>
+        </p:blipFill>
+        <p:spPr>
+          <a:xfrm>
+            <a:off x="2272553" y="-1"/>
+            <a:ext cx="6790764" cy="6858001"/>
+          </a:xfrm>
+          <a:prstGeom prst="rect">
+            <a:avLst/>
+          </a:prstGeom>
+        </p:spPr>
+      </p:pic>
+      <p:sp>
+        <p:nvSpPr>
+          <p:cNvPr id="10" name="Rectangle 9">
+            <a:extLst>
+              <a:ext uri="{FF2B5EF4-FFF2-40B4-BE49-F238E27FC236}">
+                <a16:creationId xmlns:a16="http://schemas.microsoft.com/office/drawing/2014/main" id="{C413D172-8B6A-47F5-9813-DE455773F3FB}"/>
+              </a:ext>
+              <a:ext uri="{C183D7F6-B498-43B3-948B-1728B52AA6E4}">
+                <adec:decorative xmlns="" xmlns:adec="http://schemas.microsoft.com/office/drawing/2017/decorative" val="1"/>
+              </a:ext>
+            </a:extLst>
+          </p:cNvPr>
+          <p:cNvSpPr>
+            <a:spLocks noGrp="1" noRot="1" noChangeAspect="1" noMove="1" noResize="1" noEditPoints="1" noAdjustHandles="1" noChangeArrowheads="1" noChangeShapeType="1" noTextEdit="1"/>
+          </p:cNvSpPr>
+          <p:nvPr>
+            <p:extLst>
+              <p:ext uri="{386F3935-93C4-4BCD-93E2-E3B085C9AB24}">
+                <p16:designElem xmlns:p16="http://schemas.microsoft.com/office/powerpoint/2015/main" val="1"/>
+              </p:ext>
+            </p:extLst>
+          </p:nvPr>
+        </p:nvSpPr>
+        <p:spPr>
+          <a:xfrm>
+            <a:off x="11292840" y="0"/>
+            <a:ext cx="914400" cy="6858000"/>
+          </a:xfrm>
+          <a:prstGeom prst="rect">
+            <a:avLst/>
+          </a:prstGeom>
+          <a:solidFill>
+            <a:srgbClr val="595959"/>
+          </a:solidFill>
+          <a:ln>
+            <a:noFill/>
+          </a:ln>
+        </p:spPr>
+        <p:style>
+          <a:lnRef idx="2">
+            <a:schemeClr val="accent1">
+              <a:shade val="50000"/>
+            </a:schemeClr>
+          </a:lnRef>
+          <a:fillRef idx="1">
+            <a:schemeClr val="accent1"/>
+          </a:fillRef>
+          <a:effectRef idx="0">
+            <a:schemeClr val="accent1"/>
+          </a:effectRef>
+          <a:fontRef idx="minor">
+            <a:schemeClr val="lt1"/>
+          </a:fontRef>
+        </p:style>
+      </p:sp>
+    </p:spTree>
+    <p:extLst>
+      <p:ext uri="{BB962C8B-B14F-4D97-AF65-F5344CB8AC3E}">
+        <p14:creationId xmlns:p14="http://schemas.microsoft.com/office/powerpoint/2010/main" val="735059358"/>
+      </p:ext>
+    </p:extLst>
+  </p:cSld>
+  <p:clrMapOvr>
+    <a:masterClrMapping/>
+  </p:clrMapOvr>
+</p:sld>
+</file>
+
+<file path=ppt/slides/slide11.xml><?xml version="1.0" encoding="utf-8"?>
+<p:sld xmlns:a="http://schemas.openxmlformats.org/drawingml/2006/main" xmlns:r="http://schemas.openxmlformats.org/officeDocument/2006/relationships" xmlns:p="http://schemas.openxmlformats.org/presentationml/2006/main">
+  <p:cSld>
     <p:spTree>
       <p:nvGrpSpPr>
         <p:cNvPr id="1" name=""/>
@@ -21483,7 +21670,7 @@
 </p:sld>
 </file>
 
-<file path=ppt/slides/slide11.xml><?xml version="1.0" encoding="utf-8"?>
+<file path=ppt/slides/slide12.xml><?xml version="1.0" encoding="utf-8"?>
 <p:sld xmlns:a="http://schemas.openxmlformats.org/drawingml/2006/main" xmlns:r="http://schemas.openxmlformats.org/officeDocument/2006/relationships" xmlns:p="http://schemas.openxmlformats.org/presentationml/2006/main">
   <p:cSld>
     <p:spTree>
@@ -21807,7 +21994,7 @@
 </p:sld>
 </file>
 
-<file path=ppt/slides/slide12.xml><?xml version="1.0" encoding="utf-8"?>
+<file path=ppt/slides/slide13.xml><?xml version="1.0" encoding="utf-8"?>
 <p:sld xmlns:a="http://schemas.openxmlformats.org/drawingml/2006/main" xmlns:r="http://schemas.openxmlformats.org/officeDocument/2006/relationships" xmlns:p="http://schemas.openxmlformats.org/presentationml/2006/main">
   <p:cSld>
     <p:spTree>
@@ -22379,7 +22566,7 @@
 </p:sld>
 </file>
 
-<file path=ppt/slides/slide13.xml><?xml version="1.0" encoding="utf-8"?>
+<file path=ppt/slides/slide14.xml><?xml version="1.0" encoding="utf-8"?>
 <p:sld xmlns:a="http://schemas.openxmlformats.org/drawingml/2006/main" xmlns:r="http://schemas.openxmlformats.org/officeDocument/2006/relationships" xmlns:p="http://schemas.openxmlformats.org/presentationml/2006/main">
   <p:cSld>
     <p:spTree>
@@ -22901,7 +23088,7 @@
 </p:sld>
 </file>
 
-<file path=ppt/slides/slide14.xml><?xml version="1.0" encoding="utf-8"?>
+<file path=ppt/slides/slide15.xml><?xml version="1.0" encoding="utf-8"?>
 <p:sld xmlns:a="http://schemas.openxmlformats.org/drawingml/2006/main" xmlns:r="http://schemas.openxmlformats.org/officeDocument/2006/relationships" xmlns:p="http://schemas.openxmlformats.org/presentationml/2006/main">
   <p:cSld>
     <p:spTree>
@@ -23037,7 +23224,7 @@
 </p:sld>
 </file>
 
-<file path=ppt/slides/slide15.xml><?xml version="1.0" encoding="utf-8"?>
+<file path=ppt/slides/slide16.xml><?xml version="1.0" encoding="utf-8"?>
 <p:sld xmlns:a="http://schemas.openxmlformats.org/drawingml/2006/main" xmlns:r="http://schemas.openxmlformats.org/officeDocument/2006/relationships" xmlns:p="http://schemas.openxmlformats.org/presentationml/2006/main">
   <p:cSld>
     <p:spTree>
@@ -23168,7 +23355,7 @@
 </p:sld>
 </file>
 
-<file path=ppt/slides/slide16.xml><?xml version="1.0" encoding="utf-8"?>
+<file path=ppt/slides/slide17.xml><?xml version="1.0" encoding="utf-8"?>
 <p:sld xmlns:a="http://schemas.openxmlformats.org/drawingml/2006/main" xmlns:r="http://schemas.openxmlformats.org/officeDocument/2006/relationships" xmlns:p="http://schemas.openxmlformats.org/presentationml/2006/main">
   <p:cSld>
     <p:spTree>
@@ -23731,7 +23918,7 @@
 </p:sld>
 </file>
 
-<file path=ppt/slides/slide17.xml><?xml version="1.0" encoding="utf-8"?>
+<file path=ppt/slides/slide18.xml><?xml version="1.0" encoding="utf-8"?>
 <p:sld xmlns:a="http://schemas.openxmlformats.org/drawingml/2006/main" xmlns:r="http://schemas.openxmlformats.org/officeDocument/2006/relationships" xmlns:p="http://schemas.openxmlformats.org/presentationml/2006/main">
   <p:cSld>
     <p:spTree>
@@ -23998,7 +24185,7 @@
 </p:sld>
 </file>
 
-<file path=ppt/slides/slide18.xml><?xml version="1.0" encoding="utf-8"?>
+<file path=ppt/slides/slide19.xml><?xml version="1.0" encoding="utf-8"?>
 <p:sld xmlns:a="http://schemas.openxmlformats.org/drawingml/2006/main" xmlns:r="http://schemas.openxmlformats.org/officeDocument/2006/relationships" xmlns:p="http://schemas.openxmlformats.org/presentationml/2006/main">
   <p:cSld>
     <p:spTree>
@@ -24266,7 +24453,161 @@
 </p:sld>
 </file>
 
-<file path=ppt/slides/slide19.xml><?xml version="1.0" encoding="utf-8"?>
+<file path=ppt/slides/slide2.xml><?xml version="1.0" encoding="utf-8"?>
+<p:sld xmlns:a="http://schemas.openxmlformats.org/drawingml/2006/main" xmlns:r="http://schemas.openxmlformats.org/officeDocument/2006/relationships" xmlns:p="http://schemas.openxmlformats.org/presentationml/2006/main">
+  <p:cSld>
+    <p:spTree>
+      <p:nvGrpSpPr>
+        <p:cNvPr id="1" name=""/>
+        <p:cNvGrpSpPr/>
+        <p:nvPr/>
+      </p:nvGrpSpPr>
+      <p:grpSpPr>
+        <a:xfrm>
+          <a:off x="0" y="0"/>
+          <a:ext cx="0" cy="0"/>
+          <a:chOff x="0" y="0"/>
+          <a:chExt cx="0" cy="0"/>
+        </a:xfrm>
+      </p:grpSpPr>
+      <p:sp>
+        <p:nvSpPr>
+          <p:cNvPr id="2" name="Title 1">
+            <a:extLst>
+              <a:ext uri="{FF2B5EF4-FFF2-40B4-BE49-F238E27FC236}">
+                <a16:creationId xmlns:a16="http://schemas.microsoft.com/office/drawing/2014/main" id="{651EB754-FB27-4F4D-BF8E-3D86A1D9778F}"/>
+              </a:ext>
+            </a:extLst>
+          </p:cNvPr>
+          <p:cNvSpPr>
+            <a:spLocks noGrp="1"/>
+          </p:cNvSpPr>
+          <p:nvPr>
+            <p:ph type="title"/>
+          </p:nvPr>
+        </p:nvSpPr>
+        <p:spPr/>
+        <p:txBody>
+          <a:bodyPr/>
+          <a:lstStyle/>
+          <a:p>
+            <a:r>
+              <a:rPr lang="en-US" dirty="0"/>
+              <a:t>Concept of Research…</a:t>
+            </a:r>
+          </a:p>
+        </p:txBody>
+      </p:sp>
+      <p:sp>
+        <p:nvSpPr>
+          <p:cNvPr id="3" name="Content Placeholder 2">
+            <a:extLst>
+              <a:ext uri="{FF2B5EF4-FFF2-40B4-BE49-F238E27FC236}">
+                <a16:creationId xmlns:a16="http://schemas.microsoft.com/office/drawing/2014/main" id="{18D6DDC7-DBA2-46E7-A2E9-814D6AD5BDF7}"/>
+              </a:ext>
+            </a:extLst>
+          </p:cNvPr>
+          <p:cNvSpPr>
+            <a:spLocks noGrp="1"/>
+          </p:cNvSpPr>
+          <p:nvPr>
+            <p:ph idx="1"/>
+          </p:nvPr>
+        </p:nvSpPr>
+        <p:spPr>
+          <a:xfrm>
+            <a:off x="913795" y="2096063"/>
+            <a:ext cx="10353762" cy="4154129"/>
+          </a:xfrm>
+        </p:spPr>
+        <p:txBody>
+          <a:bodyPr>
+            <a:normAutofit fontScale="70000" lnSpcReduction="20000"/>
+          </a:bodyPr>
+          <a:lstStyle/>
+          <a:p>
+            <a:r>
+              <a:rPr lang="en-US" dirty="0">
+                <a:effectLst/>
+              </a:rPr>
+              <a:t>Systematic investigation to establish facts or principles or to collect information on a subject  </a:t>
+            </a:r>
+          </a:p>
+          <a:p>
+            <a:r>
+              <a:rPr lang="en-US" dirty="0">
+                <a:effectLst/>
+              </a:rPr>
+              <a:t>To carry out investigations into (a subject, problem, etc.)  </a:t>
+            </a:r>
+          </a:p>
+          <a:p>
+            <a:r>
+              <a:rPr lang="en-US" dirty="0"/>
+              <a:t>In the broadest sense of the word, the definition of research includes any gathering of data, information and facts for the advancement of knowledge.</a:t>
+            </a:r>
+          </a:p>
+          <a:p>
+            <a:r>
+              <a:rPr lang="en-US" dirty="0"/>
+              <a:t>Reading factual book of any sort is kind of research. </a:t>
+            </a:r>
+          </a:p>
+          <a:p>
+            <a:r>
+              <a:rPr lang="en-US" dirty="0"/>
+              <a:t>Surfing the internet or watching the news is also type of research.</a:t>
+            </a:r>
+          </a:p>
+          <a:p>
+            <a:r>
+              <a:rPr lang="en-US" dirty="0"/>
+              <a:t>Research is undertaken within most professions.</a:t>
+            </a:r>
+            <a:endParaRPr lang="en-US" b="0" dirty="0">
+              <a:effectLst/>
+            </a:endParaRPr>
+          </a:p>
+          <a:p>
+            <a:r>
+              <a:rPr lang="en-US" dirty="0"/>
+              <a:t>Science does not use this word in same way, preferring to restrict it to certain narrowly defined areas.</a:t>
+            </a:r>
+          </a:p>
+          <a:p>
+            <a:r>
+              <a:rPr lang="en-US" dirty="0"/>
+              <a:t>More than a set of skills, it is a way of thinking: examining critically the various aspects of your professional work.</a:t>
+            </a:r>
+            <a:endParaRPr lang="en-US" b="0" dirty="0">
+              <a:effectLst/>
+            </a:endParaRPr>
+          </a:p>
+          <a:p>
+            <a:r>
+              <a:rPr lang="en-US" dirty="0"/>
+              <a:t>It is a habit of questioning what you do, and a systematic examination of the observed information to find answers with a view to bring appropriate changes for a more effective professional service.</a:t>
+            </a:r>
+          </a:p>
+          <a:p>
+            <a:endParaRPr lang="en-US" dirty="0"/>
+          </a:p>
+        </p:txBody>
+      </p:sp>
+    </p:spTree>
+    <p:extLst>
+      <p:ext uri="{BB962C8B-B14F-4D97-AF65-F5344CB8AC3E}">
+        <p14:creationId xmlns:p14="http://schemas.microsoft.com/office/powerpoint/2010/main" val="775032075"/>
+      </p:ext>
+    </p:extLst>
+  </p:cSld>
+  <p:clrMapOvr>
+    <a:masterClrMapping/>
+  </p:clrMapOvr>
+</p:sld>
+</file>
+
+<file path=ppt/slides/slide20.xml><?xml version="1.0" encoding="utf-8"?>
 <p:sld xmlns:a="http://schemas.openxmlformats.org/drawingml/2006/main" xmlns:r="http://schemas.openxmlformats.org/officeDocument/2006/relationships" xmlns:p="http://schemas.openxmlformats.org/presentationml/2006/main">
   <p:cSld>
     <p:spTree>
@@ -24528,161 +24869,7 @@
 </p:sld>
 </file>
 
-<file path=ppt/slides/slide2.xml><?xml version="1.0" encoding="utf-8"?>
-<p:sld xmlns:a="http://schemas.openxmlformats.org/drawingml/2006/main" xmlns:r="http://schemas.openxmlformats.org/officeDocument/2006/relationships" xmlns:p="http://schemas.openxmlformats.org/presentationml/2006/main">
-  <p:cSld>
-    <p:spTree>
-      <p:nvGrpSpPr>
-        <p:cNvPr id="1" name=""/>
-        <p:cNvGrpSpPr/>
-        <p:nvPr/>
-      </p:nvGrpSpPr>
-      <p:grpSpPr>
-        <a:xfrm>
-          <a:off x="0" y="0"/>
-          <a:ext cx="0" cy="0"/>
-          <a:chOff x="0" y="0"/>
-          <a:chExt cx="0" cy="0"/>
-        </a:xfrm>
-      </p:grpSpPr>
-      <p:sp>
-        <p:nvSpPr>
-          <p:cNvPr id="2" name="Title 1">
-            <a:extLst>
-              <a:ext uri="{FF2B5EF4-FFF2-40B4-BE49-F238E27FC236}">
-                <a16:creationId xmlns:a16="http://schemas.microsoft.com/office/drawing/2014/main" id="{651EB754-FB27-4F4D-BF8E-3D86A1D9778F}"/>
-              </a:ext>
-            </a:extLst>
-          </p:cNvPr>
-          <p:cNvSpPr>
-            <a:spLocks noGrp="1"/>
-          </p:cNvSpPr>
-          <p:nvPr>
-            <p:ph type="title"/>
-          </p:nvPr>
-        </p:nvSpPr>
-        <p:spPr/>
-        <p:txBody>
-          <a:bodyPr/>
-          <a:lstStyle/>
-          <a:p>
-            <a:r>
-              <a:rPr lang="en-US" dirty="0"/>
-              <a:t>Concept of Research…</a:t>
-            </a:r>
-          </a:p>
-        </p:txBody>
-      </p:sp>
-      <p:sp>
-        <p:nvSpPr>
-          <p:cNvPr id="3" name="Content Placeholder 2">
-            <a:extLst>
-              <a:ext uri="{FF2B5EF4-FFF2-40B4-BE49-F238E27FC236}">
-                <a16:creationId xmlns:a16="http://schemas.microsoft.com/office/drawing/2014/main" id="{18D6DDC7-DBA2-46E7-A2E9-814D6AD5BDF7}"/>
-              </a:ext>
-            </a:extLst>
-          </p:cNvPr>
-          <p:cNvSpPr>
-            <a:spLocks noGrp="1"/>
-          </p:cNvSpPr>
-          <p:nvPr>
-            <p:ph idx="1"/>
-          </p:nvPr>
-        </p:nvSpPr>
-        <p:spPr>
-          <a:xfrm>
-            <a:off x="913795" y="2096063"/>
-            <a:ext cx="10353762" cy="4154129"/>
-          </a:xfrm>
-        </p:spPr>
-        <p:txBody>
-          <a:bodyPr>
-            <a:normAutofit fontScale="70000" lnSpcReduction="20000"/>
-          </a:bodyPr>
-          <a:lstStyle/>
-          <a:p>
-            <a:r>
-              <a:rPr lang="en-US" dirty="0">
-                <a:effectLst/>
-              </a:rPr>
-              <a:t>Systematic investigation to establish facts or principles or to collect information on a subject  </a:t>
-            </a:r>
-          </a:p>
-          <a:p>
-            <a:r>
-              <a:rPr lang="en-US" dirty="0">
-                <a:effectLst/>
-              </a:rPr>
-              <a:t>To carry out investigations into (a subject, problem, etc.)  </a:t>
-            </a:r>
-          </a:p>
-          <a:p>
-            <a:r>
-              <a:rPr lang="en-US" dirty="0"/>
-              <a:t>In the broadest sense of the word, the definition of research includes any gathering of data, information and facts for the advancement of knowledge.</a:t>
-            </a:r>
-          </a:p>
-          <a:p>
-            <a:r>
-              <a:rPr lang="en-US" dirty="0"/>
-              <a:t>Reading factual book of any sort is kind of research. </a:t>
-            </a:r>
-          </a:p>
-          <a:p>
-            <a:r>
-              <a:rPr lang="en-US" dirty="0"/>
-              <a:t>Surfing the internet or watching the news is also type of research.</a:t>
-            </a:r>
-          </a:p>
-          <a:p>
-            <a:r>
-              <a:rPr lang="en-US" dirty="0"/>
-              <a:t>Research is undertaken within most professions.</a:t>
-            </a:r>
-            <a:endParaRPr lang="en-US" b="0" dirty="0">
-              <a:effectLst/>
-            </a:endParaRPr>
-          </a:p>
-          <a:p>
-            <a:r>
-              <a:rPr lang="en-US" dirty="0"/>
-              <a:t>Science does not use this word in same way, preferring to restrict it to certain narrowly defined areas.</a:t>
-            </a:r>
-          </a:p>
-          <a:p>
-            <a:r>
-              <a:rPr lang="en-US" dirty="0"/>
-              <a:t>More than a set of skills, it is a way of thinking: examining critically the various aspects of your professional work.</a:t>
-            </a:r>
-            <a:endParaRPr lang="en-US" b="0" dirty="0">
-              <a:effectLst/>
-            </a:endParaRPr>
-          </a:p>
-          <a:p>
-            <a:r>
-              <a:rPr lang="en-US" dirty="0"/>
-              <a:t>It is a habit of questioning what you do, and a systematic examination of the observed information to find answers with a view to bring appropriate changes for a more effective professional service.</a:t>
-            </a:r>
-          </a:p>
-          <a:p>
-            <a:endParaRPr lang="en-US" dirty="0"/>
-          </a:p>
-        </p:txBody>
-      </p:sp>
-    </p:spTree>
-    <p:extLst>
-      <p:ext uri="{BB962C8B-B14F-4D97-AF65-F5344CB8AC3E}">
-        <p14:creationId xmlns:p14="http://schemas.microsoft.com/office/powerpoint/2010/main" val="775032075"/>
-      </p:ext>
-    </p:extLst>
-  </p:cSld>
-  <p:clrMapOvr>
-    <a:masterClrMapping/>
-  </p:clrMapOvr>
-</p:sld>
-</file>
-
-<file path=ppt/slides/slide20.xml><?xml version="1.0" encoding="utf-8"?>
+<file path=ppt/slides/slide21.xml><?xml version="1.0" encoding="utf-8"?>
 <p:sld xmlns:a="http://schemas.openxmlformats.org/drawingml/2006/main" xmlns:r="http://schemas.openxmlformats.org/officeDocument/2006/relationships" xmlns:p="http://schemas.openxmlformats.org/presentationml/2006/main">
   <p:cSld>
     <p:spTree>
@@ -24950,7 +25137,7 @@
 </p:sld>
 </file>
 
-<file path=ppt/slides/slide21.xml><?xml version="1.0" encoding="utf-8"?>
+<file path=ppt/slides/slide22.xml><?xml version="1.0" encoding="utf-8"?>
 <p:sld xmlns:a="http://schemas.openxmlformats.org/drawingml/2006/main" xmlns:r="http://schemas.openxmlformats.org/officeDocument/2006/relationships" xmlns:p="http://schemas.openxmlformats.org/presentationml/2006/main">
   <p:cSld>
     <p:spTree>
@@ -25220,7 +25407,7 @@
 </p:sld>
 </file>
 
-<file path=ppt/slides/slide22.xml><?xml version="1.0" encoding="utf-8"?>
+<file path=ppt/slides/slide23.xml><?xml version="1.0" encoding="utf-8"?>
 <p:sld xmlns:a="http://schemas.openxmlformats.org/drawingml/2006/main" xmlns:r="http://schemas.openxmlformats.org/officeDocument/2006/relationships" xmlns:p="http://schemas.openxmlformats.org/presentationml/2006/main">
   <p:cSld>
     <p:spTree>
@@ -25518,7 +25705,7 @@
 </p:sld>
 </file>
 
-<file path=ppt/slides/slide23.xml><?xml version="1.0" encoding="utf-8"?>
+<file path=ppt/slides/slide24.xml><?xml version="1.0" encoding="utf-8"?>
 <p:sld xmlns:a="http://schemas.openxmlformats.org/drawingml/2006/main" xmlns:r="http://schemas.openxmlformats.org/officeDocument/2006/relationships" xmlns:p="http://schemas.openxmlformats.org/presentationml/2006/main">
   <p:cSld>
     <p:spTree>
@@ -25749,7 +25936,7 @@
 </p:sld>
 </file>
 
-<file path=ppt/slides/slide24.xml><?xml version="1.0" encoding="utf-8"?>
+<file path=ppt/slides/slide25.xml><?xml version="1.0" encoding="utf-8"?>
 <p:sld xmlns:a="http://schemas.openxmlformats.org/drawingml/2006/main" xmlns:r="http://schemas.openxmlformats.org/officeDocument/2006/relationships" xmlns:p="http://schemas.openxmlformats.org/presentationml/2006/main">
   <p:cSld>
     <p:spTree>
@@ -26038,7 +26225,7 @@
 </p:sld>
 </file>
 
-<file path=ppt/slides/slide25.xml><?xml version="1.0" encoding="utf-8"?>
+<file path=ppt/slides/slide26.xml><?xml version="1.0" encoding="utf-8"?>
 <p:sld xmlns:a="http://schemas.openxmlformats.org/drawingml/2006/main" xmlns:r="http://schemas.openxmlformats.org/officeDocument/2006/relationships" xmlns:p="http://schemas.openxmlformats.org/presentationml/2006/main">
   <p:cSld>
     <p:spTree>
@@ -26318,7 +26505,7 @@
 </p:sld>
 </file>
 
-<file path=ppt/slides/slide26.xml><?xml version="1.0" encoding="utf-8"?>
+<file path=ppt/slides/slide27.xml><?xml version="1.0" encoding="utf-8"?>
 <p:sld xmlns:a="http://schemas.openxmlformats.org/drawingml/2006/main" xmlns:r="http://schemas.openxmlformats.org/officeDocument/2006/relationships" xmlns:p="http://schemas.openxmlformats.org/presentationml/2006/main">
   <p:cSld>
     <p:spTree>
@@ -26740,7 +26927,7 @@
 </p:sld>
 </file>
 
-<file path=ppt/slides/slide27.xml><?xml version="1.0" encoding="utf-8"?>
+<file path=ppt/slides/slide28.xml><?xml version="1.0" encoding="utf-8"?>
 <p:sld xmlns:a="http://schemas.openxmlformats.org/drawingml/2006/main" xmlns:r="http://schemas.openxmlformats.org/officeDocument/2006/relationships" xmlns:p="http://schemas.openxmlformats.org/presentationml/2006/main">
   <p:cSld>
     <p:spTree>
@@ -26996,7 +27183,7 @@
 </p:sld>
 </file>
 
-<file path=ppt/slides/slide28.xml><?xml version="1.0" encoding="utf-8"?>
+<file path=ppt/slides/slide29.xml><?xml version="1.0" encoding="utf-8"?>
 <p:sld xmlns:a="http://schemas.openxmlformats.org/drawingml/2006/main" xmlns:r="http://schemas.openxmlformats.org/officeDocument/2006/relationships" xmlns:p="http://schemas.openxmlformats.org/presentationml/2006/main">
   <p:cSld>
     <p:spTree>
@@ -27252,7 +27439,144 @@
 </p:sld>
 </file>
 
-<file path=ppt/slides/slide29.xml><?xml version="1.0" encoding="utf-8"?>
+<file path=ppt/slides/slide3.xml><?xml version="1.0" encoding="utf-8"?>
+<p:sld xmlns:a="http://schemas.openxmlformats.org/drawingml/2006/main" xmlns:r="http://schemas.openxmlformats.org/officeDocument/2006/relationships" xmlns:p="http://schemas.openxmlformats.org/presentationml/2006/main">
+  <p:cSld>
+    <p:spTree>
+      <p:nvGrpSpPr>
+        <p:cNvPr id="1" name=""/>
+        <p:cNvGrpSpPr/>
+        <p:nvPr/>
+      </p:nvGrpSpPr>
+      <p:grpSpPr>
+        <a:xfrm>
+          <a:off x="0" y="0"/>
+          <a:ext cx="0" cy="0"/>
+          <a:chOff x="0" y="0"/>
+          <a:chExt cx="0" cy="0"/>
+        </a:xfrm>
+      </p:grpSpPr>
+      <p:sp>
+        <p:nvSpPr>
+          <p:cNvPr id="2" name="Title 1">
+            <a:extLst>
+              <a:ext uri="{FF2B5EF4-FFF2-40B4-BE49-F238E27FC236}">
+                <a16:creationId xmlns:a16="http://schemas.microsoft.com/office/drawing/2014/main" id="{DED4E4DD-90F7-42B2-B7ED-5BF5E2707601}"/>
+              </a:ext>
+            </a:extLst>
+          </p:cNvPr>
+          <p:cNvSpPr>
+            <a:spLocks noGrp="1"/>
+          </p:cNvSpPr>
+          <p:nvPr>
+            <p:ph type="title"/>
+          </p:nvPr>
+        </p:nvSpPr>
+        <p:spPr/>
+        <p:txBody>
+          <a:bodyPr/>
+          <a:lstStyle/>
+          <a:p>
+            <a:r>
+              <a:rPr lang="en-US" dirty="0"/>
+              <a:t>Concept of Research…</a:t>
+            </a:r>
+          </a:p>
+        </p:txBody>
+      </p:sp>
+      <p:sp>
+        <p:nvSpPr>
+          <p:cNvPr id="3" name="Content Placeholder 2">
+            <a:extLst>
+              <a:ext uri="{FF2B5EF4-FFF2-40B4-BE49-F238E27FC236}">
+                <a16:creationId xmlns:a16="http://schemas.microsoft.com/office/drawing/2014/main" id="{D9E92BC6-A77F-4B96-8CE4-2E0A6A51DB59}"/>
+              </a:ext>
+            </a:extLst>
+          </p:cNvPr>
+          <p:cNvSpPr>
+            <a:spLocks noGrp="1"/>
+          </p:cNvSpPr>
+          <p:nvPr>
+            <p:ph idx="1"/>
+          </p:nvPr>
+        </p:nvSpPr>
+        <p:spPr/>
+        <p:txBody>
+          <a:bodyPr>
+            <a:normAutofit/>
+          </a:bodyPr>
+          <a:lstStyle/>
+          <a:p>
+            <a:r>
+              <a:rPr lang="en-US" dirty="0">
+                <a:effectLst/>
+              </a:rPr>
+              <a:t>Word </a:t>
+            </a:r>
+            <a:r>
+              <a:rPr lang="en-US" i="1" dirty="0">
+                <a:effectLst/>
+              </a:rPr>
+              <a:t>research</a:t>
+            </a:r>
+            <a:r>
+              <a:rPr lang="en-US" dirty="0">
+                <a:effectLst/>
+              </a:rPr>
+              <a:t> is derived from  Middle French "</a:t>
+            </a:r>
+            <a:r>
+              <a:rPr lang="en-US" i="1" dirty="0">
+                <a:effectLst/>
+              </a:rPr>
+              <a:t>recherche</a:t>
+            </a:r>
+            <a:r>
+              <a:rPr lang="en-US" dirty="0">
+                <a:effectLst/>
+              </a:rPr>
+              <a:t>", which means "to go about seeking"</a:t>
+            </a:r>
+          </a:p>
+          <a:p>
+            <a:r>
+              <a:rPr lang="en-US" dirty="0">
+                <a:effectLst/>
+              </a:rPr>
+              <a:t>The earliest recorded use of the term was in 1577.</a:t>
+            </a:r>
+          </a:p>
+          <a:p>
+            <a:r>
+              <a:rPr lang="en-US" dirty="0"/>
+              <a:t>Definition of research by OECD, "Any creative systematic activity undertaken in order to increase the stock of knowledge, including knowledge of man, culture and society, and the use of this knowledge to devise new applications“</a:t>
+            </a:r>
+          </a:p>
+          <a:p>
+            <a:r>
+              <a:rPr lang="en-US" dirty="0"/>
+              <a:t>Research must be systematic and follow series of steps &amp; rigid standard protocol</a:t>
+            </a:r>
+          </a:p>
+          <a:p>
+            <a:endParaRPr lang="en-US" dirty="0"/>
+          </a:p>
+        </p:txBody>
+      </p:sp>
+    </p:spTree>
+    <p:extLst>
+      <p:ext uri="{BB962C8B-B14F-4D97-AF65-F5344CB8AC3E}">
+        <p14:creationId xmlns:p14="http://schemas.microsoft.com/office/powerpoint/2010/main" val="2105962104"/>
+      </p:ext>
+    </p:extLst>
+  </p:cSld>
+  <p:clrMapOvr>
+    <a:masterClrMapping/>
+  </p:clrMapOvr>
+</p:sld>
+</file>
+
+<file path=ppt/slides/slide30.xml><?xml version="1.0" encoding="utf-8"?>
 <p:sld xmlns:a="http://schemas.openxmlformats.org/drawingml/2006/main" xmlns:r="http://schemas.openxmlformats.org/officeDocument/2006/relationships" xmlns:p="http://schemas.openxmlformats.org/presentationml/2006/main">
   <p:cSld>
     <p:spTree>
@@ -27507,144 +27831,7 @@
 </p:sld>
 </file>
 
-<file path=ppt/slides/slide3.xml><?xml version="1.0" encoding="utf-8"?>
-<p:sld xmlns:a="http://schemas.openxmlformats.org/drawingml/2006/main" xmlns:r="http://schemas.openxmlformats.org/officeDocument/2006/relationships" xmlns:p="http://schemas.openxmlformats.org/presentationml/2006/main">
-  <p:cSld>
-    <p:spTree>
-      <p:nvGrpSpPr>
-        <p:cNvPr id="1" name=""/>
-        <p:cNvGrpSpPr/>
-        <p:nvPr/>
-      </p:nvGrpSpPr>
-      <p:grpSpPr>
-        <a:xfrm>
-          <a:off x="0" y="0"/>
-          <a:ext cx="0" cy="0"/>
-          <a:chOff x="0" y="0"/>
-          <a:chExt cx="0" cy="0"/>
-        </a:xfrm>
-      </p:grpSpPr>
-      <p:sp>
-        <p:nvSpPr>
-          <p:cNvPr id="2" name="Title 1">
-            <a:extLst>
-              <a:ext uri="{FF2B5EF4-FFF2-40B4-BE49-F238E27FC236}">
-                <a16:creationId xmlns:a16="http://schemas.microsoft.com/office/drawing/2014/main" id="{DED4E4DD-90F7-42B2-B7ED-5BF5E2707601}"/>
-              </a:ext>
-            </a:extLst>
-          </p:cNvPr>
-          <p:cNvSpPr>
-            <a:spLocks noGrp="1"/>
-          </p:cNvSpPr>
-          <p:nvPr>
-            <p:ph type="title"/>
-          </p:nvPr>
-        </p:nvSpPr>
-        <p:spPr/>
-        <p:txBody>
-          <a:bodyPr/>
-          <a:lstStyle/>
-          <a:p>
-            <a:r>
-              <a:rPr lang="en-US" dirty="0"/>
-              <a:t>Concept of Research…</a:t>
-            </a:r>
-          </a:p>
-        </p:txBody>
-      </p:sp>
-      <p:sp>
-        <p:nvSpPr>
-          <p:cNvPr id="3" name="Content Placeholder 2">
-            <a:extLst>
-              <a:ext uri="{FF2B5EF4-FFF2-40B4-BE49-F238E27FC236}">
-                <a16:creationId xmlns:a16="http://schemas.microsoft.com/office/drawing/2014/main" id="{D9E92BC6-A77F-4B96-8CE4-2E0A6A51DB59}"/>
-              </a:ext>
-            </a:extLst>
-          </p:cNvPr>
-          <p:cNvSpPr>
-            <a:spLocks noGrp="1"/>
-          </p:cNvSpPr>
-          <p:nvPr>
-            <p:ph idx="1"/>
-          </p:nvPr>
-        </p:nvSpPr>
-        <p:spPr/>
-        <p:txBody>
-          <a:bodyPr>
-            <a:normAutofit/>
-          </a:bodyPr>
-          <a:lstStyle/>
-          <a:p>
-            <a:r>
-              <a:rPr lang="en-US" dirty="0">
-                <a:effectLst/>
-              </a:rPr>
-              <a:t>Word </a:t>
-            </a:r>
-            <a:r>
-              <a:rPr lang="en-US" i="1" dirty="0">
-                <a:effectLst/>
-              </a:rPr>
-              <a:t>research</a:t>
-            </a:r>
-            <a:r>
-              <a:rPr lang="en-US" dirty="0">
-                <a:effectLst/>
-              </a:rPr>
-              <a:t> is derived from  Middle French "</a:t>
-            </a:r>
-            <a:r>
-              <a:rPr lang="en-US" i="1" dirty="0">
-                <a:effectLst/>
-              </a:rPr>
-              <a:t>recherche</a:t>
-            </a:r>
-            <a:r>
-              <a:rPr lang="en-US" dirty="0">
-                <a:effectLst/>
-              </a:rPr>
-              <a:t>", which means "to go about seeking"</a:t>
-            </a:r>
-          </a:p>
-          <a:p>
-            <a:r>
-              <a:rPr lang="en-US" dirty="0">
-                <a:effectLst/>
-              </a:rPr>
-              <a:t>The earliest recorded use of the term was in 1577.</a:t>
-            </a:r>
-          </a:p>
-          <a:p>
-            <a:r>
-              <a:rPr lang="en-US" dirty="0"/>
-              <a:t>Definition of research by OECD, "Any creative systematic activity undertaken in order to increase the stock of knowledge, including knowledge of man, culture and society, and the use of this knowledge to devise new applications“</a:t>
-            </a:r>
-          </a:p>
-          <a:p>
-            <a:r>
-              <a:rPr lang="en-US" dirty="0"/>
-              <a:t>Research must be systematic and follow series of steps &amp; rigid standard protocol</a:t>
-            </a:r>
-          </a:p>
-          <a:p>
-            <a:endParaRPr lang="en-US" dirty="0"/>
-          </a:p>
-        </p:txBody>
-      </p:sp>
-    </p:spTree>
-    <p:extLst>
-      <p:ext uri="{BB962C8B-B14F-4D97-AF65-F5344CB8AC3E}">
-        <p14:creationId xmlns:p14="http://schemas.microsoft.com/office/powerpoint/2010/main" val="2105962104"/>
-      </p:ext>
-    </p:extLst>
-  </p:cSld>
-  <p:clrMapOvr>
-    <a:masterClrMapping/>
-  </p:clrMapOvr>
-</p:sld>
-</file>
-
-<file path=ppt/slides/slide30.xml><?xml version="1.0" encoding="utf-8"?>
+<file path=ppt/slides/slide31.xml><?xml version="1.0" encoding="utf-8"?>
 <p:sld xmlns:a="http://schemas.openxmlformats.org/drawingml/2006/main" xmlns:r="http://schemas.openxmlformats.org/officeDocument/2006/relationships" xmlns:p="http://schemas.openxmlformats.org/presentationml/2006/main">
   <p:cSld>
     <p:spTree>
@@ -27903,7 +28090,7 @@
 </p:sld>
 </file>
 
-<file path=ppt/slides/slide31.xml><?xml version="1.0" encoding="utf-8"?>
+<file path=ppt/slides/slide32.xml><?xml version="1.0" encoding="utf-8"?>
 <p:sld xmlns:a="http://schemas.openxmlformats.org/drawingml/2006/main" xmlns:r="http://schemas.openxmlformats.org/officeDocument/2006/relationships" xmlns:p="http://schemas.openxmlformats.org/presentationml/2006/main">
   <p:cSld>
     <p:spTree>
@@ -28118,7 +28305,7 @@
 </p:sld>
 </file>
 
-<file path=ppt/slides/slide32.xml><?xml version="1.0" encoding="utf-8"?>
+<file path=ppt/slides/slide33.xml><?xml version="1.0" encoding="utf-8"?>
 <p:sld xmlns:a="http://schemas.openxmlformats.org/drawingml/2006/main" xmlns:r="http://schemas.openxmlformats.org/officeDocument/2006/relationships" xmlns:p="http://schemas.openxmlformats.org/presentationml/2006/main">
   <p:cSld>
     <p:spTree>
@@ -28500,14 +28687,14 @@
             </a:ln>
             <a:extLst>
               <a:ext uri="{909E8E84-426E-40dd-AFC4-6F175D3DCCD1}">
-                <a14:hiddenFill xmlns="" xmlns:a14="http://schemas.microsoft.com/office/drawing/2010/main">
+                <a14:hiddenFill xmlns:a14="http://schemas.microsoft.com/office/drawing/2010/main" xmlns="">
                   <a:solidFill>
                     <a:srgbClr val="FFFFFF"/>
                   </a:solidFill>
                 </a14:hiddenFill>
               </a:ext>
               <a:ext uri="{91240B29-F687-4f45-9708-019B960494DF}">
-                <a14:hiddenLine xmlns="" xmlns:a14="http://schemas.microsoft.com/office/drawing/2010/main" w="9525">
+                <a14:hiddenLine xmlns:a14="http://schemas.microsoft.com/office/drawing/2010/main" xmlns="" w="9525">
                   <a:solidFill>
                     <a:srgbClr val="000000"/>
                   </a:solidFill>
@@ -28660,14 +28847,14 @@
             </a:ln>
             <a:extLst>
               <a:ext uri="{909E8E84-426E-40dd-AFC4-6F175D3DCCD1}">
-                <a14:hiddenFill xmlns="" xmlns:a14="http://schemas.microsoft.com/office/drawing/2010/main">
+                <a14:hiddenFill xmlns:a14="http://schemas.microsoft.com/office/drawing/2010/main" xmlns="">
                   <a:solidFill>
                     <a:srgbClr val="FFFFFF"/>
                   </a:solidFill>
                 </a14:hiddenFill>
               </a:ext>
               <a:ext uri="{91240B29-F687-4f45-9708-019B960494DF}">
-                <a14:hiddenLine xmlns="" xmlns:a14="http://schemas.microsoft.com/office/drawing/2010/main" w="9525">
+                <a14:hiddenLine xmlns:a14="http://schemas.microsoft.com/office/drawing/2010/main" xmlns="" w="9525">
                   <a:solidFill>
                     <a:srgbClr val="000000"/>
                   </a:solidFill>
@@ -28958,7 +29145,7 @@
 </p:sld>
 </file>
 
-<file path=ppt/slides/slide33.xml><?xml version="1.0" encoding="utf-8"?>
+<file path=ppt/slides/slide34.xml><?xml version="1.0" encoding="utf-8"?>
 <p:sld xmlns:a="http://schemas.openxmlformats.org/drawingml/2006/main" xmlns:r="http://schemas.openxmlformats.org/officeDocument/2006/relationships" xmlns:p="http://schemas.openxmlformats.org/presentationml/2006/main">
   <p:cSld>
     <p:spTree>
@@ -29269,7 +29456,7 @@
 </p:sld>
 </file>
 
-<file path=ppt/slides/slide34.xml><?xml version="1.0" encoding="utf-8"?>
+<file path=ppt/slides/slide35.xml><?xml version="1.0" encoding="utf-8"?>
 <p:sld xmlns:a="http://schemas.openxmlformats.org/drawingml/2006/main" xmlns:r="http://schemas.openxmlformats.org/officeDocument/2006/relationships" xmlns:p="http://schemas.openxmlformats.org/presentationml/2006/main">
   <p:cSld>
     <p:spTree>
@@ -29358,7 +29545,7 @@
 </p:sld>
 </file>
 
-<file path=ppt/slides/slide35.xml><?xml version="1.0" encoding="utf-8"?>
+<file path=ppt/slides/slide36.xml><?xml version="1.0" encoding="utf-8"?>
 <p:sld xmlns:a="http://schemas.openxmlformats.org/drawingml/2006/main" xmlns:r="http://schemas.openxmlformats.org/officeDocument/2006/relationships" xmlns:p="http://schemas.openxmlformats.org/presentationml/2006/main">
   <p:cSld>
     <p:spTree>
@@ -29691,7 +29878,7 @@
 </p:sld>
 </file>
 
-<file path=ppt/slides/slide36.xml><?xml version="1.0" encoding="utf-8"?>
+<file path=ppt/slides/slide37.xml><?xml version="1.0" encoding="utf-8"?>
 <p:sld xmlns:a="http://schemas.openxmlformats.org/drawingml/2006/main" xmlns:r="http://schemas.openxmlformats.org/officeDocument/2006/relationships" xmlns:p="http://schemas.openxmlformats.org/presentationml/2006/main">
   <p:cSld>
     <p:spTree>
@@ -30041,7 +30228,7 @@
 </p:sld>
 </file>
 
-<file path=ppt/slides/slide37.xml><?xml version="1.0" encoding="utf-8"?>
+<file path=ppt/slides/slide38.xml><?xml version="1.0" encoding="utf-8"?>
 <p:sld xmlns:a="http://schemas.openxmlformats.org/drawingml/2006/main" xmlns:r="http://schemas.openxmlformats.org/officeDocument/2006/relationships" xmlns:p="http://schemas.openxmlformats.org/presentationml/2006/main">
   <p:cSld>
     <p:spTree>
@@ -30303,7 +30490,7 @@
 </p:sld>
 </file>
 
-<file path=ppt/slides/slide38.xml><?xml version="1.0" encoding="utf-8"?>
+<file path=ppt/slides/slide39.xml><?xml version="1.0" encoding="utf-8"?>
 <p:sld xmlns:a="http://schemas.openxmlformats.org/drawingml/2006/main" xmlns:r="http://schemas.openxmlformats.org/officeDocument/2006/relationships" xmlns:p="http://schemas.openxmlformats.org/presentationml/2006/main">
   <p:cSld>
     <p:spTree>
@@ -30532,7 +30719,204 @@
 </p:sld>
 </file>
 
-<file path=ppt/slides/slide39.xml><?xml version="1.0" encoding="utf-8"?>
+<file path=ppt/slides/slide4.xml><?xml version="1.0" encoding="utf-8"?>
+<p:sld xmlns:a="http://schemas.openxmlformats.org/drawingml/2006/main" xmlns:r="http://schemas.openxmlformats.org/officeDocument/2006/relationships" xmlns:p="http://schemas.openxmlformats.org/presentationml/2006/main">
+  <p:cSld>
+    <p:spTree>
+      <p:nvGrpSpPr>
+        <p:cNvPr id="1" name=""/>
+        <p:cNvGrpSpPr/>
+        <p:nvPr/>
+      </p:nvGrpSpPr>
+      <p:grpSpPr>
+        <a:xfrm>
+          <a:off x="0" y="0"/>
+          <a:ext cx="0" cy="0"/>
+          <a:chOff x="0" y="0"/>
+          <a:chExt cx="0" cy="0"/>
+        </a:xfrm>
+      </p:grpSpPr>
+      <p:sp>
+        <p:nvSpPr>
+          <p:cNvPr id="2" name="Title 1">
+            <a:extLst>
+              <a:ext uri="{FF2B5EF4-FFF2-40B4-BE49-F238E27FC236}">
+                <a16:creationId xmlns:a16="http://schemas.microsoft.com/office/drawing/2014/main" id="{62330BE5-0F55-4F77-92E8-06D709D2C464}"/>
+              </a:ext>
+            </a:extLst>
+          </p:cNvPr>
+          <p:cNvSpPr>
+            <a:spLocks noGrp="1"/>
+          </p:cNvSpPr>
+          <p:nvPr>
+            <p:ph type="title"/>
+          </p:nvPr>
+        </p:nvSpPr>
+        <p:spPr/>
+        <p:txBody>
+          <a:bodyPr/>
+          <a:lstStyle/>
+          <a:p>
+            <a:r>
+              <a:rPr lang="en-US" dirty="0"/>
+              <a:t>Definitions of Research</a:t>
+            </a:r>
+          </a:p>
+        </p:txBody>
+      </p:sp>
+      <p:sp>
+        <p:nvSpPr>
+          <p:cNvPr id="3" name="Content Placeholder 2">
+            <a:extLst>
+              <a:ext uri="{FF2B5EF4-FFF2-40B4-BE49-F238E27FC236}">
+                <a16:creationId xmlns:a16="http://schemas.microsoft.com/office/drawing/2014/main" id="{8F93108C-297B-4775-AEA0-2D4E7937008E}"/>
+              </a:ext>
+            </a:extLst>
+          </p:cNvPr>
+          <p:cNvSpPr>
+            <a:spLocks noGrp="1"/>
+          </p:cNvSpPr>
+          <p:nvPr>
+            <p:ph idx="1"/>
+          </p:nvPr>
+        </p:nvSpPr>
+        <p:spPr/>
+        <p:txBody>
+          <a:bodyPr>
+            <a:noAutofit/>
+          </a:bodyPr>
+          <a:lstStyle/>
+          <a:p>
+            <a:pPr>
+              <a:lnSpc>
+                <a:spcPct val="120000"/>
+              </a:lnSpc>
+            </a:pPr>
+            <a:r>
+              <a:rPr lang="en-US" sz="1600" dirty="0">
+                <a:effectLst/>
+              </a:rPr>
+              <a:t>“Research is an honest, exhaustive, intelligent searching for facts and their meaning or implications with reference to a problem.” (Cook, P. M. 1929)</a:t>
+            </a:r>
+          </a:p>
+          <a:p>
+            <a:pPr>
+              <a:lnSpc>
+                <a:spcPct val="120000"/>
+              </a:lnSpc>
+            </a:pPr>
+            <a:r>
+              <a:rPr lang="en-US" sz="1600" dirty="0">
+                <a:effectLst/>
+              </a:rPr>
+              <a:t> “…research per se constitutes a method for discovery of truth which is really a method of critical thinking.” (Clifford Woody 1927)</a:t>
+            </a:r>
+          </a:p>
+          <a:p>
+            <a:pPr>
+              <a:lnSpc>
+                <a:spcPct val="120000"/>
+              </a:lnSpc>
+            </a:pPr>
+            <a:r>
+              <a:rPr lang="en-US" sz="1600" dirty="0">
+                <a:effectLst/>
+              </a:rPr>
+              <a:t> “Research represents a critical exhaustive investigation to discover new facts, to interpret them in the light of known ideas, theories and laws, to revive the current laws and theories in the light of the newly discovered facts to apply the conclusion to practical purpose.” (Prof S R Ranganathan)</a:t>
+            </a:r>
+          </a:p>
+          <a:p>
+            <a:pPr>
+              <a:lnSpc>
+                <a:spcPct val="120000"/>
+              </a:lnSpc>
+            </a:pPr>
+            <a:r>
+              <a:rPr lang="en-US" sz="1600" dirty="0">
+                <a:effectLst/>
+              </a:rPr>
+              <a:t> “Research is best conceived as the process of arriving at dependable solutions to problems through the planned and systematic collection, analysis and interpretation of data.” (George </a:t>
+            </a:r>
+            <a:r>
+              <a:rPr lang="en-US" sz="1600" dirty="0" err="1">
+                <a:effectLst/>
+              </a:rPr>
+              <a:t>Mouly</a:t>
+            </a:r>
+            <a:r>
+              <a:rPr lang="en-US" sz="1600" dirty="0">
+                <a:effectLst/>
+              </a:rPr>
+              <a:t>, 1978)</a:t>
+            </a:r>
+          </a:p>
+          <a:p>
+            <a:pPr>
+              <a:lnSpc>
+                <a:spcPct val="120000"/>
+              </a:lnSpc>
+            </a:pPr>
+            <a:r>
+              <a:rPr lang="en-US" sz="1600" dirty="0">
+                <a:effectLst/>
+              </a:rPr>
+              <a:t> “Research is as the conduct of special, planned and structured investigation and as a systematic quest for knowledge.” (Charles </a:t>
+            </a:r>
+            <a:r>
+              <a:rPr lang="en-US" sz="1600" dirty="0" err="1">
+                <a:effectLst/>
+              </a:rPr>
+              <a:t>Busha</a:t>
+            </a:r>
+            <a:r>
+              <a:rPr lang="en-US" sz="1600" dirty="0">
+                <a:effectLst/>
+              </a:rPr>
+              <a:t> &amp; Stephen Harter)</a:t>
+            </a:r>
+          </a:p>
+          <a:p>
+            <a:pPr>
+              <a:lnSpc>
+                <a:spcPct val="120000"/>
+              </a:lnSpc>
+            </a:pPr>
+            <a:r>
+              <a:rPr lang="en-US" sz="1600" dirty="0">
+                <a:effectLst/>
+              </a:rPr>
+              <a:t> The Merriam-Webster Online Dictionary defines research as "studious inquiry or examination; </a:t>
+            </a:r>
+            <a:r>
+              <a:rPr lang="en-US" sz="1600" i="1" dirty="0">
+                <a:effectLst/>
+              </a:rPr>
+              <a:t>especially</a:t>
+            </a:r>
+            <a:r>
+              <a:rPr lang="en-US" sz="1600" dirty="0">
+                <a:effectLst/>
+              </a:rPr>
+              <a:t> : investigation or experimentation aimed at the discovery and interpretation of facts, revision of accepted theories or laws in the light of new facts, or practical application of such new or revised theories or laws"</a:t>
+            </a:r>
+            <a:endParaRPr lang="en-US" sz="1600" dirty="0"/>
+          </a:p>
+        </p:txBody>
+      </p:sp>
+    </p:spTree>
+    <p:extLst>
+      <p:ext uri="{BB962C8B-B14F-4D97-AF65-F5344CB8AC3E}">
+        <p14:creationId xmlns:p14="http://schemas.microsoft.com/office/powerpoint/2010/main" val="1165732914"/>
+      </p:ext>
+    </p:extLst>
+  </p:cSld>
+  <p:clrMapOvr>
+    <a:masterClrMapping/>
+  </p:clrMapOvr>
+</p:sld>
+</file>
+
+<file path=ppt/slides/slide40.xml><?xml version="1.0" encoding="utf-8"?>
 <p:sld xmlns:a="http://schemas.openxmlformats.org/drawingml/2006/main" xmlns:r="http://schemas.openxmlformats.org/officeDocument/2006/relationships" xmlns:p="http://schemas.openxmlformats.org/presentationml/2006/main">
   <p:cSld>
     <p:spTree>
@@ -30571,14 +30955,14 @@
           </a:ln>
           <a:extLst>
             <a:ext uri="{909E8E84-426E-40dd-AFC4-6F175D3DCCD1}">
-              <a14:hiddenFill xmlns:a14="http://schemas.microsoft.com/office/drawing/2010/main" xmlns="">
+              <a14:hiddenFill xmlns="" xmlns:a14="http://schemas.microsoft.com/office/drawing/2010/main">
                 <a:solidFill>
                   <a:srgbClr val="FFFFFF"/>
                 </a:solidFill>
               </a14:hiddenFill>
             </a:ext>
             <a:ext uri="{91240B29-F687-4f45-9708-019B960494DF}">
-              <a14:hiddenLine xmlns:a14="http://schemas.microsoft.com/office/drawing/2010/main" xmlns="" w="9525">
+              <a14:hiddenLine xmlns="" xmlns:a14="http://schemas.microsoft.com/office/drawing/2010/main" w="9525">
                 <a:solidFill>
                   <a:srgbClr val="000000"/>
                 </a:solidFill>
@@ -30693,7 +31077,7 @@
 </p:sld>
 </file>
 
-<file path=ppt/slides/slide4.xml><?xml version="1.0" encoding="utf-8"?>
+<file path=ppt/slides/slide5.xml><?xml version="1.0" encoding="utf-8"?>
 <p:sld xmlns:a="http://schemas.openxmlformats.org/drawingml/2006/main" xmlns:r="http://schemas.openxmlformats.org/officeDocument/2006/relationships" xmlns:p="http://schemas.openxmlformats.org/presentationml/2006/main">
   <p:cSld>
     <p:spTree>
@@ -30715,7 +31099,7 @@
           <p:cNvPr id="2" name="Title 1">
             <a:extLst>
               <a:ext uri="{FF2B5EF4-FFF2-40B4-BE49-F238E27FC236}">
-                <a16:creationId xmlns:a16="http://schemas.microsoft.com/office/drawing/2014/main" id="{62330BE5-0F55-4F77-92E8-06D709D2C464}"/>
+                <a16:creationId xmlns:a16="http://schemas.microsoft.com/office/drawing/2014/main" id="{82FC25FA-F947-4FBD-B06A-118C217607DC}"/>
               </a:ext>
             </a:extLst>
           </p:cNvPr>
@@ -30733,8 +31117,9 @@
           <a:p>
             <a:r>
               <a:rPr lang="en-US" dirty="0"/>
-              <a:t>Definitions of Research</a:t>
-            </a:r>
+              <a:t>Purpose of research</a:t>
+            </a:r>
+            <a:endParaRPr lang="en-IN" dirty="0"/>
           </a:p>
         </p:txBody>
       </p:sp>
@@ -30743,7 +31128,7 @@
           <p:cNvPr id="3" name="Content Placeholder 2">
             <a:extLst>
               <a:ext uri="{FF2B5EF4-FFF2-40B4-BE49-F238E27FC236}">
-                <a16:creationId xmlns:a16="http://schemas.microsoft.com/office/drawing/2014/main" id="{8F93108C-297B-4775-AEA0-2D4E7937008E}"/>
+                <a16:creationId xmlns:a16="http://schemas.microsoft.com/office/drawing/2014/main" id="{1FF7FA8E-A2DB-4916-B91B-4C959827D476}"/>
               </a:ext>
             </a:extLst>
           </p:cNvPr>
@@ -30757,130 +31142,80 @@
         <p:spPr/>
         <p:txBody>
           <a:bodyPr>
-            <a:noAutofit/>
+            <a:normAutofit/>
           </a:bodyPr>
           <a:lstStyle/>
           <a:p>
-            <a:pPr>
-              <a:lnSpc>
-                <a:spcPct val="120000"/>
-              </a:lnSpc>
-            </a:pPr>
-            <a:r>
-              <a:rPr lang="en-US" sz="1600" dirty="0">
-                <a:effectLst/>
-              </a:rPr>
-              <a:t>“Research is an honest, exhaustive, intelligent searching for facts and their meaning or implications with reference to a problem.” (Cook, P. M. 1929)</a:t>
-            </a:r>
-          </a:p>
-          <a:p>
-            <a:pPr>
-              <a:lnSpc>
-                <a:spcPct val="120000"/>
-              </a:lnSpc>
-            </a:pPr>
-            <a:r>
-              <a:rPr lang="en-US" sz="1600" dirty="0">
-                <a:effectLst/>
-              </a:rPr>
-              <a:t> “…research per se constitutes a method for discovery of truth which is really a method of critical thinking.” (Clifford Woody 1927)</a:t>
-            </a:r>
-          </a:p>
-          <a:p>
-            <a:pPr>
-              <a:lnSpc>
-                <a:spcPct val="120000"/>
-              </a:lnSpc>
-            </a:pPr>
-            <a:r>
-              <a:rPr lang="en-US" sz="1600" dirty="0">
-                <a:effectLst/>
-              </a:rPr>
-              <a:t> “Research represents a critical exhaustive investigation to discover new facts, to interpret them in the light of known ideas, theories and laws, to revive the current laws and theories in the light of the newly discovered facts to apply the conclusion to practical purpose.” (Prof S R Ranganathan)</a:t>
-            </a:r>
-          </a:p>
-          <a:p>
-            <a:pPr>
-              <a:lnSpc>
-                <a:spcPct val="120000"/>
-              </a:lnSpc>
-            </a:pPr>
-            <a:r>
-              <a:rPr lang="en-US" sz="1600" dirty="0">
-                <a:effectLst/>
-              </a:rPr>
-              <a:t> “Research is best conceived as the process of arriving at dependable solutions to problems through the planned and systematic collection, analysis and interpretation of data.” (George </a:t>
-            </a:r>
-            <a:r>
-              <a:rPr lang="en-US" sz="1600" dirty="0" err="1">
-                <a:effectLst/>
-              </a:rPr>
-              <a:t>Mouly</a:t>
-            </a:r>
-            <a:r>
-              <a:rPr lang="en-US" sz="1600" dirty="0">
-                <a:effectLst/>
-              </a:rPr>
-              <a:t>, 1978)</a:t>
-            </a:r>
-          </a:p>
-          <a:p>
-            <a:pPr>
-              <a:lnSpc>
-                <a:spcPct val="120000"/>
-              </a:lnSpc>
-            </a:pPr>
-            <a:r>
-              <a:rPr lang="en-US" sz="1600" dirty="0">
-                <a:effectLst/>
-              </a:rPr>
-              <a:t> “Research is as the conduct of special, planned and structured investigation and as a systematic quest for knowledge.” (Charles </a:t>
-            </a:r>
-            <a:r>
-              <a:rPr lang="en-US" sz="1600" dirty="0" err="1">
-                <a:effectLst/>
-              </a:rPr>
-              <a:t>Busha</a:t>
-            </a:r>
-            <a:r>
-              <a:rPr lang="en-US" sz="1600" dirty="0">
-                <a:effectLst/>
-              </a:rPr>
-              <a:t> &amp; Stephen Harter)</a:t>
-            </a:r>
-          </a:p>
-          <a:p>
-            <a:pPr>
-              <a:lnSpc>
-                <a:spcPct val="120000"/>
-              </a:lnSpc>
-            </a:pPr>
-            <a:r>
-              <a:rPr lang="en-US" sz="1600" dirty="0">
-                <a:effectLst/>
-              </a:rPr>
-              <a:t> The Merriam-Webster Online Dictionary defines research as "studious inquiry or examination; </a:t>
-            </a:r>
-            <a:r>
-              <a:rPr lang="en-US" sz="1600" i="1" dirty="0">
-                <a:effectLst/>
-              </a:rPr>
-              <a:t>especially</a:t>
-            </a:r>
-            <a:r>
-              <a:rPr lang="en-US" sz="1600" dirty="0">
-                <a:effectLst/>
-              </a:rPr>
-              <a:t> : investigation or experimentation aimed at the discovery and interpretation of facts, revision of accepted theories or laws in the light of new facts, or practical application of such new or revised theories or laws"</a:t>
-            </a:r>
-            <a:endParaRPr lang="en-US" sz="1600" dirty="0"/>
+            <a:r>
+              <a:rPr lang="en-US" dirty="0"/>
+              <a:t>The purpose of research is to:</a:t>
+            </a:r>
+          </a:p>
+          <a:p>
+            <a:pPr lvl="1"/>
+            <a:r>
+              <a:rPr lang="en-US" dirty="0"/>
+              <a:t>Review or synthesize existing knowledge</a:t>
+            </a:r>
+          </a:p>
+          <a:p>
+            <a:pPr lvl="1"/>
+            <a:r>
+              <a:rPr lang="en-US" dirty="0"/>
+              <a:t>Investigate existing situations or problems</a:t>
+            </a:r>
+          </a:p>
+          <a:p>
+            <a:pPr lvl="1"/>
+            <a:r>
+              <a:rPr lang="en-US" dirty="0"/>
+              <a:t>Provide solutions to problems</a:t>
+            </a:r>
+          </a:p>
+          <a:p>
+            <a:pPr lvl="1"/>
+            <a:r>
+              <a:rPr lang="en-US" dirty="0"/>
+              <a:t>Explore and analyze general issues</a:t>
+            </a:r>
+          </a:p>
+          <a:p>
+            <a:pPr lvl="1"/>
+            <a:r>
+              <a:rPr lang="en-US" dirty="0"/>
+              <a:t>Construct or create new procedures or systems</a:t>
+            </a:r>
+          </a:p>
+          <a:p>
+            <a:pPr lvl="1"/>
+            <a:r>
+              <a:rPr lang="en-US" dirty="0"/>
+              <a:t>Explain new phenomena</a:t>
+            </a:r>
+          </a:p>
+          <a:p>
+            <a:pPr lvl="1"/>
+            <a:r>
+              <a:rPr lang="en-US" dirty="0"/>
+              <a:t>Generate new knowledge</a:t>
+            </a:r>
+          </a:p>
+          <a:p>
+            <a:pPr lvl="1"/>
+            <a:r>
+              <a:rPr lang="en-US" dirty="0"/>
+              <a:t>…or a combination of any of the above!</a:t>
+            </a:r>
+          </a:p>
+          <a:p>
+            <a:endParaRPr lang="en-IN" dirty="0"/>
           </a:p>
         </p:txBody>
       </p:sp>
     </p:spTree>
     <p:extLst>
       <p:ext uri="{BB962C8B-B14F-4D97-AF65-F5344CB8AC3E}">
-        <p14:creationId xmlns:p14="http://schemas.microsoft.com/office/powerpoint/2010/main" val="1165732914"/>
+        <p14:creationId xmlns:p14="http://schemas.microsoft.com/office/powerpoint/2010/main" val="3455301140"/>
       </p:ext>
     </p:extLst>
   </p:cSld>
@@ -30890,7 +31225,7 @@
 </p:sld>
 </file>
 
-<file path=ppt/slides/slide5.xml><?xml version="1.0" encoding="utf-8"?>
+<file path=ppt/slides/slide6.xml><?xml version="1.0" encoding="utf-8"?>
 <p:sld xmlns:a="http://schemas.openxmlformats.org/drawingml/2006/main" xmlns:r="http://schemas.openxmlformats.org/officeDocument/2006/relationships" xmlns:p="http://schemas.openxmlformats.org/presentationml/2006/main">
   <p:cSld>
     <p:spTree>
@@ -31053,7 +31388,7 @@
 </p:sld>
 </file>
 
-<file path=ppt/slides/slide6.xml><?xml version="1.0" encoding="utf-8"?>
+<file path=ppt/slides/slide7.xml><?xml version="1.0" encoding="utf-8"?>
 <p:sld xmlns:a="http://schemas.openxmlformats.org/drawingml/2006/main" xmlns:r="http://schemas.openxmlformats.org/officeDocument/2006/relationships" xmlns:p="http://schemas.openxmlformats.org/presentationml/2006/main">
   <p:cSld>
     <p:spTree>
@@ -31596,7 +31931,7 @@
 </p:sld>
 </file>
 
-<file path=ppt/slides/slide7.xml><?xml version="1.0" encoding="utf-8"?>
+<file path=ppt/slides/slide8.xml><?xml version="1.0" encoding="utf-8"?>
 <p:sld xmlns:a="http://schemas.openxmlformats.org/drawingml/2006/main" xmlns:r="http://schemas.openxmlformats.org/officeDocument/2006/relationships" xmlns:p="http://schemas.openxmlformats.org/presentationml/2006/main">
   <p:cSld>
     <p:bg>
@@ -31629,7 +31964,7 @@
                 <a16:creationId xmlns:a16="http://schemas.microsoft.com/office/drawing/2014/main" id="{32BC26D8-82FB-445E-AA49-62A77D7C1EE0}"/>
               </a:ext>
               <a:ext uri="{C183D7F6-B498-43B3-948B-1728B52AA6E4}">
-                <adec:decorative xmlns:adec="http://schemas.microsoft.com/office/drawing/2017/decorative" xmlns="" val="1"/>
+                <adec:decorative xmlns="" xmlns:adec="http://schemas.microsoft.com/office/drawing/2017/decorative" val="1"/>
               </a:ext>
             </a:extLst>
           </p:cNvPr>
@@ -31692,7 +32027,7 @@
                 <a16:creationId xmlns:a16="http://schemas.microsoft.com/office/drawing/2014/main" id="{CB44330D-EA18-4254-AA95-EB49948539B8}"/>
               </a:ext>
               <a:ext uri="{C183D7F6-B498-43B3-948B-1728B52AA6E4}">
-                <adec:decorative xmlns:adec="http://schemas.microsoft.com/office/drawing/2017/decorative" xmlns="" val="1"/>
+                <adec:decorative xmlns="" xmlns:adec="http://schemas.microsoft.com/office/drawing/2017/decorative" val="1"/>
               </a:ext>
             </a:extLst>
           </p:cNvPr>
@@ -31843,7 +32178,7 @@
 </p:sld>
 </file>
 
-<file path=ppt/slides/slide8.xml><?xml version="1.0" encoding="utf-8"?>
+<file path=ppt/slides/slide9.xml><?xml version="1.0" encoding="utf-8"?>
 <p:sld xmlns:a="http://schemas.openxmlformats.org/drawingml/2006/main" xmlns:r="http://schemas.openxmlformats.org/officeDocument/2006/relationships" xmlns:p="http://schemas.openxmlformats.org/presentationml/2006/main">
   <p:cSld>
     <p:spTree>
@@ -32020,192 +32355,6 @@
     <p:extLst>
       <p:ext uri="{BB962C8B-B14F-4D97-AF65-F5344CB8AC3E}">
         <p14:creationId xmlns:p14="http://schemas.microsoft.com/office/powerpoint/2010/main" val="2655018697"/>
-      </p:ext>
-    </p:extLst>
-  </p:cSld>
-  <p:clrMapOvr>
-    <a:masterClrMapping/>
-  </p:clrMapOvr>
-</p:sld>
-</file>
-
-<file path=ppt/slides/slide9.xml><?xml version="1.0" encoding="utf-8"?>
-<p:sld xmlns:a="http://schemas.openxmlformats.org/drawingml/2006/main" xmlns:r="http://schemas.openxmlformats.org/officeDocument/2006/relationships" xmlns:p="http://schemas.openxmlformats.org/presentationml/2006/main">
-  <p:cSld>
-    <p:bg>
-      <p:bgPr>
-        <a:solidFill>
-          <a:schemeClr val="bg1"/>
-        </a:solidFill>
-        <a:effectLst/>
-      </p:bgPr>
-    </p:bg>
-    <p:spTree>
-      <p:nvGrpSpPr>
-        <p:cNvPr id="1" name=""/>
-        <p:cNvGrpSpPr/>
-        <p:nvPr/>
-      </p:nvGrpSpPr>
-      <p:grpSpPr>
-        <a:xfrm>
-          <a:off x="0" y="0"/>
-          <a:ext cx="0" cy="0"/>
-          <a:chOff x="0" y="0"/>
-          <a:chExt cx="0" cy="0"/>
-        </a:xfrm>
-      </p:grpSpPr>
-      <p:sp>
-        <p:nvSpPr>
-          <p:cNvPr id="2" name="Title 1">
-            <a:extLst>
-              <a:ext uri="{FF2B5EF4-FFF2-40B4-BE49-F238E27FC236}">
-                <a16:creationId xmlns:a16="http://schemas.microsoft.com/office/drawing/2014/main" id="{B36A81AE-F0AD-4388-9FF7-A1A5905946C1}"/>
-              </a:ext>
-            </a:extLst>
-          </p:cNvPr>
-          <p:cNvSpPr>
-            <a:spLocks noGrp="1"/>
-          </p:cNvSpPr>
-          <p:nvPr>
-            <p:ph type="title"/>
-          </p:nvPr>
-        </p:nvSpPr>
-        <p:spPr>
-          <a:xfrm>
-            <a:off x="838200" y="365125"/>
-            <a:ext cx="6505575" cy="1325563"/>
-          </a:xfrm>
-        </p:spPr>
-        <p:txBody>
-          <a:bodyPr>
-            <a:normAutofit/>
-          </a:bodyPr>
-          <a:lstStyle/>
-          <a:p>
-            <a:endParaRPr lang="en-IN"/>
-          </a:p>
-        </p:txBody>
-      </p:sp>
-      <p:sp>
-        <p:nvSpPr>
-          <p:cNvPr id="3" name="Content Placeholder 2">
-            <a:extLst>
-              <a:ext uri="{FF2B5EF4-FFF2-40B4-BE49-F238E27FC236}">
-                <a16:creationId xmlns:a16="http://schemas.microsoft.com/office/drawing/2014/main" id="{2820E59D-AB23-4DDE-8BAA-3F60E209ADD5}"/>
-              </a:ext>
-            </a:extLst>
-          </p:cNvPr>
-          <p:cNvSpPr>
-            <a:spLocks noGrp="1"/>
-          </p:cNvSpPr>
-          <p:nvPr>
-            <p:ph idx="1"/>
-          </p:nvPr>
-        </p:nvSpPr>
-        <p:spPr>
-          <a:xfrm>
-            <a:off x="838200" y="1825625"/>
-            <a:ext cx="6505575" cy="4351338"/>
-          </a:xfrm>
-        </p:spPr>
-        <p:txBody>
-          <a:bodyPr>
-            <a:normAutofit/>
-          </a:bodyPr>
-          <a:lstStyle/>
-          <a:p>
-            <a:endParaRPr lang="en-IN" dirty="0"/>
-          </a:p>
-        </p:txBody>
-      </p:sp>
-      <p:pic>
-        <p:nvPicPr>
-          <p:cNvPr id="5" name="Picture 4">
-            <a:extLst>
-              <a:ext uri="{FF2B5EF4-FFF2-40B4-BE49-F238E27FC236}">
-                <a16:creationId xmlns:a16="http://schemas.microsoft.com/office/drawing/2014/main" id="{96697D48-4836-4692-B67E-E8D828B21C91}"/>
-              </a:ext>
-            </a:extLst>
-          </p:cNvPr>
-          <p:cNvPicPr>
-            <a:picLocks noChangeAspect="1"/>
-          </p:cNvPicPr>
-          <p:nvPr/>
-        </p:nvPicPr>
-        <p:blipFill rotWithShape="1">
-          <a:blip r:embed="rId2"/>
-          <a:srcRect t="3550"/>
-          <a:stretch/>
-        </p:blipFill>
-        <p:spPr>
-          <a:xfrm>
-            <a:off x="2272553" y="-1"/>
-            <a:ext cx="6790764" cy="6858001"/>
-          </a:xfrm>
-          <a:prstGeom prst="rect">
-            <a:avLst/>
-          </a:prstGeom>
-        </p:spPr>
-      </p:pic>
-      <p:sp>
-        <p:nvSpPr>
-          <p:cNvPr id="10" name="Rectangle 9">
-            <a:extLst>
-              <a:ext uri="{FF2B5EF4-FFF2-40B4-BE49-F238E27FC236}">
-                <a16:creationId xmlns:a16="http://schemas.microsoft.com/office/drawing/2014/main" id="{C413D172-8B6A-47F5-9813-DE455773F3FB}"/>
-              </a:ext>
-              <a:ext uri="{C183D7F6-B498-43B3-948B-1728B52AA6E4}">
-                <adec:decorative xmlns:adec="http://schemas.microsoft.com/office/drawing/2017/decorative" xmlns="" val="1"/>
-              </a:ext>
-            </a:extLst>
-          </p:cNvPr>
-          <p:cNvSpPr>
-            <a:spLocks noGrp="1" noRot="1" noChangeAspect="1" noMove="1" noResize="1" noEditPoints="1" noAdjustHandles="1" noChangeArrowheads="1" noChangeShapeType="1" noTextEdit="1"/>
-          </p:cNvSpPr>
-          <p:nvPr>
-            <p:extLst>
-              <p:ext uri="{386F3935-93C4-4BCD-93E2-E3B085C9AB24}">
-                <p16:designElem xmlns:p16="http://schemas.microsoft.com/office/powerpoint/2015/main" val="1"/>
-              </p:ext>
-            </p:extLst>
-          </p:nvPr>
-        </p:nvSpPr>
-        <p:spPr>
-          <a:xfrm>
-            <a:off x="11292840" y="0"/>
-            <a:ext cx="914400" cy="6858000"/>
-          </a:xfrm>
-          <a:prstGeom prst="rect">
-            <a:avLst/>
-          </a:prstGeom>
-          <a:solidFill>
-            <a:srgbClr val="595959"/>
-          </a:solidFill>
-          <a:ln>
-            <a:noFill/>
-          </a:ln>
-        </p:spPr>
-        <p:style>
-          <a:lnRef idx="2">
-            <a:schemeClr val="accent1">
-              <a:shade val="50000"/>
-            </a:schemeClr>
-          </a:lnRef>
-          <a:fillRef idx="1">
-            <a:schemeClr val="accent1"/>
-          </a:fillRef>
-          <a:effectRef idx="0">
-            <a:schemeClr val="accent1"/>
-          </a:effectRef>
-          <a:fontRef idx="minor">
-            <a:schemeClr val="lt1"/>
-          </a:fontRef>
-        </p:style>
-      </p:sp>
-    </p:spTree>
-    <p:extLst>
-      <p:ext uri="{BB962C8B-B14F-4D97-AF65-F5344CB8AC3E}">
-        <p14:creationId xmlns:p14="http://schemas.microsoft.com/office/powerpoint/2010/main" val="735059358"/>
       </p:ext>
     </p:extLst>
   </p:cSld>
